--- a/Slides/Module 5 - Controlers and Views.pptx
+++ b/Slides/Module 5 - Controlers and Views.pptx
@@ -5,10 +5,10 @@
     <p:sldMasterId id="2147483660" r:id="rId4"/>
   </p:sldMasterIdLst>
   <p:notesMasterIdLst>
-    <p:notesMasterId r:id="rId22"/>
+    <p:notesMasterId r:id="rId33"/>
   </p:notesMasterIdLst>
   <p:handoutMasterIdLst>
-    <p:handoutMasterId r:id="rId23"/>
+    <p:handoutMasterId r:id="rId34"/>
   </p:handoutMasterIdLst>
   <p:sldIdLst>
     <p:sldId id="277" r:id="rId5"/>
@@ -20,14 +20,25 @@
     <p:sldId id="283" r:id="rId11"/>
     <p:sldId id="284" r:id="rId12"/>
     <p:sldId id="285" r:id="rId13"/>
-    <p:sldId id="286" r:id="rId14"/>
-    <p:sldId id="287" r:id="rId15"/>
-    <p:sldId id="288" r:id="rId16"/>
-    <p:sldId id="289" r:id="rId17"/>
-    <p:sldId id="290" r:id="rId18"/>
-    <p:sldId id="291" r:id="rId19"/>
-    <p:sldId id="292" r:id="rId20"/>
-    <p:sldId id="269" r:id="rId21"/>
+    <p:sldId id="293" r:id="rId14"/>
+    <p:sldId id="294" r:id="rId15"/>
+    <p:sldId id="287" r:id="rId16"/>
+    <p:sldId id="288" r:id="rId17"/>
+    <p:sldId id="289" r:id="rId18"/>
+    <p:sldId id="290" r:id="rId19"/>
+    <p:sldId id="299" r:id="rId20"/>
+    <p:sldId id="300" r:id="rId21"/>
+    <p:sldId id="301" r:id="rId22"/>
+    <p:sldId id="303" r:id="rId23"/>
+    <p:sldId id="302" r:id="rId24"/>
+    <p:sldId id="304" r:id="rId25"/>
+    <p:sldId id="305" r:id="rId26"/>
+    <p:sldId id="306" r:id="rId27"/>
+    <p:sldId id="307" r:id="rId28"/>
+    <p:sldId id="308" r:id="rId29"/>
+    <p:sldId id="309" r:id="rId30"/>
+    <p:sldId id="310" r:id="rId31"/>
+    <p:sldId id="269" r:id="rId32"/>
   </p:sldIdLst>
   <p:sldSz cx="12192000" cy="6858000"/>
   <p:notesSz cx="6858000" cy="9144000"/>
@@ -219,7 +230,7 @@
           <a:p>
             <a:fld id="{312E7B4A-039C-48A2-9B2C-AF16AA3873D8}" type="datetimeFigureOut">
               <a:rPr lang="en-US" smtClean="0"/>
-              <a:t>6/10/2015</a:t>
+              <a:t>6/16/2015</a:t>
             </a:fld>
             <a:endParaRPr lang="en-US"/>
           </a:p>
@@ -384,7 +395,7 @@
           <a:p>
             <a:fld id="{DA005A0C-54D9-45AA-87D4-C551D08DFCE1}" type="datetimeFigureOut">
               <a:rPr lang="en-US" smtClean="0"/>
-              <a:t>6/10/2015</a:t>
+              <a:t>6/16/2015</a:t>
             </a:fld>
             <a:endParaRPr lang="en-US"/>
           </a:p>
@@ -3606,15 +3617,11 @@
             <a:pPr marL="914400" indent="-914400"/>
             <a:r>
               <a:rPr lang="en-US" dirty="0" smtClean="0"/>
-              <a:t>03 </a:t>
-            </a:r>
-            <a:r>
-              <a:rPr lang="en-US" dirty="0" smtClean="0"/>
-              <a:t>| </a:t>
-            </a:r>
-            <a:r>
-              <a:rPr lang="en-US" dirty="0" smtClean="0"/>
-              <a:t>Controllers and Views</a:t>
+              <a:t>05 </a:t>
+            </a:r>
+            <a:r>
+              <a:rPr lang="en-US" dirty="0" smtClean="0"/>
+              <a:t>| Controllers and Views</a:t>
             </a:r>
             <a:endParaRPr lang="en-US" dirty="0"/>
           </a:p>
@@ -3701,7 +3708,11 @@
           <a:bodyPr/>
           <a:lstStyle/>
           <a:p>
-            <a:endParaRPr lang="en-US"/>
+            <a:r>
+              <a:rPr lang="en-US" dirty="0" smtClean="0"/>
+              <a:t>What are Django templates?</a:t>
+            </a:r>
+            <a:endParaRPr lang="en-US" dirty="0"/>
           </a:p>
         </p:txBody>
       </p:sp>
@@ -3721,25 +3732,161 @@
           <a:lstStyle/>
           <a:p>
             <a:r>
-              <a:rPr lang="en-US" dirty="0" smtClean="0">
-                <a:solidFill>
-                  <a:srgbClr val="FF0000"/>
-                </a:solidFill>
-              </a:rPr>
-              <a:t>TODO :: ADD TEMPLATE GRAPHICS FROM FLASK MVA</a:t>
-            </a:r>
-            <a:endParaRPr lang="en-US" dirty="0">
-              <a:solidFill>
-                <a:srgbClr val="FF0000"/>
-              </a:solidFill>
-            </a:endParaRPr>
+              <a:rPr lang="en-US" dirty="0" smtClean="0"/>
+              <a:t>Inject custom code into HTML</a:t>
+            </a:r>
+            <a:endParaRPr lang="en-US" dirty="0"/>
+          </a:p>
+        </p:txBody>
+      </p:sp>
+      <p:sp>
+        <p:nvSpPr>
+          <p:cNvPr id="5" name="Rectangle 4"/>
+          <p:cNvSpPr/>
+          <p:nvPr/>
+        </p:nvSpPr>
+        <p:spPr>
+          <a:xfrm>
+            <a:off x="2109019" y="3008671"/>
+            <a:ext cx="6880123" cy="2706329"/>
+          </a:xfrm>
+          <a:prstGeom prst="rect">
+            <a:avLst/>
+          </a:prstGeom>
+        </p:spPr>
+        <p:style>
+          <a:lnRef idx="1">
+            <a:schemeClr val="accent4"/>
+          </a:lnRef>
+          <a:fillRef idx="2">
+            <a:schemeClr val="accent4"/>
+          </a:fillRef>
+          <a:effectRef idx="1">
+            <a:schemeClr val="accent4"/>
+          </a:effectRef>
+          <a:fontRef idx="minor">
+            <a:schemeClr val="dk1"/>
+          </a:fontRef>
+        </p:style>
+        <p:txBody>
+          <a:bodyPr rtlCol="0" anchor="ctr"/>
+          <a:lstStyle/>
+          <a:p>
+            <a:pPr algn="ctr"/>
+            <a:r>
+              <a:rPr lang="en-US" sz="3600" dirty="0" smtClean="0"/>
+              <a:t>Artist Details</a:t>
+            </a:r>
+          </a:p>
+          <a:p>
+            <a:endParaRPr lang="en-US" sz="2800" dirty="0" smtClean="0"/>
+          </a:p>
+          <a:p>
+            <a:r>
+              <a:rPr lang="en-US" sz="2800" dirty="0" smtClean="0"/>
+              <a:t>Artist: </a:t>
+            </a:r>
+          </a:p>
+          <a:p>
+            <a:endParaRPr lang="en-US" sz="2800" dirty="0" smtClean="0"/>
+          </a:p>
+          <a:p>
+            <a:r>
+              <a:rPr lang="en-US" sz="2800" dirty="0" smtClean="0"/>
+              <a:t>Year formed:</a:t>
+            </a:r>
+            <a:endParaRPr lang="en-US" sz="2800" dirty="0"/>
+          </a:p>
+        </p:txBody>
+      </p:sp>
+      <p:sp>
+        <p:nvSpPr>
+          <p:cNvPr id="6" name="Rectangle 5"/>
+          <p:cNvSpPr/>
+          <p:nvPr/>
+        </p:nvSpPr>
+        <p:spPr>
+          <a:xfrm>
+            <a:off x="4454013" y="3996813"/>
+            <a:ext cx="4195916" cy="671052"/>
+          </a:xfrm>
+          <a:prstGeom prst="rect">
+            <a:avLst/>
+          </a:prstGeom>
+        </p:spPr>
+        <p:style>
+          <a:lnRef idx="3">
+            <a:schemeClr val="lt1"/>
+          </a:lnRef>
+          <a:fillRef idx="1">
+            <a:schemeClr val="accent5"/>
+          </a:fillRef>
+          <a:effectRef idx="1">
+            <a:schemeClr val="accent5"/>
+          </a:effectRef>
+          <a:fontRef idx="minor">
+            <a:schemeClr val="lt1"/>
+          </a:fontRef>
+        </p:style>
+        <p:txBody>
+          <a:bodyPr rtlCol="0" anchor="ctr"/>
+          <a:lstStyle/>
+          <a:p>
+            <a:pPr algn="ctr"/>
+            <a:r>
+              <a:rPr lang="en-US" sz="2800" dirty="0" smtClean="0"/>
+              <a:t>The Cure</a:t>
+            </a:r>
+            <a:endParaRPr lang="en-US" sz="2800" dirty="0"/>
+          </a:p>
+        </p:txBody>
+      </p:sp>
+      <p:sp>
+        <p:nvSpPr>
+          <p:cNvPr id="7" name="Rectangle 6"/>
+          <p:cNvSpPr/>
+          <p:nvPr/>
+        </p:nvSpPr>
+        <p:spPr>
+          <a:xfrm>
+            <a:off x="4454013" y="4878030"/>
+            <a:ext cx="4195916" cy="671052"/>
+          </a:xfrm>
+          <a:prstGeom prst="rect">
+            <a:avLst/>
+          </a:prstGeom>
+        </p:spPr>
+        <p:style>
+          <a:lnRef idx="3">
+            <a:schemeClr val="lt1"/>
+          </a:lnRef>
+          <a:fillRef idx="1">
+            <a:schemeClr val="accent5"/>
+          </a:fillRef>
+          <a:effectRef idx="1">
+            <a:schemeClr val="accent5"/>
+          </a:effectRef>
+          <a:fontRef idx="minor">
+            <a:schemeClr val="lt1"/>
+          </a:fontRef>
+        </p:style>
+        <p:txBody>
+          <a:bodyPr rtlCol="0" anchor="ctr"/>
+          <a:lstStyle/>
+          <a:p>
+            <a:pPr algn="ctr"/>
+            <a:r>
+              <a:rPr lang="en-US" sz="2800" dirty="0" smtClean="0"/>
+              <a:t>1978</a:t>
+            </a:r>
+            <a:endParaRPr lang="en-US" sz="2800" dirty="0"/>
           </a:p>
         </p:txBody>
       </p:sp>
     </p:spTree>
     <p:extLst>
       <p:ext uri="{BB962C8B-B14F-4D97-AF65-F5344CB8AC3E}">
-        <p14:creationId xmlns:p14="http://schemas.microsoft.com/office/powerpoint/2010/main" val="616596295"/>
+        <p14:creationId xmlns:p14="http://schemas.microsoft.com/office/powerpoint/2010/main" val="3323343173"/>
       </p:ext>
     </p:extLst>
   </p:cSld>
@@ -3749,9 +3896,196 @@
   <p:timing>
     <p:tnLst>
       <p:par>
-        <p:cTn id="1" dur="indefinite" restart="never" nodeType="tmRoot"/>
+        <p:cTn id="1" dur="indefinite" restart="never" nodeType="tmRoot">
+          <p:childTnLst>
+            <p:seq concurrent="1" nextAc="seek">
+              <p:cTn id="2" dur="indefinite" nodeType="mainSeq">
+                <p:childTnLst>
+                  <p:par>
+                    <p:cTn id="3" fill="hold">
+                      <p:stCondLst>
+                        <p:cond delay="indefinite"/>
+                      </p:stCondLst>
+                      <p:childTnLst>
+                        <p:par>
+                          <p:cTn id="4" fill="hold">
+                            <p:stCondLst>
+                              <p:cond delay="0"/>
+                            </p:stCondLst>
+                            <p:childTnLst>
+                              <p:par>
+                                <p:cTn id="5" presetID="10" presetClass="entr" presetSubtype="0" fill="hold" grpId="0" nodeType="clickEffect">
+                                  <p:stCondLst>
+                                    <p:cond delay="0"/>
+                                  </p:stCondLst>
+                                  <p:childTnLst>
+                                    <p:set>
+                                      <p:cBhvr>
+                                        <p:cTn id="6" dur="1" fill="hold">
+                                          <p:stCondLst>
+                                            <p:cond delay="0"/>
+                                          </p:stCondLst>
+                                        </p:cTn>
+                                        <p:tgtEl>
+                                          <p:spTgt spid="5"/>
+                                        </p:tgtEl>
+                                        <p:attrNameLst>
+                                          <p:attrName>style.visibility</p:attrName>
+                                        </p:attrNameLst>
+                                      </p:cBhvr>
+                                      <p:to>
+                                        <p:strVal val="visible"/>
+                                      </p:to>
+                                    </p:set>
+                                    <p:animEffect transition="in" filter="fade">
+                                      <p:cBhvr>
+                                        <p:cTn id="7" dur="500"/>
+                                        <p:tgtEl>
+                                          <p:spTgt spid="5"/>
+                                        </p:tgtEl>
+                                      </p:cBhvr>
+                                    </p:animEffect>
+                                  </p:childTnLst>
+                                </p:cTn>
+                              </p:par>
+                            </p:childTnLst>
+                          </p:cTn>
+                        </p:par>
+                      </p:childTnLst>
+                    </p:cTn>
+                  </p:par>
+                  <p:par>
+                    <p:cTn id="8" fill="hold">
+                      <p:stCondLst>
+                        <p:cond delay="indefinite"/>
+                      </p:stCondLst>
+                      <p:childTnLst>
+                        <p:par>
+                          <p:cTn id="9" fill="hold">
+                            <p:stCondLst>
+                              <p:cond delay="0"/>
+                            </p:stCondLst>
+                            <p:childTnLst>
+                              <p:par>
+                                <p:cTn id="10" presetID="10" presetClass="entr" presetSubtype="0" fill="hold" grpId="0" nodeType="clickEffect">
+                                  <p:stCondLst>
+                                    <p:cond delay="0"/>
+                                  </p:stCondLst>
+                                  <p:childTnLst>
+                                    <p:set>
+                                      <p:cBhvr>
+                                        <p:cTn id="11" dur="1" fill="hold">
+                                          <p:stCondLst>
+                                            <p:cond delay="0"/>
+                                          </p:stCondLst>
+                                        </p:cTn>
+                                        <p:tgtEl>
+                                          <p:spTgt spid="6"/>
+                                        </p:tgtEl>
+                                        <p:attrNameLst>
+                                          <p:attrName>style.visibility</p:attrName>
+                                        </p:attrNameLst>
+                                      </p:cBhvr>
+                                      <p:to>
+                                        <p:strVal val="visible"/>
+                                      </p:to>
+                                    </p:set>
+                                    <p:animEffect transition="in" filter="fade">
+                                      <p:cBhvr>
+                                        <p:cTn id="12" dur="500"/>
+                                        <p:tgtEl>
+                                          <p:spTgt spid="6"/>
+                                        </p:tgtEl>
+                                      </p:cBhvr>
+                                    </p:animEffect>
+                                  </p:childTnLst>
+                                </p:cTn>
+                              </p:par>
+                            </p:childTnLst>
+                          </p:cTn>
+                        </p:par>
+                      </p:childTnLst>
+                    </p:cTn>
+                  </p:par>
+                  <p:par>
+                    <p:cTn id="13" fill="hold">
+                      <p:stCondLst>
+                        <p:cond delay="indefinite"/>
+                      </p:stCondLst>
+                      <p:childTnLst>
+                        <p:par>
+                          <p:cTn id="14" fill="hold">
+                            <p:stCondLst>
+                              <p:cond delay="0"/>
+                            </p:stCondLst>
+                            <p:childTnLst>
+                              <p:par>
+                                <p:cTn id="15" presetID="10" presetClass="entr" presetSubtype="0" fill="hold" grpId="0" nodeType="clickEffect">
+                                  <p:stCondLst>
+                                    <p:cond delay="0"/>
+                                  </p:stCondLst>
+                                  <p:childTnLst>
+                                    <p:set>
+                                      <p:cBhvr>
+                                        <p:cTn id="16" dur="1" fill="hold">
+                                          <p:stCondLst>
+                                            <p:cond delay="0"/>
+                                          </p:stCondLst>
+                                        </p:cTn>
+                                        <p:tgtEl>
+                                          <p:spTgt spid="7"/>
+                                        </p:tgtEl>
+                                        <p:attrNameLst>
+                                          <p:attrName>style.visibility</p:attrName>
+                                        </p:attrNameLst>
+                                      </p:cBhvr>
+                                      <p:to>
+                                        <p:strVal val="visible"/>
+                                      </p:to>
+                                    </p:set>
+                                    <p:animEffect transition="in" filter="fade">
+                                      <p:cBhvr>
+                                        <p:cTn id="17" dur="500"/>
+                                        <p:tgtEl>
+                                          <p:spTgt spid="7"/>
+                                        </p:tgtEl>
+                                      </p:cBhvr>
+                                    </p:animEffect>
+                                  </p:childTnLst>
+                                </p:cTn>
+                              </p:par>
+                            </p:childTnLst>
+                          </p:cTn>
+                        </p:par>
+                      </p:childTnLst>
+                    </p:cTn>
+                  </p:par>
+                </p:childTnLst>
+              </p:cTn>
+              <p:prevCondLst>
+                <p:cond evt="onPrev" delay="0">
+                  <p:tgtEl>
+                    <p:sldTgt/>
+                  </p:tgtEl>
+                </p:cond>
+              </p:prevCondLst>
+              <p:nextCondLst>
+                <p:cond evt="onNext" delay="0">
+                  <p:tgtEl>
+                    <p:sldTgt/>
+                  </p:tgtEl>
+                </p:cond>
+              </p:nextCondLst>
+            </p:seq>
+          </p:childTnLst>
+        </p:cTn>
       </p:par>
     </p:tnLst>
+    <p:bldLst>
+      <p:bldP spid="5" grpId="0" animBg="1"/>
+      <p:bldP spid="6" grpId="0" animBg="1"/>
+      <p:bldP spid="7" grpId="0" animBg="1"/>
+    </p:bldLst>
   </p:timing>
 </p:sld>
 </file>
@@ -3790,7 +4124,7 @@
           <a:p>
             <a:r>
               <a:rPr lang="en-US" dirty="0" smtClean="0"/>
-              <a:t>Template example</a:t>
+              <a:t>Template basics</a:t>
             </a:r>
             <a:endParaRPr lang="en-US" dirty="0"/>
           </a:p>
@@ -3798,7 +4132,7 @@
       </p:sp>
       <p:sp>
         <p:nvSpPr>
-          <p:cNvPr id="5" name="Content Placeholder 4"/>
+          <p:cNvPr id="3" name="Content Placeholder 2"/>
           <p:cNvSpPr>
             <a:spLocks noGrp="1"/>
           </p:cNvSpPr>
@@ -3811,207 +4145,37 @@
           <a:bodyPr/>
           <a:lstStyle/>
           <a:p>
-            <a:pPr marL="0" indent="0">
-              <a:buNone/>
-            </a:pPr>
-            <a:r>
-              <a:rPr lang="en-US" sz="2400" dirty="0">
-                <a:latin typeface="Consolas" panose="020B0609020204030204" pitchFamily="49" charset="0"/>
-                <a:cs typeface="Consolas" panose="020B0609020204030204" pitchFamily="49" charset="0"/>
-              </a:rPr>
-              <a:t>&lt;html&gt;</a:t>
-            </a:r>
-          </a:p>
-          <a:p>
-            <a:pPr marL="0" indent="0">
-              <a:buNone/>
-            </a:pPr>
-            <a:r>
-              <a:rPr lang="en-US" sz="2400" dirty="0">
-                <a:latin typeface="Consolas" panose="020B0609020204030204" pitchFamily="49" charset="0"/>
-                <a:cs typeface="Consolas" panose="020B0609020204030204" pitchFamily="49" charset="0"/>
-              </a:rPr>
-              <a:t>    &lt;head&gt;</a:t>
-            </a:r>
-          </a:p>
-          <a:p>
-            <a:pPr marL="0" indent="0">
-              <a:buNone/>
-            </a:pPr>
-            <a:r>
-              <a:rPr lang="en-US" sz="2400" dirty="0">
-                <a:latin typeface="Consolas" panose="020B0609020204030204" pitchFamily="49" charset="0"/>
-                <a:cs typeface="Consolas" panose="020B0609020204030204" pitchFamily="49" charset="0"/>
-              </a:rPr>
-              <a:t>        &lt;title&gt;</a:t>
-            </a:r>
-            <a:r>
-              <a:rPr lang="en-US" sz="2400" dirty="0">
-                <a:solidFill>
-                  <a:srgbClr val="7030A0"/>
-                </a:solidFill>
-                <a:latin typeface="Consolas" panose="020B0609020204030204" pitchFamily="49" charset="0"/>
-                <a:cs typeface="Consolas" panose="020B0609020204030204" pitchFamily="49" charset="0"/>
-              </a:rPr>
-              <a:t>{{ name }}</a:t>
-            </a:r>
-            <a:r>
-              <a:rPr lang="en-US" sz="2400" dirty="0">
-                <a:latin typeface="Consolas" panose="020B0609020204030204" pitchFamily="49" charset="0"/>
-                <a:cs typeface="Consolas" panose="020B0609020204030204" pitchFamily="49" charset="0"/>
-              </a:rPr>
-              <a:t>&lt;/title&gt;</a:t>
-            </a:r>
-          </a:p>
-          <a:p>
-            <a:pPr marL="0" indent="0">
-              <a:buNone/>
-            </a:pPr>
-            <a:r>
-              <a:rPr lang="en-US" sz="2400" dirty="0">
-                <a:latin typeface="Consolas" panose="020B0609020204030204" pitchFamily="49" charset="0"/>
-                <a:cs typeface="Consolas" panose="020B0609020204030204" pitchFamily="49" charset="0"/>
-              </a:rPr>
-              <a:t>    &lt;/head&gt;</a:t>
-            </a:r>
-          </a:p>
-          <a:p>
-            <a:pPr marL="0" indent="0">
-              <a:buNone/>
-            </a:pPr>
-            <a:r>
-              <a:rPr lang="en-US" sz="2400" dirty="0">
-                <a:latin typeface="Consolas" panose="020B0609020204030204" pitchFamily="49" charset="0"/>
-                <a:cs typeface="Consolas" panose="020B0609020204030204" pitchFamily="49" charset="0"/>
-              </a:rPr>
-              <a:t>    &lt;body&gt;</a:t>
-            </a:r>
-          </a:p>
-          <a:p>
-            <a:pPr marL="0" indent="0">
-              <a:buNone/>
-            </a:pPr>
-            <a:r>
-              <a:rPr lang="en-US" sz="2400" dirty="0">
-                <a:latin typeface="Consolas" panose="020B0609020204030204" pitchFamily="49" charset="0"/>
-                <a:cs typeface="Consolas" panose="020B0609020204030204" pitchFamily="49" charset="0"/>
-              </a:rPr>
-              <a:t>        &lt;h1&gt;</a:t>
-            </a:r>
-            <a:r>
-              <a:rPr lang="en-US" sz="2400" dirty="0">
-                <a:solidFill>
-                  <a:srgbClr val="7030A0"/>
-                </a:solidFill>
-                <a:latin typeface="Consolas" panose="020B0609020204030204" pitchFamily="49" charset="0"/>
-                <a:cs typeface="Consolas" panose="020B0609020204030204" pitchFamily="49" charset="0"/>
-              </a:rPr>
-              <a:t>{{ name }}</a:t>
-            </a:r>
-            <a:r>
-              <a:rPr lang="en-US" sz="2400" dirty="0">
-                <a:latin typeface="Consolas" panose="020B0609020204030204" pitchFamily="49" charset="0"/>
-                <a:cs typeface="Consolas" panose="020B0609020204030204" pitchFamily="49" charset="0"/>
-              </a:rPr>
-              <a:t>&lt;/h1&gt;</a:t>
-            </a:r>
-          </a:p>
-          <a:p>
-            <a:pPr marL="0" indent="0">
-              <a:buNone/>
-            </a:pPr>
-            <a:r>
-              <a:rPr lang="en-US" sz="2400" dirty="0">
-                <a:latin typeface="Consolas" panose="020B0609020204030204" pitchFamily="49" charset="0"/>
-                <a:cs typeface="Consolas" panose="020B0609020204030204" pitchFamily="49" charset="0"/>
-              </a:rPr>
-              <a:t>        &lt;div&gt;</a:t>
-            </a:r>
-            <a:r>
-              <a:rPr lang="en-US" sz="2400" dirty="0">
-                <a:solidFill>
-                  <a:srgbClr val="7030A0"/>
-                </a:solidFill>
-                <a:latin typeface="Consolas" panose="020B0609020204030204" pitchFamily="49" charset="0"/>
-                <a:cs typeface="Consolas" panose="020B0609020204030204" pitchFamily="49" charset="0"/>
-              </a:rPr>
-              <a:t>{{ name }}</a:t>
-            </a:r>
-            <a:r>
-              <a:rPr lang="en-US" sz="2400" dirty="0">
-                <a:latin typeface="Consolas" panose="020B0609020204030204" pitchFamily="49" charset="0"/>
-                <a:cs typeface="Consolas" panose="020B0609020204030204" pitchFamily="49" charset="0"/>
-              </a:rPr>
-              <a:t> formed in </a:t>
-            </a:r>
-            <a:r>
-              <a:rPr lang="en-US" sz="2400" dirty="0">
-                <a:solidFill>
-                  <a:srgbClr val="7030A0"/>
-                </a:solidFill>
-                <a:latin typeface="Consolas" panose="020B0609020204030204" pitchFamily="49" charset="0"/>
-                <a:cs typeface="Consolas" panose="020B0609020204030204" pitchFamily="49" charset="0"/>
-              </a:rPr>
-              <a:t>{{ </a:t>
-            </a:r>
-            <a:r>
-              <a:rPr lang="en-US" sz="2400" dirty="0" err="1">
-                <a:solidFill>
-                  <a:srgbClr val="7030A0"/>
-                </a:solidFill>
-                <a:latin typeface="Consolas" panose="020B0609020204030204" pitchFamily="49" charset="0"/>
-                <a:cs typeface="Consolas" panose="020B0609020204030204" pitchFamily="49" charset="0"/>
-              </a:rPr>
-              <a:t>year_formed</a:t>
-            </a:r>
-            <a:r>
-              <a:rPr lang="en-US" sz="2400" dirty="0">
-                <a:solidFill>
-                  <a:srgbClr val="7030A0"/>
-                </a:solidFill>
-                <a:latin typeface="Consolas" panose="020B0609020204030204" pitchFamily="49" charset="0"/>
-                <a:cs typeface="Consolas" panose="020B0609020204030204" pitchFamily="49" charset="0"/>
-              </a:rPr>
-              <a:t> }}</a:t>
-            </a:r>
-            <a:r>
-              <a:rPr lang="en-US" sz="2400" dirty="0">
-                <a:latin typeface="Consolas" panose="020B0609020204030204" pitchFamily="49" charset="0"/>
-                <a:cs typeface="Consolas" panose="020B0609020204030204" pitchFamily="49" charset="0"/>
-              </a:rPr>
-              <a:t>&lt;/div&gt;</a:t>
-            </a:r>
-          </a:p>
-          <a:p>
-            <a:pPr marL="0" indent="0">
-              <a:buNone/>
-            </a:pPr>
-            <a:r>
-              <a:rPr lang="en-US" sz="2400" dirty="0">
-                <a:latin typeface="Consolas" panose="020B0609020204030204" pitchFamily="49" charset="0"/>
-                <a:cs typeface="Consolas" panose="020B0609020204030204" pitchFamily="49" charset="0"/>
-              </a:rPr>
-              <a:t>    &lt;/body&gt;</a:t>
-            </a:r>
-          </a:p>
-          <a:p>
-            <a:pPr marL="0" indent="0">
-              <a:buNone/>
-            </a:pPr>
-            <a:r>
-              <a:rPr lang="en-US" sz="2400" dirty="0">
-                <a:latin typeface="Consolas" panose="020B0609020204030204" pitchFamily="49" charset="0"/>
-                <a:cs typeface="Consolas" panose="020B0609020204030204" pitchFamily="49" charset="0"/>
-              </a:rPr>
-              <a:t>&lt;/html&gt;</a:t>
-            </a:r>
+            <a:r>
+              <a:rPr lang="en-US" dirty="0" smtClean="0"/>
+              <a:t>Templates are essentially just HTML</a:t>
+            </a:r>
+          </a:p>
+          <a:p>
+            <a:r>
+              <a:rPr lang="en-US" dirty="0" smtClean="0"/>
+              <a:t>Templates exist in a folder named templates</a:t>
+            </a:r>
+          </a:p>
+          <a:p>
+            <a:r>
+              <a:rPr lang="en-US" dirty="0" smtClean="0"/>
+              <a:t>Has a code syntax similar to Python</a:t>
+            </a:r>
+          </a:p>
+          <a:p>
+            <a:pPr lvl="1"/>
+            <a:r>
+              <a:rPr lang="en-US" dirty="0" smtClean="0"/>
+              <a:t>But it's not actually Python</a:t>
+            </a:r>
+            <a:endParaRPr lang="en-US" dirty="0"/>
           </a:p>
         </p:txBody>
       </p:sp>
     </p:spTree>
     <p:extLst>
       <p:ext uri="{BB962C8B-B14F-4D97-AF65-F5344CB8AC3E}">
-        <p14:creationId xmlns:p14="http://schemas.microsoft.com/office/powerpoint/2010/main" val="2643601359"/>
+        <p14:creationId xmlns:p14="http://schemas.microsoft.com/office/powerpoint/2010/main" val="260187653"/>
       </p:ext>
     </p:extLst>
   </p:cSld>
@@ -4062,7 +4226,7 @@
           <a:p>
             <a:r>
               <a:rPr lang="en-US" dirty="0" smtClean="0"/>
-              <a:t>Looping through collections</a:t>
+              <a:t>Template example</a:t>
             </a:r>
             <a:endParaRPr lang="en-US" dirty="0"/>
           </a:p>
@@ -4070,7 +4234,7 @@
       </p:sp>
       <p:sp>
         <p:nvSpPr>
-          <p:cNvPr id="3" name="Content Placeholder 2"/>
+          <p:cNvPr id="5" name="Content Placeholder 4"/>
           <p:cNvSpPr>
             <a:spLocks noGrp="1"/>
           </p:cNvSpPr>
@@ -4087,25 +4251,11 @@
               <a:buNone/>
             </a:pPr>
             <a:r>
-              <a:rPr lang="en-US" dirty="0" smtClean="0">
+              <a:rPr lang="en-US" sz="2400" dirty="0">
                 <a:latin typeface="Consolas" panose="020B0609020204030204" pitchFamily="49" charset="0"/>
                 <a:cs typeface="Consolas" panose="020B0609020204030204" pitchFamily="49" charset="0"/>
               </a:rPr>
-              <a:t>&lt;</a:t>
-            </a:r>
-            <a:r>
-              <a:rPr lang="en-US" dirty="0" err="1" smtClean="0">
-                <a:latin typeface="Consolas" panose="020B0609020204030204" pitchFamily="49" charset="0"/>
-                <a:cs typeface="Consolas" panose="020B0609020204030204" pitchFamily="49" charset="0"/>
-              </a:rPr>
-              <a:t>ul</a:t>
-            </a:r>
-            <a:r>
-              <a:rPr lang="en-US" dirty="0" smtClean="0">
-                <a:latin typeface="Consolas" panose="020B0609020204030204" pitchFamily="49" charset="0"/>
-                <a:cs typeface="Consolas" panose="020B0609020204030204" pitchFamily="49" charset="0"/>
-              </a:rPr>
-              <a:t>&gt;</a:t>
+              <a:t>&lt;html&gt;</a:t>
             </a:r>
           </a:p>
           <a:p>
@@ -4113,61 +4263,11 @@
               <a:buNone/>
             </a:pPr>
             <a:r>
-              <a:rPr lang="en-US" dirty="0" smtClean="0">
+              <a:rPr lang="en-US" sz="2400" dirty="0">
                 <a:latin typeface="Consolas" panose="020B0609020204030204" pitchFamily="49" charset="0"/>
                 <a:cs typeface="Consolas" panose="020B0609020204030204" pitchFamily="49" charset="0"/>
               </a:rPr>
-              <a:t>	</a:t>
-            </a:r>
-            <a:r>
-              <a:rPr lang="en-US" dirty="0" smtClean="0">
-                <a:solidFill>
-                  <a:srgbClr val="7030A0"/>
-                </a:solidFill>
-                <a:latin typeface="Consolas" panose="020B0609020204030204" pitchFamily="49" charset="0"/>
-                <a:cs typeface="Consolas" panose="020B0609020204030204" pitchFamily="49" charset="0"/>
-              </a:rPr>
-              <a:t>{% for </a:t>
-            </a:r>
-            <a:r>
-              <a:rPr lang="en-US" dirty="0" smtClean="0">
-                <a:solidFill>
-                  <a:srgbClr val="C00000"/>
-                </a:solidFill>
-                <a:latin typeface="Consolas" panose="020B0609020204030204" pitchFamily="49" charset="0"/>
-                <a:cs typeface="Consolas" panose="020B0609020204030204" pitchFamily="49" charset="0"/>
-              </a:rPr>
-              <a:t>album</a:t>
-            </a:r>
-            <a:r>
-              <a:rPr lang="en-US" dirty="0" smtClean="0">
-                <a:solidFill>
-                  <a:srgbClr val="7030A0"/>
-                </a:solidFill>
-                <a:latin typeface="Consolas" panose="020B0609020204030204" pitchFamily="49" charset="0"/>
-                <a:cs typeface="Consolas" panose="020B0609020204030204" pitchFamily="49" charset="0"/>
-              </a:rPr>
-              <a:t> in </a:t>
-            </a:r>
-            <a:r>
-              <a:rPr lang="en-US" dirty="0" smtClean="0">
-                <a:solidFill>
-                  <a:srgbClr val="C00000"/>
-                </a:solidFill>
-                <a:latin typeface="Consolas" panose="020B0609020204030204" pitchFamily="49" charset="0"/>
-                <a:cs typeface="Consolas" panose="020B0609020204030204" pitchFamily="49" charset="0"/>
-              </a:rPr>
-              <a:t>albums</a:t>
-            </a:r>
-            <a:r>
-              <a:rPr lang="en-US" dirty="0" smtClean="0">
-                <a:solidFill>
-                  <a:srgbClr val="7030A0"/>
-                </a:solidFill>
-                <a:latin typeface="Consolas" panose="020B0609020204030204" pitchFamily="49" charset="0"/>
-                <a:cs typeface="Consolas" panose="020B0609020204030204" pitchFamily="49" charset="0"/>
-              </a:rPr>
-              <a:t> %}</a:t>
+              <a:t>    &lt;head&gt;</a:t>
             </a:r>
           </a:p>
           <a:p>
@@ -4175,18 +4275,28 @@
               <a:buNone/>
             </a:pPr>
             <a:r>
-              <a:rPr lang="en-US" dirty="0">
+              <a:rPr lang="en-US" sz="2400" dirty="0">
                 <a:latin typeface="Consolas" panose="020B0609020204030204" pitchFamily="49" charset="0"/>
                 <a:cs typeface="Consolas" panose="020B0609020204030204" pitchFamily="49" charset="0"/>
               </a:rPr>
-              <a:t>	</a:t>
-            </a:r>
-            <a:r>
-              <a:rPr lang="en-US" dirty="0" smtClean="0">
+              <a:t>        &lt;title&gt;</a:t>
+            </a:r>
+            <a:r>
+              <a:rPr lang="en-US" sz="2400" dirty="0">
+                <a:solidFill>
+                  <a:srgbClr val="7030A0"/>
+                </a:solidFill>
                 <a:latin typeface="Consolas" panose="020B0609020204030204" pitchFamily="49" charset="0"/>
                 <a:cs typeface="Consolas" panose="020B0609020204030204" pitchFamily="49" charset="0"/>
               </a:rPr>
-              <a:t>	&lt;li&gt;{{ album.name }}&lt;/li&gt;</a:t>
+              <a:t>{{ name }}</a:t>
+            </a:r>
+            <a:r>
+              <a:rPr lang="en-US" sz="2400" dirty="0">
+                <a:latin typeface="Consolas" panose="020B0609020204030204" pitchFamily="49" charset="0"/>
+                <a:cs typeface="Consolas" panose="020B0609020204030204" pitchFamily="49" charset="0"/>
+              </a:rPr>
+              <a:t>&lt;/title&gt;</a:t>
             </a:r>
           </a:p>
           <a:p>
@@ -4194,41 +4304,11 @@
               <a:buNone/>
             </a:pPr>
             <a:r>
-              <a:rPr lang="en-US" dirty="0">
+              <a:rPr lang="en-US" sz="2400" dirty="0">
                 <a:latin typeface="Consolas" panose="020B0609020204030204" pitchFamily="49" charset="0"/>
                 <a:cs typeface="Consolas" panose="020B0609020204030204" pitchFamily="49" charset="0"/>
               </a:rPr>
-              <a:t>	</a:t>
-            </a:r>
-            <a:r>
-              <a:rPr lang="en-US" dirty="0" smtClean="0">
-                <a:solidFill>
-                  <a:srgbClr val="7030A0"/>
-                </a:solidFill>
-                <a:latin typeface="Consolas" panose="020B0609020204030204" pitchFamily="49" charset="0"/>
-                <a:cs typeface="Consolas" panose="020B0609020204030204" pitchFamily="49" charset="0"/>
-              </a:rPr>
-              <a:t>{% </a:t>
-            </a:r>
-            <a:r>
-              <a:rPr lang="en-US" dirty="0" err="1" smtClean="0">
-                <a:solidFill>
-                  <a:srgbClr val="7030A0"/>
-                </a:solidFill>
-                <a:latin typeface="Consolas" panose="020B0609020204030204" pitchFamily="49" charset="0"/>
-                <a:cs typeface="Consolas" panose="020B0609020204030204" pitchFamily="49" charset="0"/>
-              </a:rPr>
-              <a:t>endfor</a:t>
-            </a:r>
-            <a:r>
-              <a:rPr lang="en-US" dirty="0" smtClean="0">
-                <a:solidFill>
-                  <a:srgbClr val="7030A0"/>
-                </a:solidFill>
-                <a:latin typeface="Consolas" panose="020B0609020204030204" pitchFamily="49" charset="0"/>
-                <a:cs typeface="Consolas" panose="020B0609020204030204" pitchFamily="49" charset="0"/>
-              </a:rPr>
-              <a:t> %}</a:t>
+              <a:t>    &lt;/head&gt;</a:t>
             </a:r>
           </a:p>
           <a:p>
@@ -4236,37 +4316,138 @@
               <a:buNone/>
             </a:pPr>
             <a:r>
-              <a:rPr lang="en-US" dirty="0" smtClean="0">
+              <a:rPr lang="en-US" sz="2400" dirty="0">
                 <a:latin typeface="Consolas" panose="020B0609020204030204" pitchFamily="49" charset="0"/>
                 <a:cs typeface="Consolas" panose="020B0609020204030204" pitchFamily="49" charset="0"/>
               </a:rPr>
-              <a:t>&lt;/</a:t>
-            </a:r>
-            <a:r>
-              <a:rPr lang="en-US" dirty="0" err="1" smtClean="0">
+              <a:t>    &lt;body&gt;</a:t>
+            </a:r>
+          </a:p>
+          <a:p>
+            <a:pPr marL="0" indent="0">
+              <a:buNone/>
+            </a:pPr>
+            <a:r>
+              <a:rPr lang="en-US" sz="2400" dirty="0">
                 <a:latin typeface="Consolas" panose="020B0609020204030204" pitchFamily="49" charset="0"/>
                 <a:cs typeface="Consolas" panose="020B0609020204030204" pitchFamily="49" charset="0"/>
               </a:rPr>
-              <a:t>ul</a:t>
-            </a:r>
-            <a:r>
-              <a:rPr lang="en-US" dirty="0" smtClean="0">
+              <a:t>        &lt;h1&gt;</a:t>
+            </a:r>
+            <a:r>
+              <a:rPr lang="en-US" sz="2400" dirty="0">
+                <a:solidFill>
+                  <a:srgbClr val="7030A0"/>
+                </a:solidFill>
                 <a:latin typeface="Consolas" panose="020B0609020204030204" pitchFamily="49" charset="0"/>
                 <a:cs typeface="Consolas" panose="020B0609020204030204" pitchFamily="49" charset="0"/>
               </a:rPr>
-              <a:t>&gt;</a:t>
-            </a:r>
-            <a:endParaRPr lang="en-US" dirty="0">
-              <a:latin typeface="Consolas" panose="020B0609020204030204" pitchFamily="49" charset="0"/>
-              <a:cs typeface="Consolas" panose="020B0609020204030204" pitchFamily="49" charset="0"/>
-            </a:endParaRPr>
+              <a:t>{{ name }}</a:t>
+            </a:r>
+            <a:r>
+              <a:rPr lang="en-US" sz="2400" dirty="0">
+                <a:latin typeface="Consolas" panose="020B0609020204030204" pitchFamily="49" charset="0"/>
+                <a:cs typeface="Consolas" panose="020B0609020204030204" pitchFamily="49" charset="0"/>
+              </a:rPr>
+              <a:t>&lt;/h1&gt;</a:t>
+            </a:r>
+          </a:p>
+          <a:p>
+            <a:pPr marL="0" indent="0">
+              <a:buNone/>
+            </a:pPr>
+            <a:r>
+              <a:rPr lang="en-US" sz="2400" dirty="0">
+                <a:latin typeface="Consolas" panose="020B0609020204030204" pitchFamily="49" charset="0"/>
+                <a:cs typeface="Consolas" panose="020B0609020204030204" pitchFamily="49" charset="0"/>
+              </a:rPr>
+              <a:t>        &lt;div&gt;</a:t>
+            </a:r>
+            <a:r>
+              <a:rPr lang="en-US" sz="2400" dirty="0">
+                <a:solidFill>
+                  <a:srgbClr val="7030A0"/>
+                </a:solidFill>
+                <a:latin typeface="Consolas" panose="020B0609020204030204" pitchFamily="49" charset="0"/>
+                <a:cs typeface="Consolas" panose="020B0609020204030204" pitchFamily="49" charset="0"/>
+              </a:rPr>
+              <a:t>{{ name }}</a:t>
+            </a:r>
+            <a:r>
+              <a:rPr lang="en-US" sz="2400" dirty="0">
+                <a:latin typeface="Consolas" panose="020B0609020204030204" pitchFamily="49" charset="0"/>
+                <a:cs typeface="Consolas" panose="020B0609020204030204" pitchFamily="49" charset="0"/>
+              </a:rPr>
+              <a:t> formed in </a:t>
+            </a:r>
+            <a:r>
+              <a:rPr lang="en-US" sz="2400" dirty="0">
+                <a:solidFill>
+                  <a:srgbClr val="7030A0"/>
+                </a:solidFill>
+                <a:latin typeface="Consolas" panose="020B0609020204030204" pitchFamily="49" charset="0"/>
+                <a:cs typeface="Consolas" panose="020B0609020204030204" pitchFamily="49" charset="0"/>
+              </a:rPr>
+              <a:t>{{ </a:t>
+            </a:r>
+            <a:r>
+              <a:rPr lang="en-US" sz="2400" dirty="0" err="1">
+                <a:solidFill>
+                  <a:srgbClr val="7030A0"/>
+                </a:solidFill>
+                <a:latin typeface="Consolas" panose="020B0609020204030204" pitchFamily="49" charset="0"/>
+                <a:cs typeface="Consolas" panose="020B0609020204030204" pitchFamily="49" charset="0"/>
+              </a:rPr>
+              <a:t>year_formed</a:t>
+            </a:r>
+            <a:r>
+              <a:rPr lang="en-US" sz="2400" dirty="0">
+                <a:solidFill>
+                  <a:srgbClr val="7030A0"/>
+                </a:solidFill>
+                <a:latin typeface="Consolas" panose="020B0609020204030204" pitchFamily="49" charset="0"/>
+                <a:cs typeface="Consolas" panose="020B0609020204030204" pitchFamily="49" charset="0"/>
+              </a:rPr>
+              <a:t> }}</a:t>
+            </a:r>
+            <a:r>
+              <a:rPr lang="en-US" sz="2400" dirty="0">
+                <a:latin typeface="Consolas" panose="020B0609020204030204" pitchFamily="49" charset="0"/>
+                <a:cs typeface="Consolas" panose="020B0609020204030204" pitchFamily="49" charset="0"/>
+              </a:rPr>
+              <a:t>&lt;/div&gt;</a:t>
+            </a:r>
+          </a:p>
+          <a:p>
+            <a:pPr marL="0" indent="0">
+              <a:buNone/>
+            </a:pPr>
+            <a:r>
+              <a:rPr lang="en-US" sz="2400" dirty="0">
+                <a:latin typeface="Consolas" panose="020B0609020204030204" pitchFamily="49" charset="0"/>
+                <a:cs typeface="Consolas" panose="020B0609020204030204" pitchFamily="49" charset="0"/>
+              </a:rPr>
+              <a:t>    &lt;/body&gt;</a:t>
+            </a:r>
+          </a:p>
+          <a:p>
+            <a:pPr marL="0" indent="0">
+              <a:buNone/>
+            </a:pPr>
+            <a:r>
+              <a:rPr lang="en-US" sz="2400" dirty="0">
+                <a:latin typeface="Consolas" panose="020B0609020204030204" pitchFamily="49" charset="0"/>
+                <a:cs typeface="Consolas" panose="020B0609020204030204" pitchFamily="49" charset="0"/>
+              </a:rPr>
+              <a:t>&lt;/html&gt;</a:t>
+            </a:r>
           </a:p>
         </p:txBody>
       </p:sp>
     </p:spTree>
     <p:extLst>
       <p:ext uri="{BB962C8B-B14F-4D97-AF65-F5344CB8AC3E}">
-        <p14:creationId xmlns:p14="http://schemas.microsoft.com/office/powerpoint/2010/main" val="235959698"/>
+        <p14:creationId xmlns:p14="http://schemas.microsoft.com/office/powerpoint/2010/main" val="2643601359"/>
       </p:ext>
     </p:extLst>
   </p:cSld>
@@ -4317,7 +4498,7 @@
           <a:p>
             <a:r>
               <a:rPr lang="en-US" dirty="0" smtClean="0"/>
-              <a:t>How do I specify the use of a template</a:t>
+              <a:t>Looping through collections</a:t>
             </a:r>
             <a:endParaRPr lang="en-US" dirty="0"/>
           </a:p>
@@ -4333,97 +4514,195 @@
             <p:ph sz="quarter" idx="10"/>
           </p:nvPr>
         </p:nvSpPr>
-        <p:spPr>
-          <a:xfrm>
-            <a:off x="379413" y="1388226"/>
-            <a:ext cx="11656068" cy="5290388"/>
-          </a:xfrm>
-        </p:spPr>
+        <p:spPr/>
         <p:txBody>
           <a:bodyPr/>
           <a:lstStyle/>
-          <a:p>
-            <a:r>
-              <a:rPr lang="en-US" dirty="0" smtClean="0"/>
-              <a:t>Use </a:t>
-            </a:r>
-            <a:r>
-              <a:rPr lang="en-US" b="1" dirty="0" err="1" smtClean="0"/>
-              <a:t>render_to_response</a:t>
-            </a:r>
-            <a:endParaRPr lang="en-US" dirty="0" smtClean="0"/>
-          </a:p>
           <a:p>
             <a:pPr marL="0" indent="0">
               <a:buNone/>
             </a:pPr>
-            <a:endParaRPr lang="en-US" b="1" dirty="0"/>
+            <a:r>
+              <a:rPr lang="en-US" dirty="0" smtClean="0">
+                <a:latin typeface="Consolas" panose="020B0609020204030204" pitchFamily="49" charset="0"/>
+                <a:cs typeface="Consolas" panose="020B0609020204030204" pitchFamily="49" charset="0"/>
+              </a:rPr>
+              <a:t>&lt;</a:t>
+            </a:r>
+            <a:r>
+              <a:rPr lang="en-US" dirty="0" err="1" smtClean="0">
+                <a:latin typeface="Consolas" panose="020B0609020204030204" pitchFamily="49" charset="0"/>
+                <a:cs typeface="Consolas" panose="020B0609020204030204" pitchFamily="49" charset="0"/>
+              </a:rPr>
+              <a:t>ul</a:t>
+            </a:r>
+            <a:r>
+              <a:rPr lang="en-US" dirty="0" smtClean="0">
+                <a:latin typeface="Consolas" panose="020B0609020204030204" pitchFamily="49" charset="0"/>
+                <a:cs typeface="Consolas" panose="020B0609020204030204" pitchFamily="49" charset="0"/>
+              </a:rPr>
+              <a:t>&gt;</a:t>
+            </a:r>
           </a:p>
           <a:p>
             <a:pPr marL="0" indent="0">
               <a:buNone/>
             </a:pPr>
             <a:r>
-              <a:rPr lang="en-US" sz="2400" dirty="0" smtClean="0">
+              <a:rPr lang="en-US" dirty="0" smtClean="0">
                 <a:latin typeface="Consolas" panose="020B0609020204030204" pitchFamily="49" charset="0"/>
                 <a:cs typeface="Consolas" panose="020B0609020204030204" pitchFamily="49" charset="0"/>
               </a:rPr>
-              <a:t>return </a:t>
-            </a:r>
-            <a:r>
-              <a:rPr lang="en-US" sz="2400" dirty="0" err="1" smtClean="0">
+              <a:t>	</a:t>
+            </a:r>
+            <a:r>
+              <a:rPr lang="en-US" dirty="0" smtClean="0">
+                <a:solidFill>
+                  <a:srgbClr val="7030A0"/>
+                </a:solidFill>
                 <a:latin typeface="Consolas" panose="020B0609020204030204" pitchFamily="49" charset="0"/>
                 <a:cs typeface="Consolas" panose="020B0609020204030204" pitchFamily="49" charset="0"/>
               </a:rPr>
-              <a:t>render_to_response</a:t>
-            </a:r>
-            <a:r>
-              <a:rPr lang="en-US" sz="2400" dirty="0" smtClean="0">
+              <a:t>{% for </a:t>
+            </a:r>
+            <a:r>
+              <a:rPr lang="en-US" dirty="0" smtClean="0">
+                <a:solidFill>
+                  <a:srgbClr val="C00000"/>
+                </a:solidFill>
                 <a:latin typeface="Consolas" panose="020B0609020204030204" pitchFamily="49" charset="0"/>
                 <a:cs typeface="Consolas" panose="020B0609020204030204" pitchFamily="49" charset="0"/>
               </a:rPr>
-              <a:t>('template.html', {'</a:t>
-            </a:r>
-            <a:r>
-              <a:rPr lang="en-US" sz="2400" dirty="0" err="1" smtClean="0">
+              <a:t>album</a:t>
+            </a:r>
+            <a:r>
+              <a:rPr lang="en-US" dirty="0" smtClean="0">
+                <a:solidFill>
+                  <a:srgbClr val="7030A0"/>
+                </a:solidFill>
                 <a:latin typeface="Consolas" panose="020B0609020204030204" pitchFamily="49" charset="0"/>
                 <a:cs typeface="Consolas" panose="020B0609020204030204" pitchFamily="49" charset="0"/>
               </a:rPr>
-              <a:t>variable_name':value</a:t>
-            </a:r>
-            <a:r>
-              <a:rPr lang="en-US" sz="2400" dirty="0" smtClean="0">
+              <a:t> in </a:t>
+            </a:r>
+            <a:r>
+              <a:rPr lang="en-US" dirty="0" smtClean="0">
+                <a:solidFill>
+                  <a:srgbClr val="C00000"/>
+                </a:solidFill>
                 <a:latin typeface="Consolas" panose="020B0609020204030204" pitchFamily="49" charset="0"/>
                 <a:cs typeface="Consolas" panose="020B0609020204030204" pitchFamily="49" charset="0"/>
               </a:rPr>
-              <a:t>});</a:t>
+              <a:t>albums</a:t>
+            </a:r>
+            <a:r>
+              <a:rPr lang="en-US" dirty="0" smtClean="0">
+                <a:solidFill>
+                  <a:srgbClr val="7030A0"/>
+                </a:solidFill>
+                <a:latin typeface="Consolas" panose="020B0609020204030204" pitchFamily="49" charset="0"/>
+                <a:cs typeface="Consolas" panose="020B0609020204030204" pitchFamily="49" charset="0"/>
+              </a:rPr>
+              <a:t> %}</a:t>
             </a:r>
           </a:p>
           <a:p>
             <a:pPr marL="0" indent="0">
               <a:buNone/>
             </a:pPr>
-            <a:endParaRPr lang="en-US" dirty="0"/>
-          </a:p>
-          <a:p>
-            <a:r>
-              <a:rPr lang="en-US" dirty="0" smtClean="0"/>
-              <a:t>First parameter is the name of the template</a:t>
-            </a:r>
-          </a:p>
-          <a:p>
-            <a:r>
-              <a:rPr lang="en-US" dirty="0" smtClean="0"/>
-              <a:t>The second parameter is the collection of variables the template expects</a:t>
-            </a:r>
-            <a:endParaRPr lang="en-US" dirty="0"/>
+            <a:r>
+              <a:rPr lang="en-US" dirty="0">
+                <a:latin typeface="Consolas" panose="020B0609020204030204" pitchFamily="49" charset="0"/>
+                <a:cs typeface="Consolas" panose="020B0609020204030204" pitchFamily="49" charset="0"/>
+              </a:rPr>
+              <a:t>	</a:t>
+            </a:r>
+            <a:r>
+              <a:rPr lang="en-US" dirty="0" smtClean="0">
+                <a:latin typeface="Consolas" panose="020B0609020204030204" pitchFamily="49" charset="0"/>
+                <a:cs typeface="Consolas" panose="020B0609020204030204" pitchFamily="49" charset="0"/>
+              </a:rPr>
+              <a:t>	&lt;li&gt;{{ album.name }}&lt;/li&gt;</a:t>
+            </a:r>
+          </a:p>
+          <a:p>
+            <a:pPr marL="0" indent="0">
+              <a:buNone/>
+            </a:pPr>
+            <a:r>
+              <a:rPr lang="en-US" dirty="0">
+                <a:latin typeface="Consolas" panose="020B0609020204030204" pitchFamily="49" charset="0"/>
+                <a:cs typeface="Consolas" panose="020B0609020204030204" pitchFamily="49" charset="0"/>
+              </a:rPr>
+              <a:t>	</a:t>
+            </a:r>
+            <a:r>
+              <a:rPr lang="en-US" dirty="0" smtClean="0">
+                <a:solidFill>
+                  <a:srgbClr val="7030A0"/>
+                </a:solidFill>
+                <a:latin typeface="Consolas" panose="020B0609020204030204" pitchFamily="49" charset="0"/>
+                <a:cs typeface="Consolas" panose="020B0609020204030204" pitchFamily="49" charset="0"/>
+              </a:rPr>
+              <a:t>{% </a:t>
+            </a:r>
+            <a:r>
+              <a:rPr lang="en-US" dirty="0" err="1" smtClean="0">
+                <a:solidFill>
+                  <a:srgbClr val="7030A0"/>
+                </a:solidFill>
+                <a:latin typeface="Consolas" panose="020B0609020204030204" pitchFamily="49" charset="0"/>
+                <a:cs typeface="Consolas" panose="020B0609020204030204" pitchFamily="49" charset="0"/>
+              </a:rPr>
+              <a:t>endfor</a:t>
+            </a:r>
+            <a:r>
+              <a:rPr lang="en-US" dirty="0" smtClean="0">
+                <a:solidFill>
+                  <a:srgbClr val="7030A0"/>
+                </a:solidFill>
+                <a:latin typeface="Consolas" panose="020B0609020204030204" pitchFamily="49" charset="0"/>
+                <a:cs typeface="Consolas" panose="020B0609020204030204" pitchFamily="49" charset="0"/>
+              </a:rPr>
+              <a:t> %}</a:t>
+            </a:r>
+          </a:p>
+          <a:p>
+            <a:pPr marL="0" indent="0">
+              <a:buNone/>
+            </a:pPr>
+            <a:r>
+              <a:rPr lang="en-US" dirty="0" smtClean="0">
+                <a:latin typeface="Consolas" panose="020B0609020204030204" pitchFamily="49" charset="0"/>
+                <a:cs typeface="Consolas" panose="020B0609020204030204" pitchFamily="49" charset="0"/>
+              </a:rPr>
+              <a:t>&lt;/</a:t>
+            </a:r>
+            <a:r>
+              <a:rPr lang="en-US" dirty="0" err="1" smtClean="0">
+                <a:latin typeface="Consolas" panose="020B0609020204030204" pitchFamily="49" charset="0"/>
+                <a:cs typeface="Consolas" panose="020B0609020204030204" pitchFamily="49" charset="0"/>
+              </a:rPr>
+              <a:t>ul</a:t>
+            </a:r>
+            <a:r>
+              <a:rPr lang="en-US" dirty="0" smtClean="0">
+                <a:latin typeface="Consolas" panose="020B0609020204030204" pitchFamily="49" charset="0"/>
+                <a:cs typeface="Consolas" panose="020B0609020204030204" pitchFamily="49" charset="0"/>
+              </a:rPr>
+              <a:t>&gt;</a:t>
+            </a:r>
+            <a:endParaRPr lang="en-US" dirty="0">
+              <a:latin typeface="Consolas" panose="020B0609020204030204" pitchFamily="49" charset="0"/>
+              <a:cs typeface="Consolas" panose="020B0609020204030204" pitchFamily="49" charset="0"/>
+            </a:endParaRPr>
           </a:p>
         </p:txBody>
       </p:sp>
     </p:spTree>
     <p:extLst>
       <p:ext uri="{BB962C8B-B14F-4D97-AF65-F5344CB8AC3E}">
-        <p14:creationId xmlns:p14="http://schemas.microsoft.com/office/powerpoint/2010/main" val="2976823895"/>
+        <p14:creationId xmlns:p14="http://schemas.microsoft.com/office/powerpoint/2010/main" val="235959698"/>
       </p:ext>
     </p:extLst>
   </p:cSld>
@@ -4459,7 +4738,7 @@
       </p:grpSpPr>
       <p:sp>
         <p:nvSpPr>
-          <p:cNvPr id="4" name="Title 3"/>
+          <p:cNvPr id="2" name="Title 1"/>
           <p:cNvSpPr>
             <a:spLocks noGrp="1"/>
           </p:cNvSpPr>
@@ -4474,7 +4753,104 @@
           <a:p>
             <a:r>
               <a:rPr lang="en-US" dirty="0" smtClean="0"/>
-              <a:t>Using a template</a:t>
+              <a:t>How do I specify the use of a template</a:t>
+            </a:r>
+            <a:endParaRPr lang="en-US" dirty="0"/>
+          </a:p>
+        </p:txBody>
+      </p:sp>
+      <p:sp>
+        <p:nvSpPr>
+          <p:cNvPr id="3" name="Content Placeholder 2"/>
+          <p:cNvSpPr>
+            <a:spLocks noGrp="1"/>
+          </p:cNvSpPr>
+          <p:nvPr>
+            <p:ph sz="quarter" idx="10"/>
+          </p:nvPr>
+        </p:nvSpPr>
+        <p:spPr>
+          <a:xfrm>
+            <a:off x="379413" y="1388226"/>
+            <a:ext cx="11656068" cy="5290388"/>
+          </a:xfrm>
+        </p:spPr>
+        <p:txBody>
+          <a:bodyPr/>
+          <a:lstStyle/>
+          <a:p>
+            <a:r>
+              <a:rPr lang="en-US" dirty="0" smtClean="0"/>
+              <a:t>Use </a:t>
+            </a:r>
+            <a:r>
+              <a:rPr lang="en-US" b="1" dirty="0" err="1" smtClean="0"/>
+              <a:t>render_to_response</a:t>
+            </a:r>
+            <a:endParaRPr lang="en-US" dirty="0" smtClean="0"/>
+          </a:p>
+          <a:p>
+            <a:pPr marL="0" indent="0">
+              <a:buNone/>
+            </a:pPr>
+            <a:endParaRPr lang="en-US" b="1" dirty="0"/>
+          </a:p>
+          <a:p>
+            <a:pPr marL="0" indent="0">
+              <a:buNone/>
+            </a:pPr>
+            <a:r>
+              <a:rPr lang="en-US" sz="2400" dirty="0" smtClean="0">
+                <a:latin typeface="Consolas" panose="020B0609020204030204" pitchFamily="49" charset="0"/>
+                <a:cs typeface="Consolas" panose="020B0609020204030204" pitchFamily="49" charset="0"/>
+              </a:rPr>
+              <a:t>return </a:t>
+            </a:r>
+            <a:r>
+              <a:rPr lang="en-US" sz="2400" dirty="0" err="1" smtClean="0">
+                <a:latin typeface="Consolas" panose="020B0609020204030204" pitchFamily="49" charset="0"/>
+                <a:cs typeface="Consolas" panose="020B0609020204030204" pitchFamily="49" charset="0"/>
+              </a:rPr>
+              <a:t>render_to_response</a:t>
+            </a:r>
+            <a:r>
+              <a:rPr lang="en-US" sz="2400" dirty="0" smtClean="0">
+                <a:latin typeface="Consolas" panose="020B0609020204030204" pitchFamily="49" charset="0"/>
+                <a:cs typeface="Consolas" panose="020B0609020204030204" pitchFamily="49" charset="0"/>
+              </a:rPr>
+              <a:t>('template.html', {'</a:t>
+            </a:r>
+            <a:r>
+              <a:rPr lang="en-US" sz="2400" dirty="0" err="1" smtClean="0">
+                <a:latin typeface="Consolas" panose="020B0609020204030204" pitchFamily="49" charset="0"/>
+                <a:cs typeface="Consolas" panose="020B0609020204030204" pitchFamily="49" charset="0"/>
+              </a:rPr>
+              <a:t>variable_name':value</a:t>
+            </a:r>
+            <a:r>
+              <a:rPr lang="en-US" sz="2400" dirty="0" smtClean="0">
+                <a:latin typeface="Consolas" panose="020B0609020204030204" pitchFamily="49" charset="0"/>
+                <a:cs typeface="Consolas" panose="020B0609020204030204" pitchFamily="49" charset="0"/>
+              </a:rPr>
+              <a:t>});</a:t>
+            </a:r>
+          </a:p>
+          <a:p>
+            <a:pPr marL="0" indent="0">
+              <a:buNone/>
+            </a:pPr>
+            <a:endParaRPr lang="en-US" dirty="0"/>
+          </a:p>
+          <a:p>
+            <a:r>
+              <a:rPr lang="en-US" dirty="0" smtClean="0"/>
+              <a:t>First parameter is the name of the template</a:t>
+            </a:r>
+          </a:p>
+          <a:p>
+            <a:r>
+              <a:rPr lang="en-US" dirty="0" smtClean="0"/>
+              <a:t>The second parameter is the collection of variables the template expects</a:t>
             </a:r>
             <a:endParaRPr lang="en-US" dirty="0"/>
           </a:p>
@@ -4483,7 +4859,7 @@
     </p:spTree>
     <p:extLst>
       <p:ext uri="{BB962C8B-B14F-4D97-AF65-F5344CB8AC3E}">
-        <p14:creationId xmlns:p14="http://schemas.microsoft.com/office/powerpoint/2010/main" val="4268484452"/>
+        <p14:creationId xmlns:p14="http://schemas.microsoft.com/office/powerpoint/2010/main" val="2976823895"/>
       </p:ext>
     </p:extLst>
   </p:cSld>
@@ -4519,12 +4895,12 @@
       </p:grpSpPr>
       <p:sp>
         <p:nvSpPr>
-          <p:cNvPr id="4" name="Text Placeholder 3"/>
+          <p:cNvPr id="4" name="Title 3"/>
           <p:cNvSpPr>
             <a:spLocks noGrp="1"/>
           </p:cNvSpPr>
           <p:nvPr>
-            <p:ph type="body" sz="quarter" idx="10"/>
+            <p:ph type="title"/>
           </p:nvPr>
         </p:nvSpPr>
         <p:spPr/>
@@ -4534,27 +4910,8 @@
           <a:p>
             <a:r>
               <a:rPr lang="en-US" dirty="0" smtClean="0"/>
-              <a:t>Ensuring consistency</a:t>
-            </a:r>
-            <a:endParaRPr lang="en-US" dirty="0"/>
-          </a:p>
-        </p:txBody>
-      </p:sp>
-      <p:sp>
-        <p:nvSpPr>
-          <p:cNvPr id="3" name="Subtitle 2"/>
-          <p:cNvSpPr>
-            <a:spLocks noGrp="1"/>
-          </p:cNvSpPr>
-          <p:nvPr>
-            <p:ph type="subTitle" idx="1"/>
-          </p:nvPr>
-        </p:nvSpPr>
-        <p:spPr/>
-        <p:txBody>
-          <a:bodyPr/>
-          <a:lstStyle/>
-          <a:p>
+              <a:t>Using a template</a:t>
+            </a:r>
             <a:endParaRPr lang="en-US" dirty="0"/>
           </a:p>
         </p:txBody>
@@ -4562,7 +4919,7 @@
     </p:spTree>
     <p:extLst>
       <p:ext uri="{BB962C8B-B14F-4D97-AF65-F5344CB8AC3E}">
-        <p14:creationId xmlns:p14="http://schemas.microsoft.com/office/powerpoint/2010/main" val="2082663994"/>
+        <p14:creationId xmlns:p14="http://schemas.microsoft.com/office/powerpoint/2010/main" val="4268484452"/>
       </p:ext>
     </p:extLst>
   </p:cSld>
@@ -4598,12 +4955,12 @@
       </p:grpSpPr>
       <p:sp>
         <p:nvSpPr>
-          <p:cNvPr id="4" name="Title 3"/>
+          <p:cNvPr id="4" name="Text Placeholder 3"/>
           <p:cNvSpPr>
             <a:spLocks noGrp="1"/>
           </p:cNvSpPr>
           <p:nvPr>
-            <p:ph type="title"/>
+            <p:ph type="body" sz="quarter" idx="10"/>
           </p:nvPr>
         </p:nvSpPr>
         <p:spPr/>
@@ -4611,18 +4968,22 @@
           <a:bodyPr/>
           <a:lstStyle/>
           <a:p>
-            <a:endParaRPr lang="en-US"/>
-          </a:p>
-        </p:txBody>
-      </p:sp>
-      <p:sp>
-        <p:nvSpPr>
-          <p:cNvPr id="5" name="Content Placeholder 4"/>
+            <a:r>
+              <a:rPr lang="en-US" dirty="0" smtClean="0"/>
+              <a:t>Forms</a:t>
+            </a:r>
+            <a:endParaRPr lang="en-US" dirty="0"/>
+          </a:p>
+        </p:txBody>
+      </p:sp>
+      <p:sp>
+        <p:nvSpPr>
+          <p:cNvPr id="3" name="Subtitle 2"/>
           <p:cNvSpPr>
             <a:spLocks noGrp="1"/>
           </p:cNvSpPr>
           <p:nvPr>
-            <p:ph sz="quarter" idx="10"/>
+            <p:ph type="subTitle" idx="1"/>
           </p:nvPr>
         </p:nvSpPr>
         <p:spPr/>
@@ -4630,39 +4991,20 @@
           <a:bodyPr/>
           <a:lstStyle/>
           <a:p>
-            <a:r>
-              <a:rPr lang="en-US" dirty="0" smtClean="0">
-                <a:solidFill>
-                  <a:srgbClr val="FF0000"/>
-                </a:solidFill>
-              </a:rPr>
-              <a:t>TODO: ADD LAYOUTS FROM FLASK</a:t>
-            </a:r>
-            <a:endParaRPr lang="en-US" dirty="0">
-              <a:solidFill>
-                <a:srgbClr val="FF0000"/>
-              </a:solidFill>
-            </a:endParaRPr>
+            <a:endParaRPr lang="en-US" dirty="0"/>
           </a:p>
         </p:txBody>
       </p:sp>
     </p:spTree>
     <p:extLst>
       <p:ext uri="{BB962C8B-B14F-4D97-AF65-F5344CB8AC3E}">
-        <p14:creationId xmlns:p14="http://schemas.microsoft.com/office/powerpoint/2010/main" val="3267219578"/>
+        <p14:creationId xmlns:p14="http://schemas.microsoft.com/office/powerpoint/2010/main" val="2666250908"/>
       </p:ext>
     </p:extLst>
   </p:cSld>
   <p:clrMapOvr>
     <a:masterClrMapping/>
   </p:clrMapOvr>
-  <p:timing>
-    <p:tnLst>
-      <p:par>
-        <p:cTn id="1" dur="indefinite" restart="never" nodeType="tmRoot"/>
-      </p:par>
-    </p:tnLst>
-  </p:timing>
 </p:sld>
 </file>
 
@@ -4683,23 +5025,249 @@
           <a:chExt cx="0" cy="0"/>
         </a:xfrm>
       </p:grpSpPr>
+      <p:sp>
+        <p:nvSpPr>
+          <p:cNvPr id="4" name="Title 3"/>
+          <p:cNvSpPr>
+            <a:spLocks noGrp="1"/>
+          </p:cNvSpPr>
+          <p:nvPr>
+            <p:ph type="title"/>
+          </p:nvPr>
+        </p:nvSpPr>
+        <p:spPr/>
+        <p:txBody>
+          <a:bodyPr/>
+          <a:lstStyle/>
+          <a:p>
+            <a:r>
+              <a:rPr lang="en-US" dirty="0" smtClean="0"/>
+              <a:t>How do we submit data?</a:t>
+            </a:r>
+            <a:endParaRPr lang="en-US" dirty="0"/>
+          </a:p>
+        </p:txBody>
+      </p:sp>
+      <p:sp>
+        <p:nvSpPr>
+          <p:cNvPr id="5" name="Content Placeholder 4"/>
+          <p:cNvSpPr>
+            <a:spLocks noGrp="1"/>
+          </p:cNvSpPr>
+          <p:nvPr>
+            <p:ph sz="quarter" idx="10"/>
+          </p:nvPr>
+        </p:nvSpPr>
+        <p:spPr/>
+        <p:txBody>
+          <a:bodyPr/>
+          <a:lstStyle/>
+          <a:p>
+            <a:r>
+              <a:rPr lang="en-US" dirty="0" smtClean="0"/>
+              <a:t>Data is of course submitted by using forms</a:t>
+            </a:r>
+          </a:p>
+          <a:p>
+            <a:r>
+              <a:rPr lang="en-US" dirty="0" smtClean="0"/>
+              <a:t>You could, if you wanted to, create your forms manually</a:t>
+            </a:r>
+          </a:p>
+          <a:p>
+            <a:pPr lvl="1"/>
+            <a:r>
+              <a:rPr lang="en-US" dirty="0" smtClean="0"/>
+              <a:t>Additional work</a:t>
+            </a:r>
+          </a:p>
+          <a:p>
+            <a:pPr lvl="1"/>
+            <a:r>
+              <a:rPr lang="en-US" dirty="0" smtClean="0"/>
+              <a:t>Doesn't deal well with changes to the model</a:t>
+            </a:r>
+            <a:endParaRPr lang="en-US" dirty="0"/>
+          </a:p>
+        </p:txBody>
+      </p:sp>
     </p:spTree>
     <p:extLst>
       <p:ext uri="{BB962C8B-B14F-4D97-AF65-F5344CB8AC3E}">
-        <p14:creationId xmlns:p14="http://schemas.microsoft.com/office/powerpoint/2010/main" val="898363405"/>
+        <p14:creationId xmlns:p14="http://schemas.microsoft.com/office/powerpoint/2010/main" val="3068523135"/>
       </p:ext>
     </p:extLst>
   </p:cSld>
   <p:clrMapOvr>
     <a:masterClrMapping/>
   </p:clrMapOvr>
-  <p:timing>
-    <p:tnLst>
-      <p:par>
-        <p:cTn id="1" dur="indefinite" restart="never" nodeType="tmRoot"/>
-      </p:par>
-    </p:tnLst>
-  </p:timing>
+</p:sld>
+</file>
+
+<file path=ppt/slides/slide18.xml><?xml version="1.0" encoding="utf-8"?>
+<p:sld xmlns:a="http://schemas.openxmlformats.org/drawingml/2006/main" xmlns:r="http://schemas.openxmlformats.org/officeDocument/2006/relationships" xmlns:p="http://schemas.openxmlformats.org/presentationml/2006/main">
+  <p:cSld>
+    <p:spTree>
+      <p:nvGrpSpPr>
+        <p:cNvPr id="1" name=""/>
+        <p:cNvGrpSpPr/>
+        <p:nvPr/>
+      </p:nvGrpSpPr>
+      <p:grpSpPr>
+        <a:xfrm>
+          <a:off x="0" y="0"/>
+          <a:ext cx="0" cy="0"/>
+          <a:chOff x="0" y="0"/>
+          <a:chExt cx="0" cy="0"/>
+        </a:xfrm>
+      </p:grpSpPr>
+      <p:sp>
+        <p:nvSpPr>
+          <p:cNvPr id="2" name="Title 1"/>
+          <p:cNvSpPr>
+            <a:spLocks noGrp="1"/>
+          </p:cNvSpPr>
+          <p:nvPr>
+            <p:ph type="title"/>
+          </p:nvPr>
+        </p:nvSpPr>
+        <p:spPr/>
+        <p:txBody>
+          <a:bodyPr/>
+          <a:lstStyle/>
+          <a:p>
+            <a:r>
+              <a:rPr lang="en-US" dirty="0" smtClean="0"/>
+              <a:t>Can Django create forms for us?</a:t>
+            </a:r>
+            <a:endParaRPr lang="en-US" dirty="0"/>
+          </a:p>
+        </p:txBody>
+      </p:sp>
+      <p:sp>
+        <p:nvSpPr>
+          <p:cNvPr id="3" name="Content Placeholder 2"/>
+          <p:cNvSpPr>
+            <a:spLocks noGrp="1"/>
+          </p:cNvSpPr>
+          <p:nvPr>
+            <p:ph sz="quarter" idx="10"/>
+          </p:nvPr>
+        </p:nvSpPr>
+        <p:spPr/>
+        <p:txBody>
+          <a:bodyPr/>
+          <a:lstStyle/>
+          <a:p>
+            <a:r>
+              <a:rPr lang="en-US" dirty="0" smtClean="0"/>
+              <a:t>As a matter of fact, it can!</a:t>
+            </a:r>
+          </a:p>
+          <a:p>
+            <a:endParaRPr lang="en-US" dirty="0"/>
+          </a:p>
+          <a:p>
+            <a:r>
+              <a:rPr lang="en-US" dirty="0" smtClean="0"/>
+              <a:t>(it'd have been silly to create a slide asking that if the answer was "no")</a:t>
+            </a:r>
+            <a:endParaRPr lang="en-US" dirty="0"/>
+          </a:p>
+        </p:txBody>
+      </p:sp>
+    </p:spTree>
+    <p:extLst>
+      <p:ext uri="{BB962C8B-B14F-4D97-AF65-F5344CB8AC3E}">
+        <p14:creationId xmlns:p14="http://schemas.microsoft.com/office/powerpoint/2010/main" val="1458596583"/>
+      </p:ext>
+    </p:extLst>
+  </p:cSld>
+  <p:clrMapOvr>
+    <a:masterClrMapping/>
+  </p:clrMapOvr>
+</p:sld>
+</file>
+
+<file path=ppt/slides/slide19.xml><?xml version="1.0" encoding="utf-8"?>
+<p:sld xmlns:a="http://schemas.openxmlformats.org/drawingml/2006/main" xmlns:r="http://schemas.openxmlformats.org/officeDocument/2006/relationships" xmlns:p="http://schemas.openxmlformats.org/presentationml/2006/main">
+  <p:cSld>
+    <p:spTree>
+      <p:nvGrpSpPr>
+        <p:cNvPr id="1" name=""/>
+        <p:cNvGrpSpPr/>
+        <p:nvPr/>
+      </p:nvGrpSpPr>
+      <p:grpSpPr>
+        <a:xfrm>
+          <a:off x="0" y="0"/>
+          <a:ext cx="0" cy="0"/>
+          <a:chOff x="0" y="0"/>
+          <a:chExt cx="0" cy="0"/>
+        </a:xfrm>
+      </p:grpSpPr>
+      <p:sp>
+        <p:nvSpPr>
+          <p:cNvPr id="2" name="Title 1"/>
+          <p:cNvSpPr>
+            <a:spLocks noGrp="1"/>
+          </p:cNvSpPr>
+          <p:nvPr>
+            <p:ph type="title"/>
+          </p:nvPr>
+        </p:nvSpPr>
+        <p:spPr/>
+        <p:txBody>
+          <a:bodyPr/>
+          <a:lstStyle/>
+          <a:p>
+            <a:r>
+              <a:rPr lang="en-US" dirty="0" smtClean="0"/>
+              <a:t>How can we create forms using Django</a:t>
+            </a:r>
+            <a:endParaRPr lang="en-US" dirty="0"/>
+          </a:p>
+        </p:txBody>
+      </p:sp>
+      <p:sp>
+        <p:nvSpPr>
+          <p:cNvPr id="3" name="Content Placeholder 2"/>
+          <p:cNvSpPr>
+            <a:spLocks noGrp="1"/>
+          </p:cNvSpPr>
+          <p:nvPr>
+            <p:ph sz="quarter" idx="10"/>
+          </p:nvPr>
+        </p:nvSpPr>
+        <p:spPr/>
+        <p:txBody>
+          <a:bodyPr/>
+          <a:lstStyle/>
+          <a:p>
+            <a:r>
+              <a:rPr lang="en-US" dirty="0" smtClean="0"/>
+              <a:t>Create a form class</a:t>
+            </a:r>
+          </a:p>
+          <a:p>
+            <a:r>
+              <a:rPr lang="en-US" dirty="0" smtClean="0"/>
+              <a:t>Bind a form class to a model</a:t>
+            </a:r>
+            <a:endParaRPr lang="en-US" dirty="0"/>
+          </a:p>
+        </p:txBody>
+      </p:sp>
+    </p:spTree>
+    <p:extLst>
+      <p:ext uri="{BB962C8B-B14F-4D97-AF65-F5344CB8AC3E}">
+        <p14:creationId xmlns:p14="http://schemas.microsoft.com/office/powerpoint/2010/main" val="1523218387"/>
+      </p:ext>
+    </p:extLst>
+  </p:cSld>
+  <p:clrMapOvr>
+    <a:masterClrMapping/>
+  </p:clrMapOvr>
 </p:sld>
 </file>
 
@@ -4751,7 +5319,17 @@
           <a:p>
             <a:r>
               <a:rPr lang="en-GB" dirty="0" smtClean="0"/>
-              <a:t>Ensuring consistency</a:t>
+              <a:t>Ensuring </a:t>
+            </a:r>
+            <a:r>
+              <a:rPr lang="en-GB" dirty="0" smtClean="0"/>
+              <a:t>consistency</a:t>
+            </a:r>
+          </a:p>
+          <a:p>
+            <a:r>
+              <a:rPr lang="en-GB" dirty="0" smtClean="0"/>
+              <a:t>Forms</a:t>
             </a:r>
             <a:endParaRPr lang="en-GB" dirty="0" smtClean="0"/>
           </a:p>
@@ -4784,6 +5362,1182 @@
     <p:extLst>
       <p:ext uri="{BB962C8B-B14F-4D97-AF65-F5344CB8AC3E}">
         <p14:creationId xmlns:p14="http://schemas.microsoft.com/office/powerpoint/2010/main" val="318349970"/>
+      </p:ext>
+    </p:extLst>
+  </p:cSld>
+  <p:clrMapOvr>
+    <a:masterClrMapping/>
+  </p:clrMapOvr>
+  <p:timing>
+    <p:tnLst>
+      <p:par>
+        <p:cTn id="1" dur="indefinite" restart="never" nodeType="tmRoot"/>
+      </p:par>
+    </p:tnLst>
+  </p:timing>
+</p:sld>
+</file>
+
+<file path=ppt/slides/slide20.xml><?xml version="1.0" encoding="utf-8"?>
+<p:sld xmlns:a="http://schemas.openxmlformats.org/drawingml/2006/main" xmlns:r="http://schemas.openxmlformats.org/officeDocument/2006/relationships" xmlns:p="http://schemas.openxmlformats.org/presentationml/2006/main">
+  <p:cSld>
+    <p:spTree>
+      <p:nvGrpSpPr>
+        <p:cNvPr id="1" name=""/>
+        <p:cNvGrpSpPr/>
+        <p:nvPr/>
+      </p:nvGrpSpPr>
+      <p:grpSpPr>
+        <a:xfrm>
+          <a:off x="0" y="0"/>
+          <a:ext cx="0" cy="0"/>
+          <a:chOff x="0" y="0"/>
+          <a:chExt cx="0" cy="0"/>
+        </a:xfrm>
+      </p:grpSpPr>
+      <p:sp>
+        <p:nvSpPr>
+          <p:cNvPr id="2" name="Title 1"/>
+          <p:cNvSpPr>
+            <a:spLocks noGrp="1"/>
+          </p:cNvSpPr>
+          <p:nvPr>
+            <p:ph type="title"/>
+          </p:nvPr>
+        </p:nvSpPr>
+        <p:spPr/>
+        <p:txBody>
+          <a:bodyPr/>
+          <a:lstStyle/>
+          <a:p>
+            <a:r>
+              <a:rPr lang="en-US" dirty="0" smtClean="0"/>
+              <a:t>Form class</a:t>
+            </a:r>
+            <a:endParaRPr lang="en-US" dirty="0"/>
+          </a:p>
+        </p:txBody>
+      </p:sp>
+      <mc:AlternateContent xmlns:mc="http://schemas.openxmlformats.org/markup-compatibility/2006">
+        <mc:Choice xmlns:we="http://schemas.microsoft.com/office/webextensions/webextension/2010/11" xmlns:pca="http://schemas.microsoft.com/office/powerpoint/2013/contentapp" Requires="we pca">
+          <p:graphicFrame>
+            <p:nvGraphicFramePr>
+              <p:cNvPr id="5" name="App 4"/>
+              <p:cNvGraphicFramePr>
+                <a:graphicFrameLocks noGrp="1"/>
+              </p:cNvGraphicFramePr>
+              <p:nvPr>
+                <p:extLst>
+                  <p:ext uri="{D42A27DB-BD31-4B8C-83A1-F6EECF244321}">
+                    <p14:modId xmlns:p14="http://schemas.microsoft.com/office/powerpoint/2010/main" val="1528491717"/>
+                  </p:ext>
+                </p:extLst>
+              </p:nvPr>
+            </p:nvGraphicFramePr>
+            <p:xfrm>
+              <a:off x="379513" y="903382"/>
+              <a:ext cx="11364467" cy="5706737"/>
+            </p:xfrm>
+            <a:graphic>
+              <a:graphicData uri="http://schemas.microsoft.com/office/webextensions/webextension/2010/11">
+                <we:webextensionref xmlns:we="http://schemas.microsoft.com/office/webextensions/webextension/2010/11" xmlns:r="http://schemas.openxmlformats.org/officeDocument/2006/relationships" r:id="rId2"/>
+              </a:graphicData>
+            </a:graphic>
+          </p:graphicFrame>
+        </mc:Choice>
+        <mc:Fallback>
+          <p:pic>
+            <p:nvPicPr>
+              <p:cNvPr id="5" name="App 4"/>
+              <p:cNvPicPr>
+                <a:picLocks noGrp="1" noRot="1" noChangeAspect="1" noMove="1" noResize="1" noEditPoints="1" noAdjustHandles="1" noChangeArrowheads="1" noChangeShapeType="1"/>
+              </p:cNvPicPr>
+              <p:nvPr/>
+            </p:nvPicPr>
+            <p:blipFill>
+              <a:blip r:embed="rId3"/>
+              <a:stretch>
+                <a:fillRect/>
+              </a:stretch>
+            </p:blipFill>
+            <p:spPr>
+              <a:xfrm>
+                <a:off x="379513" y="903382"/>
+                <a:ext cx="11364467" cy="5706737"/>
+              </a:xfrm>
+              <a:prstGeom prst="rect">
+                <a:avLst/>
+              </a:prstGeom>
+            </p:spPr>
+          </p:pic>
+        </mc:Fallback>
+      </mc:AlternateContent>
+    </p:spTree>
+    <p:extLst>
+      <p:ext uri="{BB962C8B-B14F-4D97-AF65-F5344CB8AC3E}">
+        <p14:creationId xmlns:p14="http://schemas.microsoft.com/office/powerpoint/2010/main" val="1262262059"/>
+      </p:ext>
+    </p:extLst>
+  </p:cSld>
+  <p:clrMapOvr>
+    <a:masterClrMapping/>
+  </p:clrMapOvr>
+</p:sld>
+</file>
+
+<file path=ppt/slides/slide21.xml><?xml version="1.0" encoding="utf-8"?>
+<p:sld xmlns:a="http://schemas.openxmlformats.org/drawingml/2006/main" xmlns:r="http://schemas.openxmlformats.org/officeDocument/2006/relationships" xmlns:p="http://schemas.openxmlformats.org/presentationml/2006/main">
+  <p:cSld>
+    <p:spTree>
+      <p:nvGrpSpPr>
+        <p:cNvPr id="1" name=""/>
+        <p:cNvGrpSpPr/>
+        <p:nvPr/>
+      </p:nvGrpSpPr>
+      <p:grpSpPr>
+        <a:xfrm>
+          <a:off x="0" y="0"/>
+          <a:ext cx="0" cy="0"/>
+          <a:chOff x="0" y="0"/>
+          <a:chExt cx="0" cy="0"/>
+        </a:xfrm>
+      </p:grpSpPr>
+      <p:sp>
+        <p:nvSpPr>
+          <p:cNvPr id="2" name="Title 1"/>
+          <p:cNvSpPr>
+            <a:spLocks noGrp="1"/>
+          </p:cNvSpPr>
+          <p:nvPr>
+            <p:ph type="title"/>
+          </p:nvPr>
+        </p:nvSpPr>
+        <p:spPr/>
+        <p:txBody>
+          <a:bodyPr/>
+          <a:lstStyle/>
+          <a:p>
+            <a:r>
+              <a:rPr lang="en-US" dirty="0" err="1" smtClean="0"/>
+              <a:t>ModelForm</a:t>
+            </a:r>
+            <a:endParaRPr lang="en-US" dirty="0"/>
+          </a:p>
+        </p:txBody>
+      </p:sp>
+      <mc:AlternateContent xmlns:mc="http://schemas.openxmlformats.org/markup-compatibility/2006">
+        <mc:Choice xmlns:we="http://schemas.microsoft.com/office/webextensions/webextension/2010/11" xmlns:pca="http://schemas.microsoft.com/office/powerpoint/2013/contentapp" Requires="we pca">
+          <p:graphicFrame>
+            <p:nvGraphicFramePr>
+              <p:cNvPr id="4" name="App 3"/>
+              <p:cNvGraphicFramePr>
+                <a:graphicFrameLocks noGrp="1"/>
+              </p:cNvGraphicFramePr>
+              <p:nvPr>
+                <p:extLst>
+                  <p:ext uri="{D42A27DB-BD31-4B8C-83A1-F6EECF244321}">
+                    <p14:modId xmlns:p14="http://schemas.microsoft.com/office/powerpoint/2010/main" val="535201881"/>
+                  </p:ext>
+                </p:extLst>
+              </p:nvPr>
+            </p:nvGraphicFramePr>
+            <p:xfrm>
+              <a:off x="528809" y="1057619"/>
+              <a:ext cx="11468559" cy="5662670"/>
+            </p:xfrm>
+            <a:graphic>
+              <a:graphicData uri="http://schemas.microsoft.com/office/webextensions/webextension/2010/11">
+                <we:webextensionref xmlns:we="http://schemas.microsoft.com/office/webextensions/webextension/2010/11" xmlns:r="http://schemas.openxmlformats.org/officeDocument/2006/relationships" r:id="rId2"/>
+              </a:graphicData>
+            </a:graphic>
+          </p:graphicFrame>
+        </mc:Choice>
+        <mc:Fallback>
+          <p:pic>
+            <p:nvPicPr>
+              <p:cNvPr id="4" name="App 3"/>
+              <p:cNvPicPr>
+                <a:picLocks noGrp="1" noRot="1" noChangeAspect="1" noMove="1" noResize="1" noEditPoints="1" noAdjustHandles="1" noChangeArrowheads="1" noChangeShapeType="1"/>
+              </p:cNvPicPr>
+              <p:nvPr/>
+            </p:nvPicPr>
+            <p:blipFill>
+              <a:blip r:embed="rId3"/>
+              <a:stretch>
+                <a:fillRect/>
+              </a:stretch>
+            </p:blipFill>
+            <p:spPr>
+              <a:xfrm>
+                <a:off x="528809" y="1057619"/>
+                <a:ext cx="11468559" cy="5662670"/>
+              </a:xfrm>
+              <a:prstGeom prst="rect">
+                <a:avLst/>
+              </a:prstGeom>
+            </p:spPr>
+          </p:pic>
+        </mc:Fallback>
+      </mc:AlternateContent>
+    </p:spTree>
+    <p:extLst>
+      <p:ext uri="{BB962C8B-B14F-4D97-AF65-F5344CB8AC3E}">
+        <p14:creationId xmlns:p14="http://schemas.microsoft.com/office/powerpoint/2010/main" val="3553464778"/>
+      </p:ext>
+    </p:extLst>
+  </p:cSld>
+  <p:clrMapOvr>
+    <a:masterClrMapping/>
+  </p:clrMapOvr>
+</p:sld>
+</file>
+
+<file path=ppt/slides/slide22.xml><?xml version="1.0" encoding="utf-8"?>
+<p:sld xmlns:a="http://schemas.openxmlformats.org/drawingml/2006/main" xmlns:r="http://schemas.openxmlformats.org/officeDocument/2006/relationships" xmlns:p="http://schemas.openxmlformats.org/presentationml/2006/main">
+  <p:cSld>
+    <p:spTree>
+      <p:nvGrpSpPr>
+        <p:cNvPr id="1" name=""/>
+        <p:cNvGrpSpPr/>
+        <p:nvPr/>
+      </p:nvGrpSpPr>
+      <p:grpSpPr>
+        <a:xfrm>
+          <a:off x="0" y="0"/>
+          <a:ext cx="0" cy="0"/>
+          <a:chOff x="0" y="0"/>
+          <a:chExt cx="0" cy="0"/>
+        </a:xfrm>
+      </p:grpSpPr>
+      <p:sp>
+        <p:nvSpPr>
+          <p:cNvPr id="2" name="Title 1"/>
+          <p:cNvSpPr>
+            <a:spLocks noGrp="1"/>
+          </p:cNvSpPr>
+          <p:nvPr>
+            <p:ph type="title"/>
+          </p:nvPr>
+        </p:nvSpPr>
+        <p:spPr/>
+        <p:txBody>
+          <a:bodyPr>
+            <a:normAutofit fontScale="90000"/>
+          </a:bodyPr>
+          <a:lstStyle/>
+          <a:p>
+            <a:r>
+              <a:rPr lang="en-US" dirty="0" smtClean="0"/>
+              <a:t>What's the advantage of binding the form to the model?</a:t>
+            </a:r>
+            <a:endParaRPr lang="en-US" dirty="0"/>
+          </a:p>
+        </p:txBody>
+      </p:sp>
+      <p:sp>
+        <p:nvSpPr>
+          <p:cNvPr id="3" name="Content Placeholder 2"/>
+          <p:cNvSpPr>
+            <a:spLocks noGrp="1"/>
+          </p:cNvSpPr>
+          <p:nvPr>
+            <p:ph sz="quarter" idx="10"/>
+          </p:nvPr>
+        </p:nvSpPr>
+        <p:spPr/>
+        <p:txBody>
+          <a:bodyPr/>
+          <a:lstStyle/>
+          <a:p>
+            <a:r>
+              <a:rPr lang="en-US" dirty="0" smtClean="0"/>
+              <a:t>The form is automatically updated</a:t>
+            </a:r>
+          </a:p>
+          <a:p>
+            <a:r>
+              <a:rPr lang="en-US" dirty="0" smtClean="0"/>
+              <a:t>The form has the ability to automatically validate data</a:t>
+            </a:r>
+          </a:p>
+          <a:p>
+            <a:r>
+              <a:rPr lang="en-US" dirty="0" smtClean="0"/>
+              <a:t>You can save directly from the form</a:t>
+            </a:r>
+            <a:endParaRPr lang="en-US" dirty="0"/>
+          </a:p>
+        </p:txBody>
+      </p:sp>
+    </p:spTree>
+    <p:extLst>
+      <p:ext uri="{BB962C8B-B14F-4D97-AF65-F5344CB8AC3E}">
+        <p14:creationId xmlns:p14="http://schemas.microsoft.com/office/powerpoint/2010/main" val="1878416525"/>
+      </p:ext>
+    </p:extLst>
+  </p:cSld>
+  <p:clrMapOvr>
+    <a:masterClrMapping/>
+  </p:clrMapOvr>
+</p:sld>
+</file>
+
+<file path=ppt/slides/slide23.xml><?xml version="1.0" encoding="utf-8"?>
+<p:sld xmlns:a="http://schemas.openxmlformats.org/drawingml/2006/main" xmlns:r="http://schemas.openxmlformats.org/officeDocument/2006/relationships" xmlns:p="http://schemas.openxmlformats.org/presentationml/2006/main">
+  <p:cSld>
+    <p:spTree>
+      <p:nvGrpSpPr>
+        <p:cNvPr id="1" name=""/>
+        <p:cNvGrpSpPr/>
+        <p:nvPr/>
+      </p:nvGrpSpPr>
+      <p:grpSpPr>
+        <a:xfrm>
+          <a:off x="0" y="0"/>
+          <a:ext cx="0" cy="0"/>
+          <a:chOff x="0" y="0"/>
+          <a:chExt cx="0" cy="0"/>
+        </a:xfrm>
+      </p:grpSpPr>
+      <p:sp>
+        <p:nvSpPr>
+          <p:cNvPr id="4" name="Title 3"/>
+          <p:cNvSpPr>
+            <a:spLocks noGrp="1"/>
+          </p:cNvSpPr>
+          <p:nvPr>
+            <p:ph type="title"/>
+          </p:nvPr>
+        </p:nvSpPr>
+        <p:spPr/>
+        <p:txBody>
+          <a:bodyPr/>
+          <a:lstStyle/>
+          <a:p>
+            <a:r>
+              <a:rPr lang="en-US" dirty="0" smtClean="0"/>
+              <a:t>Creating a </a:t>
+            </a:r>
+            <a:r>
+              <a:rPr lang="en-US" dirty="0" err="1" smtClean="0"/>
+              <a:t>ModelForm</a:t>
+            </a:r>
+            <a:endParaRPr lang="en-US" dirty="0"/>
+          </a:p>
+        </p:txBody>
+      </p:sp>
+    </p:spTree>
+    <p:extLst>
+      <p:ext uri="{BB962C8B-B14F-4D97-AF65-F5344CB8AC3E}">
+        <p14:creationId xmlns:p14="http://schemas.microsoft.com/office/powerpoint/2010/main" val="922269962"/>
+      </p:ext>
+    </p:extLst>
+  </p:cSld>
+  <p:clrMapOvr>
+    <a:masterClrMapping/>
+  </p:clrMapOvr>
+</p:sld>
+</file>
+
+<file path=ppt/slides/slide24.xml><?xml version="1.0" encoding="utf-8"?>
+<p:sld xmlns:a="http://schemas.openxmlformats.org/drawingml/2006/main" xmlns:r="http://schemas.openxmlformats.org/officeDocument/2006/relationships" xmlns:p="http://schemas.openxmlformats.org/presentationml/2006/main">
+  <p:cSld>
+    <p:spTree>
+      <p:nvGrpSpPr>
+        <p:cNvPr id="1" name=""/>
+        <p:cNvGrpSpPr/>
+        <p:nvPr/>
+      </p:nvGrpSpPr>
+      <p:grpSpPr>
+        <a:xfrm>
+          <a:off x="0" y="0"/>
+          <a:ext cx="0" cy="0"/>
+          <a:chOff x="0" y="0"/>
+          <a:chExt cx="0" cy="0"/>
+        </a:xfrm>
+      </p:grpSpPr>
+      <p:sp>
+        <p:nvSpPr>
+          <p:cNvPr id="3" name="Title 2"/>
+          <p:cNvSpPr>
+            <a:spLocks noGrp="1"/>
+          </p:cNvSpPr>
+          <p:nvPr>
+            <p:ph type="title"/>
+          </p:nvPr>
+        </p:nvSpPr>
+        <p:spPr/>
+        <p:txBody>
+          <a:bodyPr/>
+          <a:lstStyle/>
+          <a:p>
+            <a:r>
+              <a:rPr lang="en-US" dirty="0" smtClean="0"/>
+              <a:t>Creating the HTML</a:t>
+            </a:r>
+            <a:endParaRPr lang="en-US" dirty="0"/>
+          </a:p>
+        </p:txBody>
+      </p:sp>
+      <p:sp>
+        <p:nvSpPr>
+          <p:cNvPr id="4" name="Content Placeholder 3"/>
+          <p:cNvSpPr>
+            <a:spLocks noGrp="1"/>
+          </p:cNvSpPr>
+          <p:nvPr>
+            <p:ph sz="quarter" idx="10"/>
+          </p:nvPr>
+        </p:nvSpPr>
+        <p:spPr/>
+        <p:txBody>
+          <a:bodyPr/>
+          <a:lstStyle/>
+          <a:p>
+            <a:r>
+              <a:rPr lang="en-US" dirty="0" smtClean="0"/>
+              <a:t>In order to create the form, you need an HTML page to "host" the form</a:t>
+            </a:r>
+          </a:p>
+          <a:p>
+            <a:r>
+              <a:rPr lang="en-US" dirty="0" smtClean="0"/>
+              <a:t>It can be this simple:</a:t>
+            </a:r>
+          </a:p>
+          <a:p>
+            <a:pPr marL="0" indent="0">
+              <a:buNone/>
+            </a:pPr>
+            <a:r>
+              <a:rPr lang="en-US" dirty="0">
+                <a:solidFill>
+                  <a:srgbClr val="0000FF"/>
+                </a:solidFill>
+                <a:highlight>
+                  <a:srgbClr val="FFFFFF"/>
+                </a:highlight>
+                <a:latin typeface="Consolas" panose="020B0609020204030204" pitchFamily="49" charset="0"/>
+              </a:rPr>
+              <a:t>&lt;</a:t>
+            </a:r>
+            <a:r>
+              <a:rPr lang="en-US" dirty="0">
+                <a:solidFill>
+                  <a:srgbClr val="800000"/>
+                </a:solidFill>
+                <a:highlight>
+                  <a:srgbClr val="FFFFFF"/>
+                </a:highlight>
+                <a:latin typeface="Consolas" panose="020B0609020204030204" pitchFamily="49" charset="0"/>
+              </a:rPr>
+              <a:t>form</a:t>
+            </a:r>
+            <a:r>
+              <a:rPr lang="en-US" dirty="0">
+                <a:solidFill>
+                  <a:srgbClr val="000000"/>
+                </a:solidFill>
+                <a:highlight>
+                  <a:srgbClr val="FFFFFF"/>
+                </a:highlight>
+                <a:latin typeface="Consolas" panose="020B0609020204030204" pitchFamily="49" charset="0"/>
+              </a:rPr>
+              <a:t> </a:t>
+            </a:r>
+            <a:r>
+              <a:rPr lang="en-US" dirty="0">
+                <a:solidFill>
+                  <a:srgbClr val="FF0000"/>
+                </a:solidFill>
+                <a:highlight>
+                  <a:srgbClr val="FFFFFF"/>
+                </a:highlight>
+                <a:latin typeface="Consolas" panose="020B0609020204030204" pitchFamily="49" charset="0"/>
+              </a:rPr>
+              <a:t>method</a:t>
+            </a:r>
+            <a:r>
+              <a:rPr lang="en-US" dirty="0">
+                <a:solidFill>
+                  <a:srgbClr val="0000FF"/>
+                </a:solidFill>
+                <a:highlight>
+                  <a:srgbClr val="FFFFFF"/>
+                </a:highlight>
+                <a:latin typeface="Consolas" panose="020B0609020204030204" pitchFamily="49" charset="0"/>
+              </a:rPr>
+              <a:t>="post"&gt;</a:t>
+            </a:r>
+            <a:endParaRPr lang="en-US" dirty="0">
+              <a:solidFill>
+                <a:srgbClr val="000000"/>
+              </a:solidFill>
+              <a:highlight>
+                <a:srgbClr val="FFFFFF"/>
+              </a:highlight>
+              <a:latin typeface="Consolas" panose="020B0609020204030204" pitchFamily="49" charset="0"/>
+            </a:endParaRPr>
+          </a:p>
+          <a:p>
+            <a:pPr marL="0" indent="0">
+              <a:buNone/>
+            </a:pPr>
+            <a:r>
+              <a:rPr lang="en-US" dirty="0" smtClean="0">
+                <a:solidFill>
+                  <a:srgbClr val="000000"/>
+                </a:solidFill>
+                <a:highlight>
+                  <a:srgbClr val="FFFFFF"/>
+                </a:highlight>
+                <a:latin typeface="Consolas" panose="020B0609020204030204" pitchFamily="49" charset="0"/>
+              </a:rPr>
+              <a:t>    </a:t>
+            </a:r>
+            <a:r>
+              <a:rPr lang="en-US" b="1" dirty="0" smtClean="0">
+                <a:solidFill>
+                  <a:srgbClr val="000000"/>
+                </a:solidFill>
+                <a:highlight>
+                  <a:srgbClr val="FFFFFF"/>
+                </a:highlight>
+                <a:latin typeface="Consolas" panose="020B0609020204030204" pitchFamily="49" charset="0"/>
+              </a:rPr>
+              <a:t>{%</a:t>
+            </a:r>
+            <a:r>
+              <a:rPr lang="en-US" dirty="0" smtClean="0">
+                <a:solidFill>
+                  <a:srgbClr val="000000"/>
+                </a:solidFill>
+                <a:highlight>
+                  <a:srgbClr val="FFFFFF"/>
+                </a:highlight>
+                <a:latin typeface="Consolas" panose="020B0609020204030204" pitchFamily="49" charset="0"/>
+              </a:rPr>
+              <a:t> </a:t>
+            </a:r>
+            <a:r>
+              <a:rPr lang="en-US" dirty="0" err="1" smtClean="0">
+                <a:solidFill>
+                  <a:srgbClr val="800080"/>
+                </a:solidFill>
+                <a:highlight>
+                  <a:srgbClr val="FFFFFF"/>
+                </a:highlight>
+                <a:latin typeface="Consolas" panose="020B0609020204030204" pitchFamily="49" charset="0"/>
+              </a:rPr>
+              <a:t>csrf_token</a:t>
+            </a:r>
+            <a:r>
+              <a:rPr lang="en-US" dirty="0" smtClean="0">
+                <a:solidFill>
+                  <a:srgbClr val="000000"/>
+                </a:solidFill>
+                <a:highlight>
+                  <a:srgbClr val="FFFFFF"/>
+                </a:highlight>
+                <a:latin typeface="Consolas" panose="020B0609020204030204" pitchFamily="49" charset="0"/>
+              </a:rPr>
+              <a:t> </a:t>
+            </a:r>
+            <a:r>
+              <a:rPr lang="en-US" b="1" dirty="0">
+                <a:solidFill>
+                  <a:srgbClr val="000000"/>
+                </a:solidFill>
+                <a:highlight>
+                  <a:srgbClr val="FFFFFF"/>
+                </a:highlight>
+                <a:latin typeface="Consolas" panose="020B0609020204030204" pitchFamily="49" charset="0"/>
+              </a:rPr>
+              <a:t>%</a:t>
+            </a:r>
+            <a:r>
+              <a:rPr lang="en-US" b="1" dirty="0" smtClean="0">
+                <a:solidFill>
+                  <a:srgbClr val="000000"/>
+                </a:solidFill>
+                <a:highlight>
+                  <a:srgbClr val="FFFFFF"/>
+                </a:highlight>
+                <a:latin typeface="Consolas" panose="020B0609020204030204" pitchFamily="49" charset="0"/>
+              </a:rPr>
+              <a:t>}</a:t>
+            </a:r>
+          </a:p>
+          <a:p>
+            <a:pPr marL="0" indent="0">
+              <a:buNone/>
+            </a:pPr>
+            <a:r>
+              <a:rPr lang="en-US" dirty="0" smtClean="0">
+                <a:solidFill>
+                  <a:srgbClr val="000000"/>
+                </a:solidFill>
+                <a:highlight>
+                  <a:srgbClr val="FFFFFF"/>
+                </a:highlight>
+                <a:latin typeface="Consolas" panose="020B0609020204030204" pitchFamily="49" charset="0"/>
+              </a:rPr>
+              <a:t>    </a:t>
+            </a:r>
+            <a:r>
+              <a:rPr lang="en-US" b="1" dirty="0" smtClean="0">
+                <a:solidFill>
+                  <a:srgbClr val="000000"/>
+                </a:solidFill>
+                <a:highlight>
+                  <a:srgbClr val="FFFFFF"/>
+                </a:highlight>
+                <a:latin typeface="Consolas" panose="020B0609020204030204" pitchFamily="49" charset="0"/>
+              </a:rPr>
+              <a:t>{{</a:t>
+            </a:r>
+            <a:r>
+              <a:rPr lang="en-US" dirty="0" smtClean="0">
+                <a:solidFill>
+                  <a:srgbClr val="000000"/>
+                </a:solidFill>
+                <a:highlight>
+                  <a:srgbClr val="FFFFFF"/>
+                </a:highlight>
+                <a:latin typeface="Consolas" panose="020B0609020204030204" pitchFamily="49" charset="0"/>
+              </a:rPr>
+              <a:t> </a:t>
+            </a:r>
+            <a:r>
+              <a:rPr lang="en-US" dirty="0" smtClean="0">
+                <a:solidFill>
+                  <a:srgbClr val="800080"/>
+                </a:solidFill>
+                <a:highlight>
+                  <a:srgbClr val="FFFFFF"/>
+                </a:highlight>
+                <a:latin typeface="Consolas" panose="020B0609020204030204" pitchFamily="49" charset="0"/>
+              </a:rPr>
+              <a:t>form</a:t>
+            </a:r>
+            <a:r>
+              <a:rPr lang="en-US" dirty="0" smtClean="0">
+                <a:solidFill>
+                  <a:srgbClr val="000000"/>
+                </a:solidFill>
+                <a:highlight>
+                  <a:srgbClr val="FFFFFF"/>
+                </a:highlight>
+                <a:latin typeface="Consolas" panose="020B0609020204030204" pitchFamily="49" charset="0"/>
+              </a:rPr>
+              <a:t> </a:t>
+            </a:r>
+            <a:r>
+              <a:rPr lang="en-US" b="1" dirty="0" smtClean="0">
+                <a:solidFill>
+                  <a:srgbClr val="000000"/>
+                </a:solidFill>
+                <a:highlight>
+                  <a:srgbClr val="FFFFFF"/>
+                </a:highlight>
+                <a:latin typeface="Consolas" panose="020B0609020204030204" pitchFamily="49" charset="0"/>
+              </a:rPr>
+              <a:t>}}</a:t>
+            </a:r>
+            <a:endParaRPr lang="en-US" dirty="0" smtClean="0">
+              <a:solidFill>
+                <a:srgbClr val="000000"/>
+              </a:solidFill>
+              <a:highlight>
+                <a:srgbClr val="FFFFFF"/>
+              </a:highlight>
+              <a:latin typeface="Consolas" panose="020B0609020204030204" pitchFamily="49" charset="0"/>
+            </a:endParaRPr>
+          </a:p>
+          <a:p>
+            <a:pPr marL="0" indent="0">
+              <a:buNone/>
+            </a:pPr>
+            <a:r>
+              <a:rPr lang="en-US" dirty="0" smtClean="0">
+                <a:solidFill>
+                  <a:srgbClr val="000000"/>
+                </a:solidFill>
+                <a:highlight>
+                  <a:srgbClr val="FFFFFF"/>
+                </a:highlight>
+                <a:latin typeface="Consolas" panose="020B0609020204030204" pitchFamily="49" charset="0"/>
+              </a:rPr>
+              <a:t>    </a:t>
+            </a:r>
+            <a:r>
+              <a:rPr lang="en-US" dirty="0">
+                <a:solidFill>
+                  <a:srgbClr val="0000FF"/>
+                </a:solidFill>
+                <a:highlight>
+                  <a:srgbClr val="FFFFFF"/>
+                </a:highlight>
+                <a:latin typeface="Consolas" panose="020B0609020204030204" pitchFamily="49" charset="0"/>
+              </a:rPr>
+              <a:t>&lt;</a:t>
+            </a:r>
+            <a:r>
+              <a:rPr lang="en-US" dirty="0">
+                <a:solidFill>
+                  <a:srgbClr val="800000"/>
+                </a:solidFill>
+                <a:highlight>
+                  <a:srgbClr val="FFFFFF"/>
+                </a:highlight>
+                <a:latin typeface="Consolas" panose="020B0609020204030204" pitchFamily="49" charset="0"/>
+              </a:rPr>
+              <a:t>button</a:t>
+            </a:r>
+            <a:r>
+              <a:rPr lang="en-US" dirty="0">
+                <a:solidFill>
+                  <a:srgbClr val="000000"/>
+                </a:solidFill>
+                <a:highlight>
+                  <a:srgbClr val="FFFFFF"/>
+                </a:highlight>
+                <a:latin typeface="Consolas" panose="020B0609020204030204" pitchFamily="49" charset="0"/>
+              </a:rPr>
+              <a:t> </a:t>
+            </a:r>
+            <a:r>
+              <a:rPr lang="en-US" dirty="0">
+                <a:solidFill>
+                  <a:srgbClr val="FF0000"/>
+                </a:solidFill>
+                <a:highlight>
+                  <a:srgbClr val="FFFFFF"/>
+                </a:highlight>
+                <a:latin typeface="Consolas" panose="020B0609020204030204" pitchFamily="49" charset="0"/>
+              </a:rPr>
+              <a:t>type</a:t>
+            </a:r>
+            <a:r>
+              <a:rPr lang="en-US" dirty="0">
+                <a:solidFill>
+                  <a:srgbClr val="0000FF"/>
+                </a:solidFill>
+                <a:highlight>
+                  <a:srgbClr val="FFFFFF"/>
+                </a:highlight>
+                <a:latin typeface="Consolas" panose="020B0609020204030204" pitchFamily="49" charset="0"/>
+              </a:rPr>
+              <a:t>="submit"&gt;</a:t>
+            </a:r>
+            <a:r>
+              <a:rPr lang="en-US" dirty="0">
+                <a:solidFill>
+                  <a:srgbClr val="000000"/>
+                </a:solidFill>
+                <a:highlight>
+                  <a:srgbClr val="FFFFFF"/>
+                </a:highlight>
+                <a:latin typeface="Consolas" panose="020B0609020204030204" pitchFamily="49" charset="0"/>
+              </a:rPr>
+              <a:t>Save</a:t>
+            </a:r>
+            <a:r>
+              <a:rPr lang="en-US" dirty="0">
+                <a:solidFill>
+                  <a:srgbClr val="0000FF"/>
+                </a:solidFill>
+                <a:highlight>
+                  <a:srgbClr val="FFFFFF"/>
+                </a:highlight>
+                <a:latin typeface="Consolas" panose="020B0609020204030204" pitchFamily="49" charset="0"/>
+              </a:rPr>
+              <a:t>&lt;/</a:t>
+            </a:r>
+            <a:r>
+              <a:rPr lang="en-US" dirty="0">
+                <a:solidFill>
+                  <a:srgbClr val="800000"/>
+                </a:solidFill>
+                <a:highlight>
+                  <a:srgbClr val="FFFFFF"/>
+                </a:highlight>
+                <a:latin typeface="Consolas" panose="020B0609020204030204" pitchFamily="49" charset="0"/>
+              </a:rPr>
+              <a:t>button</a:t>
+            </a:r>
+            <a:r>
+              <a:rPr lang="en-US" dirty="0">
+                <a:solidFill>
+                  <a:srgbClr val="0000FF"/>
+                </a:solidFill>
+                <a:highlight>
+                  <a:srgbClr val="FFFFFF"/>
+                </a:highlight>
+                <a:latin typeface="Consolas" panose="020B0609020204030204" pitchFamily="49" charset="0"/>
+              </a:rPr>
+              <a:t>&gt;</a:t>
+            </a:r>
+            <a:endParaRPr lang="en-US" dirty="0">
+              <a:solidFill>
+                <a:srgbClr val="000000"/>
+              </a:solidFill>
+              <a:highlight>
+                <a:srgbClr val="FFFFFF"/>
+              </a:highlight>
+              <a:latin typeface="Consolas" panose="020B0609020204030204" pitchFamily="49" charset="0"/>
+            </a:endParaRPr>
+          </a:p>
+          <a:p>
+            <a:pPr marL="0" indent="0">
+              <a:buNone/>
+            </a:pPr>
+            <a:r>
+              <a:rPr lang="en-US" dirty="0">
+                <a:solidFill>
+                  <a:srgbClr val="0000FF"/>
+                </a:solidFill>
+                <a:highlight>
+                  <a:srgbClr val="FFFFFF"/>
+                </a:highlight>
+                <a:latin typeface="Consolas" panose="020B0609020204030204" pitchFamily="49" charset="0"/>
+              </a:rPr>
+              <a:t>&lt;/</a:t>
+            </a:r>
+            <a:r>
+              <a:rPr lang="en-US" dirty="0">
+                <a:solidFill>
+                  <a:srgbClr val="800000"/>
+                </a:solidFill>
+                <a:highlight>
+                  <a:srgbClr val="FFFFFF"/>
+                </a:highlight>
+                <a:latin typeface="Consolas" panose="020B0609020204030204" pitchFamily="49" charset="0"/>
+              </a:rPr>
+              <a:t>form</a:t>
+            </a:r>
+            <a:r>
+              <a:rPr lang="en-US" dirty="0">
+                <a:solidFill>
+                  <a:srgbClr val="0000FF"/>
+                </a:solidFill>
+                <a:highlight>
+                  <a:srgbClr val="FFFFFF"/>
+                </a:highlight>
+                <a:latin typeface="Consolas" panose="020B0609020204030204" pitchFamily="49" charset="0"/>
+              </a:rPr>
+              <a:t>&gt;</a:t>
+            </a:r>
+            <a:endParaRPr lang="en-US" dirty="0"/>
+          </a:p>
+        </p:txBody>
+      </p:sp>
+    </p:spTree>
+    <p:extLst>
+      <p:ext uri="{BB962C8B-B14F-4D97-AF65-F5344CB8AC3E}">
+        <p14:creationId xmlns:p14="http://schemas.microsoft.com/office/powerpoint/2010/main" val="4084938741"/>
+      </p:ext>
+    </p:extLst>
+  </p:cSld>
+  <p:clrMapOvr>
+    <a:masterClrMapping/>
+  </p:clrMapOvr>
+</p:sld>
+</file>
+
+<file path=ppt/slides/slide25.xml><?xml version="1.0" encoding="utf-8"?>
+<p:sld xmlns:a="http://schemas.openxmlformats.org/drawingml/2006/main" xmlns:r="http://schemas.openxmlformats.org/officeDocument/2006/relationships" xmlns:p="http://schemas.openxmlformats.org/presentationml/2006/main">
+  <p:cSld>
+    <p:spTree>
+      <p:nvGrpSpPr>
+        <p:cNvPr id="1" name=""/>
+        <p:cNvGrpSpPr/>
+        <p:nvPr/>
+      </p:nvGrpSpPr>
+      <p:grpSpPr>
+        <a:xfrm>
+          <a:off x="0" y="0"/>
+          <a:ext cx="0" cy="0"/>
+          <a:chOff x="0" y="0"/>
+          <a:chExt cx="0" cy="0"/>
+        </a:xfrm>
+      </p:grpSpPr>
+      <p:sp>
+        <p:nvSpPr>
+          <p:cNvPr id="2" name="Title 1"/>
+          <p:cNvSpPr>
+            <a:spLocks noGrp="1"/>
+          </p:cNvSpPr>
+          <p:nvPr>
+            <p:ph type="title"/>
+          </p:nvPr>
+        </p:nvSpPr>
+        <p:spPr/>
+        <p:txBody>
+          <a:bodyPr/>
+          <a:lstStyle/>
+          <a:p>
+            <a:r>
+              <a:rPr lang="en-US" dirty="0" smtClean="0"/>
+              <a:t>Controlling the form</a:t>
+            </a:r>
+            <a:endParaRPr lang="en-US" dirty="0"/>
+          </a:p>
+        </p:txBody>
+      </p:sp>
+      <p:sp>
+        <p:nvSpPr>
+          <p:cNvPr id="3" name="Content Placeholder 2"/>
+          <p:cNvSpPr>
+            <a:spLocks noGrp="1"/>
+          </p:cNvSpPr>
+          <p:nvPr>
+            <p:ph sz="quarter" idx="10"/>
+          </p:nvPr>
+        </p:nvSpPr>
+        <p:spPr/>
+        <p:txBody>
+          <a:bodyPr/>
+          <a:lstStyle/>
+          <a:p>
+            <a:r>
+              <a:rPr lang="en-US" dirty="0" smtClean="0"/>
+              <a:t>By default, the form will be created as a table</a:t>
+            </a:r>
+          </a:p>
+          <a:p>
+            <a:pPr lvl="1"/>
+            <a:r>
+              <a:rPr lang="en-US" dirty="0" smtClean="0"/>
+              <a:t>{{ </a:t>
+            </a:r>
+            <a:r>
+              <a:rPr lang="en-US" dirty="0" err="1" smtClean="0"/>
+              <a:t>form.as_p</a:t>
+            </a:r>
+            <a:r>
+              <a:rPr lang="en-US" dirty="0" smtClean="0"/>
+              <a:t> }} will use &lt;p&gt; elements</a:t>
+            </a:r>
+          </a:p>
+          <a:p>
+            <a:pPr lvl="1"/>
+            <a:r>
+              <a:rPr lang="en-US" dirty="0" smtClean="0"/>
+              <a:t>{{ </a:t>
+            </a:r>
+            <a:r>
+              <a:rPr lang="en-US" dirty="0" err="1" smtClean="0"/>
+              <a:t>form.as_ul</a:t>
+            </a:r>
+            <a:r>
+              <a:rPr lang="en-US" dirty="0" smtClean="0"/>
+              <a:t> }} will use &lt;li&gt; elements</a:t>
+            </a:r>
+          </a:p>
+          <a:p>
+            <a:r>
+              <a:rPr lang="en-US" dirty="0" smtClean="0"/>
+              <a:t>It is possible to grab the actual fields and completely customize the HTML as needed</a:t>
+            </a:r>
+            <a:endParaRPr lang="en-US" dirty="0"/>
+          </a:p>
+        </p:txBody>
+      </p:sp>
+    </p:spTree>
+    <p:extLst>
+      <p:ext uri="{BB962C8B-B14F-4D97-AF65-F5344CB8AC3E}">
+        <p14:creationId xmlns:p14="http://schemas.microsoft.com/office/powerpoint/2010/main" val="1455786813"/>
+      </p:ext>
+    </p:extLst>
+  </p:cSld>
+  <p:clrMapOvr>
+    <a:masterClrMapping/>
+  </p:clrMapOvr>
+</p:sld>
+</file>
+
+<file path=ppt/slides/slide26.xml><?xml version="1.0" encoding="utf-8"?>
+<p:sld xmlns:a="http://schemas.openxmlformats.org/drawingml/2006/main" xmlns:r="http://schemas.openxmlformats.org/officeDocument/2006/relationships" xmlns:p="http://schemas.openxmlformats.org/presentationml/2006/main">
+  <p:cSld>
+    <p:spTree>
+      <p:nvGrpSpPr>
+        <p:cNvPr id="1" name=""/>
+        <p:cNvGrpSpPr/>
+        <p:nvPr/>
+      </p:nvGrpSpPr>
+      <p:grpSpPr>
+        <a:xfrm>
+          <a:off x="0" y="0"/>
+          <a:ext cx="0" cy="0"/>
+          <a:chOff x="0" y="0"/>
+          <a:chExt cx="0" cy="0"/>
+        </a:xfrm>
+      </p:grpSpPr>
+      <p:sp>
+        <p:nvSpPr>
+          <p:cNvPr id="2" name="Title 1"/>
+          <p:cNvSpPr>
+            <a:spLocks noGrp="1"/>
+          </p:cNvSpPr>
+          <p:nvPr>
+            <p:ph type="title"/>
+          </p:nvPr>
+        </p:nvSpPr>
+        <p:spPr/>
+        <p:txBody>
+          <a:bodyPr/>
+          <a:lstStyle/>
+          <a:p>
+            <a:r>
+              <a:rPr lang="en-US" dirty="0" smtClean="0"/>
+              <a:t>Using the form in the view</a:t>
+            </a:r>
+            <a:endParaRPr lang="en-US" dirty="0"/>
+          </a:p>
+        </p:txBody>
+      </p:sp>
+      <mc:AlternateContent xmlns:mc="http://schemas.openxmlformats.org/markup-compatibility/2006">
+        <mc:Choice xmlns:we="http://schemas.microsoft.com/office/webextensions/webextension/2010/11" xmlns:pca="http://schemas.microsoft.com/office/powerpoint/2013/contentapp" Requires="we pca">
+          <p:graphicFrame>
+            <p:nvGraphicFramePr>
+              <p:cNvPr id="4" name="App 3"/>
+              <p:cNvGraphicFramePr>
+                <a:graphicFrameLocks noGrp="1"/>
+              </p:cNvGraphicFramePr>
+              <p:nvPr>
+                <p:extLst>
+                  <p:ext uri="{D42A27DB-BD31-4B8C-83A1-F6EECF244321}">
+                    <p14:modId xmlns:p14="http://schemas.microsoft.com/office/powerpoint/2010/main" val="3830850235"/>
+                  </p:ext>
+                </p:extLst>
+              </p:nvPr>
+            </p:nvGraphicFramePr>
+            <p:xfrm>
+              <a:off x="379514" y="881349"/>
+              <a:ext cx="11524432" cy="5883008"/>
+            </p:xfrm>
+            <a:graphic>
+              <a:graphicData uri="http://schemas.microsoft.com/office/webextensions/webextension/2010/11">
+                <we:webextensionref xmlns:we="http://schemas.microsoft.com/office/webextensions/webextension/2010/11" xmlns:r="http://schemas.openxmlformats.org/officeDocument/2006/relationships" r:id="rId2"/>
+              </a:graphicData>
+            </a:graphic>
+          </p:graphicFrame>
+        </mc:Choice>
+        <mc:Fallback>
+          <p:pic>
+            <p:nvPicPr>
+              <p:cNvPr id="4" name="App 3"/>
+              <p:cNvPicPr>
+                <a:picLocks noGrp="1" noRot="1" noChangeAspect="1" noMove="1" noResize="1" noEditPoints="1" noAdjustHandles="1" noChangeArrowheads="1" noChangeShapeType="1"/>
+              </p:cNvPicPr>
+              <p:nvPr/>
+            </p:nvPicPr>
+            <p:blipFill>
+              <a:blip r:embed="rId3"/>
+              <a:stretch>
+                <a:fillRect/>
+              </a:stretch>
+            </p:blipFill>
+            <p:spPr>
+              <a:xfrm>
+                <a:off x="379514" y="881349"/>
+                <a:ext cx="11524432" cy="5883008"/>
+              </a:xfrm>
+              <a:prstGeom prst="rect">
+                <a:avLst/>
+              </a:prstGeom>
+            </p:spPr>
+          </p:pic>
+        </mc:Fallback>
+      </mc:AlternateContent>
+    </p:spTree>
+    <p:extLst>
+      <p:ext uri="{BB962C8B-B14F-4D97-AF65-F5344CB8AC3E}">
+        <p14:creationId xmlns:p14="http://schemas.microsoft.com/office/powerpoint/2010/main" val="3557683193"/>
+      </p:ext>
+    </p:extLst>
+  </p:cSld>
+  <p:clrMapOvr>
+    <a:masterClrMapping/>
+  </p:clrMapOvr>
+</p:sld>
+</file>
+
+<file path=ppt/slides/slide27.xml><?xml version="1.0" encoding="utf-8"?>
+<p:sld xmlns:a="http://schemas.openxmlformats.org/drawingml/2006/main" xmlns:r="http://schemas.openxmlformats.org/officeDocument/2006/relationships" xmlns:p="http://schemas.openxmlformats.org/presentationml/2006/main">
+  <p:cSld>
+    <p:spTree>
+      <p:nvGrpSpPr>
+        <p:cNvPr id="1" name=""/>
+        <p:cNvGrpSpPr/>
+        <p:nvPr/>
+      </p:nvGrpSpPr>
+      <p:grpSpPr>
+        <a:xfrm>
+          <a:off x="0" y="0"/>
+          <a:ext cx="0" cy="0"/>
+          <a:chOff x="0" y="0"/>
+          <a:chExt cx="0" cy="0"/>
+        </a:xfrm>
+      </p:grpSpPr>
+      <p:sp>
+        <p:nvSpPr>
+          <p:cNvPr id="4" name="Title 3"/>
+          <p:cNvSpPr>
+            <a:spLocks noGrp="1"/>
+          </p:cNvSpPr>
+          <p:nvPr>
+            <p:ph type="title"/>
+          </p:nvPr>
+        </p:nvSpPr>
+        <p:spPr/>
+        <p:txBody>
+          <a:bodyPr/>
+          <a:lstStyle/>
+          <a:p>
+            <a:r>
+              <a:rPr lang="en-US" dirty="0" smtClean="0"/>
+              <a:t>Creating a create form</a:t>
+            </a:r>
+            <a:endParaRPr lang="en-US" dirty="0"/>
+          </a:p>
+        </p:txBody>
+      </p:sp>
+    </p:spTree>
+    <p:extLst>
+      <p:ext uri="{BB962C8B-B14F-4D97-AF65-F5344CB8AC3E}">
+        <p14:creationId xmlns:p14="http://schemas.microsoft.com/office/powerpoint/2010/main" val="188135580"/>
+      </p:ext>
+    </p:extLst>
+  </p:cSld>
+  <p:clrMapOvr>
+    <a:masterClrMapping/>
+  </p:clrMapOvr>
+</p:sld>
+</file>
+
+<file path=ppt/slides/slide28.xml><?xml version="1.0" encoding="utf-8"?>
+<p:sld xmlns:a="http://schemas.openxmlformats.org/drawingml/2006/main" xmlns:r="http://schemas.openxmlformats.org/officeDocument/2006/relationships" xmlns:p="http://schemas.openxmlformats.org/presentationml/2006/main">
+  <p:cSld>
+    <p:spTree>
+      <p:nvGrpSpPr>
+        <p:cNvPr id="1" name=""/>
+        <p:cNvGrpSpPr/>
+        <p:nvPr/>
+      </p:nvGrpSpPr>
+      <p:grpSpPr>
+        <a:xfrm>
+          <a:off x="0" y="0"/>
+          <a:ext cx="0" cy="0"/>
+          <a:chOff x="0" y="0"/>
+          <a:chExt cx="0" cy="0"/>
+        </a:xfrm>
+      </p:grpSpPr>
+    </p:spTree>
+    <p:extLst>
+      <p:ext uri="{BB962C8B-B14F-4D97-AF65-F5344CB8AC3E}">
+        <p14:creationId xmlns:p14="http://schemas.microsoft.com/office/powerpoint/2010/main" val="898363405"/>
       </p:ext>
     </p:extLst>
   </p:cSld>
@@ -6393,7 +8147,71 @@
 </a:theme>
 </file>
 
+<file path=ppt/webextensions/webextension1.xml><?xml version="1.0" encoding="utf-8"?>
+<we:webextension xmlns:we="http://schemas.microsoft.com/office/webextensions/webextension/2010/11" id="{842FCE7F-0787-4DA7-8F51-F430E1A7C45F}">
+  <we:reference id="wa104379263" version="1.0.0.0" store="en-US" storeType="OMEX"/>
+  <we:alternateReferences>
+    <we:reference id="WA104379263" version="1.0.0.0" store="WA104379263" storeType="OMEX"/>
+  </we:alternateReferences>
+  <we:properties>
+    <we:property name="config" value="{&quot;display_lang&quot;:&quot;en&quot;,&quot;display_font&quot;:&quot;Consolas&quot;,&quot;syntax_color&quot;:{&quot;Reserved words&quot;:&quot;#0000ff&quot;,&quot;Built-in objects&quot;:&quot;#FF0000&quot;,&quot;Line comment&quot;:&quot;#008000&quot;,&quot;Block comment&quot;:&quot;#008000&quot;,&quot;Quotation&quot;:&quot;#FF00FF&quot;,&quot;Quotation 2&quot;:&quot;#FF00FF&quot;,&quot;Number&quot;:&quot;#800080&quot;},&quot;old_syntax_color&quot;:{&quot;Reserved words&quot;:&quot;#0000FF&quot;,&quot;Built-in objects&quot;:&quot;#FF0000&quot;,&quot;Line comment&quot;:&quot;#008000&quot;,&quot;Block comment&quot;:&quot;#008000&quot;,&quot;Quotation&quot;:&quot;#FF00FF&quot;,&quot;Quotation 2&quot;:&quot;#FF00FF&quot;,&quot;Number&quot;:&quot;#800080&quot;},&quot;show_line_number&quot;:true,&quot;code_lang&quot;:&quot;js&quot;,&quot;code&quot;:&quot;from django import forms;\n\nclass ArtistForm(forms.Form):\n    name = forms.CharField(label='Artist', max_length=50);\n    year_formed = forms.PositiveIntegerField();&quot;,&quot;ctags&quot;:{}}"/>
+  </we:properties>
+  <we:bindings/>
+  <we:snapshot xmlns:r="http://schemas.openxmlformats.org/officeDocument/2006/relationships" r:embed="rId1"/>
+</we:webextension>
+</file>
+
+<file path=ppt/webextensions/webextension2.xml><?xml version="1.0" encoding="utf-8"?>
+<we:webextension xmlns:we="http://schemas.microsoft.com/office/webextensions/webextension/2010/11" id="{60E5AD68-ACE3-47A8-8449-A9D9801F207A}">
+  <we:reference id="wa104379263" version="1.0.0.0" store="en-US" storeType="OMEX"/>
+  <we:alternateReferences>
+    <we:reference id="WA104379263" version="1.0.0.0" store="WA104379263" storeType="OMEX"/>
+  </we:alternateReferences>
+  <we:properties>
+    <we:property name="config" value="{&quot;display_lang&quot;:&quot;en&quot;,&quot;display_font&quot;:&quot;Consolas&quot;,&quot;syntax_color&quot;:{&quot;Reserved words&quot;:&quot;#0000ff&quot;,&quot;Built-in objects&quot;:&quot;#FF0000&quot;,&quot;Line comment&quot;:&quot;#008000&quot;,&quot;Block comment&quot;:&quot;#008000&quot;,&quot;Quotation&quot;:&quot;#FF00FF&quot;,&quot;Quotation 2&quot;:&quot;#FF00FF&quot;,&quot;Number&quot;:&quot;#800080&quot;},&quot;old_syntax_color&quot;:{&quot;Reserved words&quot;:&quot;#0000FF&quot;,&quot;Built-in objects&quot;:&quot;#FF0000&quot;,&quot;Line comment&quot;:&quot;#008000&quot;,&quot;Block comment&quot;:&quot;#008000&quot;,&quot;Quotation&quot;:&quot;#FF00FF&quot;,&quot;Quotation 2&quot;:&quot;#FF00FF&quot;,&quot;Number&quot;:&quot;#800080&quot;},&quot;show_line_number&quot;:true,&quot;code_lang&quot;:&quot;js&quot;,&quot;code&quot;:&quot;from django.db import models\nfrom django.forms import ModelForm;\n\nclass Artist(models.Model):\n    name = models.CharField(max_length = 50);\n    year_formed = models.PositiveIntegerField();\n\nclass ArtistForm(ModelForm):\n    class Meta:\n        model = Artist;\n        fields = ['name', 'year_formed'];&quot;,&quot;ctags&quot;:{}}"/>
+  </we:properties>
+  <we:bindings/>
+  <we:snapshot xmlns:r="http://schemas.openxmlformats.org/officeDocument/2006/relationships" r:embed="rId1"/>
+</we:webextension>
+</file>
+
+<file path=ppt/webextensions/webextension3.xml><?xml version="1.0" encoding="utf-8"?>
+<we:webextension xmlns:we="http://schemas.microsoft.com/office/webextensions/webextension/2010/11" id="{0B80F3F5-E062-469E-B87F-8F670ABA321E}">
+  <we:reference id="wa104379263" version="1.0.0.0" store="en-US" storeType="OMEX"/>
+  <we:alternateReferences>
+    <we:reference id="WA104379263" version="1.0.0.0" store="WA104379263" storeType="OMEX"/>
+  </we:alternateReferences>
+  <we:properties>
+    <we:property name="config" value="{&quot;display_lang&quot;:&quot;en&quot;,&quot;display_font&quot;:&quot;Consolas&quot;,&quot;syntax_color&quot;:{&quot;Reserved words&quot;:&quot;#0000ff&quot;,&quot;Modules,Classes,Exceptions&quot;:&quot;#FF0000&quot;,&quot;Methods&quot;:&quot;#008080&quot;,&quot;Attributes&quot;:&quot;#808000&quot;,&quot;Line comment&quot;:&quot;#008000&quot;,&quot;Block comment&quot;:&quot;#008000&quot;,&quot;Block comment 2&quot;:&quot;#008000&quot;,&quot;Quotation&quot;:&quot;#FF00FF&quot;,&quot;Quotation 2&quot;:&quot;#FF00FF&quot;,&quot;Number&quot;:&quot;#800080&quot;},&quot;old_syntax_color&quot;:{&quot;Reserved words&quot;:&quot;#0000FF&quot;,&quot;Modules,Classes,Exceptions&quot;:&quot;#FF0000&quot;,&quot;Methods&quot;:&quot;#008080&quot;,&quot;Attributes&quot;:&quot;#808000&quot;,&quot;Line comment&quot;:&quot;#008000&quot;,&quot;Block comment&quot;:&quot;#008000&quot;,&quot;Block comment 2&quot;:&quot;#008000&quot;,&quot;Quotation&quot;:&quot;#FF00FF&quot;,&quot;Quotation 2&quot;:&quot;#FF00FF&quot;,&quot;Number&quot;:&quot;#800080&quot;},&quot;show_line_number&quot;:true,&quot;code_lang&quot;:&quot;py&quot;,&quot;code&quot;:&quot;def create(request):\n    if request.method == \&quot;GET\&quot;: \n        form = ArtistForm();\n        return render(request, 'app/create.html', { 'form':form });\n    elif request.method == \&quot;POST\&quot;:\n        form = ArtistForm(request.POST);\n        form.save();\n        return HttpResponseRedirect('/artists');&quot;,&quot;ctags&quot;:{&quot;create&quot;:[{&quot;linenum&quot;:&quot;1&quot;,&quot;signature&quot;:&quot;def create(request):&quot;}]}}"/>
+  </we:properties>
+  <we:bindings/>
+  <we:snapshot xmlns:r="http://schemas.openxmlformats.org/officeDocument/2006/relationships" r:embed="rId1"/>
+</we:webextension>
+</file>
+
 <file path=customXml/item1.xml><?xml version="1.0" encoding="utf-8"?>
+<p:properties xmlns:p="http://schemas.microsoft.com/office/2006/metadata/properties" xmlns:xsi="http://www.w3.org/2001/XMLSchema-instance" xmlns:pc="http://schemas.microsoft.com/office/infopath/2007/PartnerControls">
+  <documentManagement>
+    <TaxCatchAll xmlns="230e9df3-be65-4c73-a93b-d1236ebd677e"/>
+    <PublishingExpirationDate xmlns="http://schemas.microsoft.com/sharepoint/v3" xsi:nil="true"/>
+    <PublishingStartDate xmlns="http://schemas.microsoft.com/sharepoint/v3" xsi:nil="true"/>
+    <TaxKeywordTaxHTField xmlns="230e9df3-be65-4c73-a93b-d1236ebd677e">
+      <Terms xmlns="http://schemas.microsoft.com/office/infopath/2007/PartnerControls"/>
+    </TaxKeywordTaxHTField>
+  </documentManagement>
+</p:properties>
+</file>
+
+<file path=customXml/item2.xml><?xml version="1.0" encoding="utf-8"?>
+<?mso-contentType ?>
+<FormTemplates xmlns="http://schemas.microsoft.com/sharepoint/v3/contenttype/forms">
+  <Display>DocumentLibraryForm</Display>
+  <Edit>DocumentLibraryForm</Edit>
+  <New>DocumentLibraryForm</New>
+</FormTemplates>
+</file>
+
+<file path=customXml/item3.xml><?xml version="1.0" encoding="utf-8"?>
 <ct:contentTypeSchema xmlns:ct="http://schemas.microsoft.com/office/2006/metadata/contentType" xmlns:ma="http://schemas.microsoft.com/office/2006/metadata/properties/metaAttributes" ct:_="" ma:_="" ma:contentTypeName="Document" ma:contentTypeID="0x010100496889825850D44592AC5D2F43187AE4" ma:contentTypeVersion="5" ma:contentTypeDescription="Create a new document." ma:contentTypeScope="" ma:versionID="fde90edb5a63ba841bca516fd2abaf95">
   <xsd:schema xmlns:xsd="http://www.w3.org/2001/XMLSchema" xmlns:xs="http://www.w3.org/2001/XMLSchema" xmlns:p="http://schemas.microsoft.com/office/2006/metadata/properties" xmlns:ns1="http://schemas.microsoft.com/sharepoint/v3" xmlns:ns2="230e9df3-be65-4c73-a93b-d1236ebd677e" xmlns:ns3="27aa9422-7f1f-4c84-9cdf-302b1a67e513" targetNamespace="http://schemas.microsoft.com/office/2006/metadata/properties" ma:root="true" ma:fieldsID="5e7808ae941cc340dbe51a3031959734" ns1:_="" ns2:_="" ns3:_="">
     <xsd:import namespace="http://schemas.microsoft.com/sharepoint/v3"/>
@@ -6575,29 +8393,33 @@
 </ct:contentTypeSchema>
 </file>
 
-<file path=customXml/item2.xml><?xml version="1.0" encoding="utf-8"?>
-<p:properties xmlns:p="http://schemas.microsoft.com/office/2006/metadata/properties" xmlns:xsi="http://www.w3.org/2001/XMLSchema-instance" xmlns:pc="http://schemas.microsoft.com/office/infopath/2007/PartnerControls">
-  <documentManagement>
-    <TaxCatchAll xmlns="230e9df3-be65-4c73-a93b-d1236ebd677e"/>
-    <PublishingExpirationDate xmlns="http://schemas.microsoft.com/sharepoint/v3" xsi:nil="true"/>
-    <PublishingStartDate xmlns="http://schemas.microsoft.com/sharepoint/v3" xsi:nil="true"/>
-    <TaxKeywordTaxHTField xmlns="230e9df3-be65-4c73-a93b-d1236ebd677e">
-      <Terms xmlns="http://schemas.microsoft.com/office/infopath/2007/PartnerControls"/>
-    </TaxKeywordTaxHTField>
-  </documentManagement>
-</p:properties>
+<file path=customXml/itemProps1.xml><?xml version="1.0" encoding="utf-8"?>
+<ds:datastoreItem xmlns:ds="http://schemas.openxmlformats.org/officeDocument/2006/customXml" ds:itemID="{7025FDD9-4C58-4084-9F89-0E6ADD6FFF55}">
+  <ds:schemaRefs>
+    <ds:schemaRef ds:uri="http://schemas.microsoft.com/sharepoint/v3"/>
+    <ds:schemaRef ds:uri="27aa9422-7f1f-4c84-9cdf-302b1a67e513"/>
+    <ds:schemaRef ds:uri="http://purl.org/dc/dcmitype/"/>
+    <ds:schemaRef ds:uri="http://purl.org/dc/terms/"/>
+    <ds:schemaRef ds:uri="230e9df3-be65-4c73-a93b-d1236ebd677e"/>
+    <ds:schemaRef ds:uri="http://purl.org/dc/elements/1.1/"/>
+    <ds:schemaRef ds:uri="http://schemas.microsoft.com/office/2006/documentManagement/types"/>
+    <ds:schemaRef ds:uri="http://schemas.openxmlformats.org/package/2006/metadata/core-properties"/>
+    <ds:schemaRef ds:uri="http://www.w3.org/XML/1998/namespace"/>
+    <ds:schemaRef ds:uri="http://schemas.microsoft.com/office/2006/metadata/properties"/>
+    <ds:schemaRef ds:uri="http://schemas.microsoft.com/office/infopath/2007/PartnerControls"/>
+  </ds:schemaRefs>
+</ds:datastoreItem>
 </file>
 
-<file path=customXml/item3.xml><?xml version="1.0" encoding="utf-8"?>
-<?mso-contentType ?>
-<FormTemplates xmlns="http://schemas.microsoft.com/sharepoint/v3/contenttype/forms">
-  <Display>DocumentLibraryForm</Display>
-  <Edit>DocumentLibraryForm</Edit>
-  <New>DocumentLibraryForm</New>
-</FormTemplates>
+<file path=customXml/itemProps2.xml><?xml version="1.0" encoding="utf-8"?>
+<ds:datastoreItem xmlns:ds="http://schemas.openxmlformats.org/officeDocument/2006/customXml" ds:itemID="{B0CA13EC-1D3C-4D6F-8D1C-E8A452CFC79A}">
+  <ds:schemaRefs>
+    <ds:schemaRef ds:uri="http://schemas.microsoft.com/sharepoint/v3/contenttype/forms"/>
+  </ds:schemaRefs>
+</ds:datastoreItem>
 </file>
 
-<file path=customXml/itemProps1.xml><?xml version="1.0" encoding="utf-8"?>
+<file path=customXml/itemProps3.xml><?xml version="1.0" encoding="utf-8"?>
 <ds:datastoreItem xmlns:ds="http://schemas.openxmlformats.org/officeDocument/2006/customXml" ds:itemID="{3253B29C-1CCD-4FE8-A1C4-023A0910DF96}">
   <ds:schemaRefs>
     <ds:schemaRef ds:uri="http://schemas.microsoft.com/office/2006/metadata/contentType"/>
@@ -6615,30 +8437,4 @@
     <ds:schemaRef ds:uri="http://schemas.microsoft.com/internal/obd"/>
   </ds:schemaRefs>
 </ds:datastoreItem>
-</file>
-
-<file path=customXml/itemProps2.xml><?xml version="1.0" encoding="utf-8"?>
-<ds:datastoreItem xmlns:ds="http://schemas.openxmlformats.org/officeDocument/2006/customXml" ds:itemID="{7025FDD9-4C58-4084-9F89-0E6ADD6FFF55}">
-  <ds:schemaRefs>
-    <ds:schemaRef ds:uri="http://schemas.microsoft.com/sharepoint/v3"/>
-    <ds:schemaRef ds:uri="27aa9422-7f1f-4c84-9cdf-302b1a67e513"/>
-    <ds:schemaRef ds:uri="http://purl.org/dc/dcmitype/"/>
-    <ds:schemaRef ds:uri="http://purl.org/dc/terms/"/>
-    <ds:schemaRef ds:uri="230e9df3-be65-4c73-a93b-d1236ebd677e"/>
-    <ds:schemaRef ds:uri="http://purl.org/dc/elements/1.1/"/>
-    <ds:schemaRef ds:uri="http://schemas.microsoft.com/office/2006/documentManagement/types"/>
-    <ds:schemaRef ds:uri="http://schemas.openxmlformats.org/package/2006/metadata/core-properties"/>
-    <ds:schemaRef ds:uri="http://www.w3.org/XML/1998/namespace"/>
-    <ds:schemaRef ds:uri="http://schemas.microsoft.com/office/2006/metadata/properties"/>
-    <ds:schemaRef ds:uri="http://schemas.microsoft.com/office/infopath/2007/PartnerControls"/>
-  </ds:schemaRefs>
-</ds:datastoreItem>
-</file>
-
-<file path=customXml/itemProps3.xml><?xml version="1.0" encoding="utf-8"?>
-<ds:datastoreItem xmlns:ds="http://schemas.openxmlformats.org/officeDocument/2006/customXml" ds:itemID="{B0CA13EC-1D3C-4D6F-8D1C-E8A452CFC79A}">
-  <ds:schemaRefs>
-    <ds:schemaRef ds:uri="http://schemas.microsoft.com/sharepoint/v3/contenttype/forms"/>
-  </ds:schemaRefs>
-</ds:datastoreItem>
 </file>
--- a/Slides/Module 5 - Controlers and Views.pptx
+++ b/Slides/Module 5 - Controlers and Views.pptx
@@ -5,40 +5,35 @@
     <p:sldMasterId id="2147483660" r:id="rId4"/>
   </p:sldMasterIdLst>
   <p:notesMasterIdLst>
-    <p:notesMasterId r:id="rId33"/>
+    <p:notesMasterId r:id="rId28"/>
   </p:notesMasterIdLst>
   <p:handoutMasterIdLst>
-    <p:handoutMasterId r:id="rId34"/>
+    <p:handoutMasterId r:id="rId29"/>
   </p:handoutMasterIdLst>
   <p:sldIdLst>
     <p:sldId id="277" r:id="rId5"/>
     <p:sldId id="278" r:id="rId6"/>
-    <p:sldId id="279" r:id="rId7"/>
-    <p:sldId id="280" r:id="rId8"/>
-    <p:sldId id="281" r:id="rId9"/>
-    <p:sldId id="282" r:id="rId10"/>
-    <p:sldId id="283" r:id="rId11"/>
-    <p:sldId id="284" r:id="rId12"/>
-    <p:sldId id="285" r:id="rId13"/>
-    <p:sldId id="293" r:id="rId14"/>
-    <p:sldId id="294" r:id="rId15"/>
-    <p:sldId id="287" r:id="rId16"/>
-    <p:sldId id="288" r:id="rId17"/>
-    <p:sldId id="289" r:id="rId18"/>
-    <p:sldId id="290" r:id="rId19"/>
-    <p:sldId id="299" r:id="rId20"/>
-    <p:sldId id="300" r:id="rId21"/>
-    <p:sldId id="301" r:id="rId22"/>
-    <p:sldId id="303" r:id="rId23"/>
-    <p:sldId id="302" r:id="rId24"/>
-    <p:sldId id="304" r:id="rId25"/>
-    <p:sldId id="305" r:id="rId26"/>
-    <p:sldId id="306" r:id="rId27"/>
-    <p:sldId id="307" r:id="rId28"/>
-    <p:sldId id="308" r:id="rId29"/>
-    <p:sldId id="309" r:id="rId30"/>
-    <p:sldId id="310" r:id="rId31"/>
-    <p:sldId id="269" r:id="rId32"/>
+    <p:sldId id="284" r:id="rId7"/>
+    <p:sldId id="285" r:id="rId8"/>
+    <p:sldId id="293" r:id="rId9"/>
+    <p:sldId id="294" r:id="rId10"/>
+    <p:sldId id="287" r:id="rId11"/>
+    <p:sldId id="288" r:id="rId12"/>
+    <p:sldId id="289" r:id="rId13"/>
+    <p:sldId id="290" r:id="rId14"/>
+    <p:sldId id="299" r:id="rId15"/>
+    <p:sldId id="300" r:id="rId16"/>
+    <p:sldId id="301" r:id="rId17"/>
+    <p:sldId id="303" r:id="rId18"/>
+    <p:sldId id="302" r:id="rId19"/>
+    <p:sldId id="304" r:id="rId20"/>
+    <p:sldId id="305" r:id="rId21"/>
+    <p:sldId id="306" r:id="rId22"/>
+    <p:sldId id="307" r:id="rId23"/>
+    <p:sldId id="308" r:id="rId24"/>
+    <p:sldId id="309" r:id="rId25"/>
+    <p:sldId id="310" r:id="rId26"/>
+    <p:sldId id="269" r:id="rId27"/>
   </p:sldIdLst>
   <p:sldSz cx="12192000" cy="6858000"/>
   <p:notesSz cx="6858000" cy="9144000"/>
@@ -230,7 +225,7 @@
           <a:p>
             <a:fld id="{312E7B4A-039C-48A2-9B2C-AF16AA3873D8}" type="datetimeFigureOut">
               <a:rPr lang="en-US" smtClean="0"/>
-              <a:t>6/16/2015</a:t>
+              <a:t>6/17/2015</a:t>
             </a:fld>
             <a:endParaRPr lang="en-US"/>
           </a:p>
@@ -395,7 +390,7 @@
           <a:p>
             <a:fld id="{DA005A0C-54D9-45AA-87D4-C551D08DFCE1}" type="datetimeFigureOut">
               <a:rPr lang="en-US" smtClean="0"/>
-              <a:t>6/16/2015</a:t>
+              <a:t>6/17/2015</a:t>
             </a:fld>
             <a:endParaRPr lang="en-US"/>
           </a:p>
@@ -3617,11 +3612,7 @@
             <a:pPr marL="914400" indent="-914400"/>
             <a:r>
               <a:rPr lang="en-US" dirty="0" smtClean="0"/>
-              <a:t>05 </a:t>
-            </a:r>
-            <a:r>
-              <a:rPr lang="en-US" dirty="0" smtClean="0"/>
-              <a:t>| Controllers and Views</a:t>
+              <a:t>05 | Controllers and Views</a:t>
             </a:r>
             <a:endParaRPr lang="en-US" dirty="0"/>
           </a:p>
@@ -3677,6 +3668,1845 @@
 </file>
 
 <file path=ppt/slides/slide10.xml><?xml version="1.0" encoding="utf-8"?>
+<p:sld xmlns:a="http://schemas.openxmlformats.org/drawingml/2006/main" xmlns:r="http://schemas.openxmlformats.org/officeDocument/2006/relationships" xmlns:p="http://schemas.openxmlformats.org/presentationml/2006/main">
+  <p:cSld>
+    <p:spTree>
+      <p:nvGrpSpPr>
+        <p:cNvPr id="1" name=""/>
+        <p:cNvGrpSpPr/>
+        <p:nvPr/>
+      </p:nvGrpSpPr>
+      <p:grpSpPr>
+        <a:xfrm>
+          <a:off x="0" y="0"/>
+          <a:ext cx="0" cy="0"/>
+          <a:chOff x="0" y="0"/>
+          <a:chExt cx="0" cy="0"/>
+        </a:xfrm>
+      </p:grpSpPr>
+      <p:sp>
+        <p:nvSpPr>
+          <p:cNvPr id="4" name="Title 3"/>
+          <p:cNvSpPr>
+            <a:spLocks noGrp="1"/>
+          </p:cNvSpPr>
+          <p:nvPr>
+            <p:ph type="title"/>
+          </p:nvPr>
+        </p:nvSpPr>
+        <p:spPr/>
+        <p:txBody>
+          <a:bodyPr/>
+          <a:lstStyle/>
+          <a:p>
+            <a:r>
+              <a:rPr lang="en-US" dirty="0" smtClean="0"/>
+              <a:t>Using a template</a:t>
+            </a:r>
+            <a:endParaRPr lang="en-US" dirty="0"/>
+          </a:p>
+        </p:txBody>
+      </p:sp>
+    </p:spTree>
+    <p:extLst>
+      <p:ext uri="{BB962C8B-B14F-4D97-AF65-F5344CB8AC3E}">
+        <p14:creationId xmlns:p14="http://schemas.microsoft.com/office/powerpoint/2010/main" val="4268484452"/>
+      </p:ext>
+    </p:extLst>
+  </p:cSld>
+  <p:clrMapOvr>
+    <a:masterClrMapping/>
+  </p:clrMapOvr>
+  <p:timing>
+    <p:tnLst>
+      <p:par>
+        <p:cTn id="1" dur="indefinite" restart="never" nodeType="tmRoot"/>
+      </p:par>
+    </p:tnLst>
+  </p:timing>
+</p:sld>
+</file>
+
+<file path=ppt/slides/slide11.xml><?xml version="1.0" encoding="utf-8"?>
+<p:sld xmlns:a="http://schemas.openxmlformats.org/drawingml/2006/main" xmlns:r="http://schemas.openxmlformats.org/officeDocument/2006/relationships" xmlns:p="http://schemas.openxmlformats.org/presentationml/2006/main">
+  <p:cSld>
+    <p:spTree>
+      <p:nvGrpSpPr>
+        <p:cNvPr id="1" name=""/>
+        <p:cNvGrpSpPr/>
+        <p:nvPr/>
+      </p:nvGrpSpPr>
+      <p:grpSpPr>
+        <a:xfrm>
+          <a:off x="0" y="0"/>
+          <a:ext cx="0" cy="0"/>
+          <a:chOff x="0" y="0"/>
+          <a:chExt cx="0" cy="0"/>
+        </a:xfrm>
+      </p:grpSpPr>
+      <p:sp>
+        <p:nvSpPr>
+          <p:cNvPr id="4" name="Text Placeholder 3"/>
+          <p:cNvSpPr>
+            <a:spLocks noGrp="1"/>
+          </p:cNvSpPr>
+          <p:nvPr>
+            <p:ph type="body" sz="quarter" idx="10"/>
+          </p:nvPr>
+        </p:nvSpPr>
+        <p:spPr/>
+        <p:txBody>
+          <a:bodyPr/>
+          <a:lstStyle/>
+          <a:p>
+            <a:r>
+              <a:rPr lang="en-US" dirty="0" smtClean="0"/>
+              <a:t>Forms</a:t>
+            </a:r>
+            <a:endParaRPr lang="en-US" dirty="0"/>
+          </a:p>
+        </p:txBody>
+      </p:sp>
+      <p:sp>
+        <p:nvSpPr>
+          <p:cNvPr id="3" name="Subtitle 2"/>
+          <p:cNvSpPr>
+            <a:spLocks noGrp="1"/>
+          </p:cNvSpPr>
+          <p:nvPr>
+            <p:ph type="subTitle" idx="1"/>
+          </p:nvPr>
+        </p:nvSpPr>
+        <p:spPr/>
+        <p:txBody>
+          <a:bodyPr/>
+          <a:lstStyle/>
+          <a:p>
+            <a:endParaRPr lang="en-US" dirty="0"/>
+          </a:p>
+        </p:txBody>
+      </p:sp>
+    </p:spTree>
+    <p:extLst>
+      <p:ext uri="{BB962C8B-B14F-4D97-AF65-F5344CB8AC3E}">
+        <p14:creationId xmlns:p14="http://schemas.microsoft.com/office/powerpoint/2010/main" val="2666250908"/>
+      </p:ext>
+    </p:extLst>
+  </p:cSld>
+  <p:clrMapOvr>
+    <a:masterClrMapping/>
+  </p:clrMapOvr>
+</p:sld>
+</file>
+
+<file path=ppt/slides/slide12.xml><?xml version="1.0" encoding="utf-8"?>
+<p:sld xmlns:a="http://schemas.openxmlformats.org/drawingml/2006/main" xmlns:r="http://schemas.openxmlformats.org/officeDocument/2006/relationships" xmlns:p="http://schemas.openxmlformats.org/presentationml/2006/main">
+  <p:cSld>
+    <p:spTree>
+      <p:nvGrpSpPr>
+        <p:cNvPr id="1" name=""/>
+        <p:cNvGrpSpPr/>
+        <p:nvPr/>
+      </p:nvGrpSpPr>
+      <p:grpSpPr>
+        <a:xfrm>
+          <a:off x="0" y="0"/>
+          <a:ext cx="0" cy="0"/>
+          <a:chOff x="0" y="0"/>
+          <a:chExt cx="0" cy="0"/>
+        </a:xfrm>
+      </p:grpSpPr>
+      <p:sp>
+        <p:nvSpPr>
+          <p:cNvPr id="4" name="Title 3"/>
+          <p:cNvSpPr>
+            <a:spLocks noGrp="1"/>
+          </p:cNvSpPr>
+          <p:nvPr>
+            <p:ph type="title"/>
+          </p:nvPr>
+        </p:nvSpPr>
+        <p:spPr/>
+        <p:txBody>
+          <a:bodyPr/>
+          <a:lstStyle/>
+          <a:p>
+            <a:r>
+              <a:rPr lang="en-US" dirty="0" smtClean="0"/>
+              <a:t>How do we submit data?</a:t>
+            </a:r>
+            <a:endParaRPr lang="en-US" dirty="0"/>
+          </a:p>
+        </p:txBody>
+      </p:sp>
+      <p:sp>
+        <p:nvSpPr>
+          <p:cNvPr id="5" name="Content Placeholder 4"/>
+          <p:cNvSpPr>
+            <a:spLocks noGrp="1"/>
+          </p:cNvSpPr>
+          <p:nvPr>
+            <p:ph sz="quarter" idx="10"/>
+          </p:nvPr>
+        </p:nvSpPr>
+        <p:spPr/>
+        <p:txBody>
+          <a:bodyPr/>
+          <a:lstStyle/>
+          <a:p>
+            <a:r>
+              <a:rPr lang="en-US" dirty="0" smtClean="0"/>
+              <a:t>Data is of course submitted by using forms</a:t>
+            </a:r>
+          </a:p>
+          <a:p>
+            <a:r>
+              <a:rPr lang="en-US" dirty="0" smtClean="0"/>
+              <a:t>You could, if you wanted to, create your forms manually</a:t>
+            </a:r>
+          </a:p>
+          <a:p>
+            <a:pPr lvl="1"/>
+            <a:r>
+              <a:rPr lang="en-US" dirty="0" smtClean="0"/>
+              <a:t>Additional work</a:t>
+            </a:r>
+          </a:p>
+          <a:p>
+            <a:pPr lvl="1"/>
+            <a:r>
+              <a:rPr lang="en-US" dirty="0" smtClean="0"/>
+              <a:t>Doesn't deal well with changes to the model</a:t>
+            </a:r>
+            <a:endParaRPr lang="en-US" dirty="0"/>
+          </a:p>
+        </p:txBody>
+      </p:sp>
+    </p:spTree>
+    <p:extLst>
+      <p:ext uri="{BB962C8B-B14F-4D97-AF65-F5344CB8AC3E}">
+        <p14:creationId xmlns:p14="http://schemas.microsoft.com/office/powerpoint/2010/main" val="3068523135"/>
+      </p:ext>
+    </p:extLst>
+  </p:cSld>
+  <p:clrMapOvr>
+    <a:masterClrMapping/>
+  </p:clrMapOvr>
+</p:sld>
+</file>
+
+<file path=ppt/slides/slide13.xml><?xml version="1.0" encoding="utf-8"?>
+<p:sld xmlns:a="http://schemas.openxmlformats.org/drawingml/2006/main" xmlns:r="http://schemas.openxmlformats.org/officeDocument/2006/relationships" xmlns:p="http://schemas.openxmlformats.org/presentationml/2006/main">
+  <p:cSld>
+    <p:spTree>
+      <p:nvGrpSpPr>
+        <p:cNvPr id="1" name=""/>
+        <p:cNvGrpSpPr/>
+        <p:nvPr/>
+      </p:nvGrpSpPr>
+      <p:grpSpPr>
+        <a:xfrm>
+          <a:off x="0" y="0"/>
+          <a:ext cx="0" cy="0"/>
+          <a:chOff x="0" y="0"/>
+          <a:chExt cx="0" cy="0"/>
+        </a:xfrm>
+      </p:grpSpPr>
+      <p:sp>
+        <p:nvSpPr>
+          <p:cNvPr id="2" name="Title 1"/>
+          <p:cNvSpPr>
+            <a:spLocks noGrp="1"/>
+          </p:cNvSpPr>
+          <p:nvPr>
+            <p:ph type="title"/>
+          </p:nvPr>
+        </p:nvSpPr>
+        <p:spPr/>
+        <p:txBody>
+          <a:bodyPr/>
+          <a:lstStyle/>
+          <a:p>
+            <a:r>
+              <a:rPr lang="en-US" dirty="0" smtClean="0"/>
+              <a:t>Can Django create forms for us?</a:t>
+            </a:r>
+            <a:endParaRPr lang="en-US" dirty="0"/>
+          </a:p>
+        </p:txBody>
+      </p:sp>
+      <p:sp>
+        <p:nvSpPr>
+          <p:cNvPr id="3" name="Content Placeholder 2"/>
+          <p:cNvSpPr>
+            <a:spLocks noGrp="1"/>
+          </p:cNvSpPr>
+          <p:nvPr>
+            <p:ph sz="quarter" idx="10"/>
+          </p:nvPr>
+        </p:nvSpPr>
+        <p:spPr/>
+        <p:txBody>
+          <a:bodyPr/>
+          <a:lstStyle/>
+          <a:p>
+            <a:r>
+              <a:rPr lang="en-US" dirty="0" smtClean="0"/>
+              <a:t>As a matter of fact, it can!</a:t>
+            </a:r>
+          </a:p>
+          <a:p>
+            <a:endParaRPr lang="en-US" dirty="0"/>
+          </a:p>
+          <a:p>
+            <a:r>
+              <a:rPr lang="en-US" dirty="0" smtClean="0"/>
+              <a:t>(it'd have been silly to create a slide asking that if the answer was "no")</a:t>
+            </a:r>
+            <a:endParaRPr lang="en-US" dirty="0"/>
+          </a:p>
+        </p:txBody>
+      </p:sp>
+    </p:spTree>
+    <p:extLst>
+      <p:ext uri="{BB962C8B-B14F-4D97-AF65-F5344CB8AC3E}">
+        <p14:creationId xmlns:p14="http://schemas.microsoft.com/office/powerpoint/2010/main" val="1458596583"/>
+      </p:ext>
+    </p:extLst>
+  </p:cSld>
+  <p:clrMapOvr>
+    <a:masterClrMapping/>
+  </p:clrMapOvr>
+</p:sld>
+</file>
+
+<file path=ppt/slides/slide14.xml><?xml version="1.0" encoding="utf-8"?>
+<p:sld xmlns:a="http://schemas.openxmlformats.org/drawingml/2006/main" xmlns:r="http://schemas.openxmlformats.org/officeDocument/2006/relationships" xmlns:p="http://schemas.openxmlformats.org/presentationml/2006/main">
+  <p:cSld>
+    <p:spTree>
+      <p:nvGrpSpPr>
+        <p:cNvPr id="1" name=""/>
+        <p:cNvGrpSpPr/>
+        <p:nvPr/>
+      </p:nvGrpSpPr>
+      <p:grpSpPr>
+        <a:xfrm>
+          <a:off x="0" y="0"/>
+          <a:ext cx="0" cy="0"/>
+          <a:chOff x="0" y="0"/>
+          <a:chExt cx="0" cy="0"/>
+        </a:xfrm>
+      </p:grpSpPr>
+      <p:sp>
+        <p:nvSpPr>
+          <p:cNvPr id="2" name="Title 1"/>
+          <p:cNvSpPr>
+            <a:spLocks noGrp="1"/>
+          </p:cNvSpPr>
+          <p:nvPr>
+            <p:ph type="title"/>
+          </p:nvPr>
+        </p:nvSpPr>
+        <p:spPr/>
+        <p:txBody>
+          <a:bodyPr/>
+          <a:lstStyle/>
+          <a:p>
+            <a:r>
+              <a:rPr lang="en-US" dirty="0" smtClean="0"/>
+              <a:t>How can we create forms using Django</a:t>
+            </a:r>
+            <a:endParaRPr lang="en-US" dirty="0"/>
+          </a:p>
+        </p:txBody>
+      </p:sp>
+      <p:sp>
+        <p:nvSpPr>
+          <p:cNvPr id="3" name="Content Placeholder 2"/>
+          <p:cNvSpPr>
+            <a:spLocks noGrp="1"/>
+          </p:cNvSpPr>
+          <p:nvPr>
+            <p:ph sz="quarter" idx="10"/>
+          </p:nvPr>
+        </p:nvSpPr>
+        <p:spPr/>
+        <p:txBody>
+          <a:bodyPr/>
+          <a:lstStyle/>
+          <a:p>
+            <a:r>
+              <a:rPr lang="en-US" dirty="0" smtClean="0"/>
+              <a:t>Create a form class</a:t>
+            </a:r>
+          </a:p>
+          <a:p>
+            <a:r>
+              <a:rPr lang="en-US" dirty="0" smtClean="0"/>
+              <a:t>Bind a form class to a model</a:t>
+            </a:r>
+            <a:endParaRPr lang="en-US" dirty="0"/>
+          </a:p>
+        </p:txBody>
+      </p:sp>
+    </p:spTree>
+    <p:extLst>
+      <p:ext uri="{BB962C8B-B14F-4D97-AF65-F5344CB8AC3E}">
+        <p14:creationId xmlns:p14="http://schemas.microsoft.com/office/powerpoint/2010/main" val="1523218387"/>
+      </p:ext>
+    </p:extLst>
+  </p:cSld>
+  <p:clrMapOvr>
+    <a:masterClrMapping/>
+  </p:clrMapOvr>
+</p:sld>
+</file>
+
+<file path=ppt/slides/slide15.xml><?xml version="1.0" encoding="utf-8"?>
+<p:sld xmlns:a="http://schemas.openxmlformats.org/drawingml/2006/main" xmlns:r="http://schemas.openxmlformats.org/officeDocument/2006/relationships" xmlns:p="http://schemas.openxmlformats.org/presentationml/2006/main">
+  <p:cSld>
+    <p:spTree>
+      <p:nvGrpSpPr>
+        <p:cNvPr id="1" name=""/>
+        <p:cNvGrpSpPr/>
+        <p:nvPr/>
+      </p:nvGrpSpPr>
+      <p:grpSpPr>
+        <a:xfrm>
+          <a:off x="0" y="0"/>
+          <a:ext cx="0" cy="0"/>
+          <a:chOff x="0" y="0"/>
+          <a:chExt cx="0" cy="0"/>
+        </a:xfrm>
+      </p:grpSpPr>
+      <p:sp>
+        <p:nvSpPr>
+          <p:cNvPr id="2" name="Title 1"/>
+          <p:cNvSpPr>
+            <a:spLocks noGrp="1"/>
+          </p:cNvSpPr>
+          <p:nvPr>
+            <p:ph type="title"/>
+          </p:nvPr>
+        </p:nvSpPr>
+        <p:spPr/>
+        <p:txBody>
+          <a:bodyPr/>
+          <a:lstStyle/>
+          <a:p>
+            <a:r>
+              <a:rPr lang="en-US" dirty="0" smtClean="0"/>
+              <a:t>Form class</a:t>
+            </a:r>
+            <a:endParaRPr lang="en-US" dirty="0"/>
+          </a:p>
+        </p:txBody>
+      </p:sp>
+      <mc:AlternateContent xmlns:mc="http://schemas.openxmlformats.org/markup-compatibility/2006" xmlns:we="http://schemas.microsoft.com/office/webextensions/webextension/2010/11" xmlns:pca="http://schemas.microsoft.com/office/powerpoint/2013/contentapp">
+        <mc:Choice Requires="we pca">
+          <p:graphicFrame>
+            <p:nvGraphicFramePr>
+              <p:cNvPr id="5" name="App 4"/>
+              <p:cNvGraphicFramePr>
+                <a:graphicFrameLocks noGrp="1"/>
+              </p:cNvGraphicFramePr>
+              <p:nvPr>
+                <p:extLst>
+                  <p:ext uri="{D42A27DB-BD31-4B8C-83A1-F6EECF244321}">
+                    <p14:modId xmlns:p14="http://schemas.microsoft.com/office/powerpoint/2010/main" val="1528491717"/>
+                  </p:ext>
+                </p:extLst>
+              </p:nvPr>
+            </p:nvGraphicFramePr>
+            <p:xfrm>
+              <a:off x="379513" y="903382"/>
+              <a:ext cx="11364467" cy="5706737"/>
+            </p:xfrm>
+            <a:graphic>
+              <a:graphicData uri="http://schemas.microsoft.com/office/webextensions/webextension/2010/11">
+                <we:webextensionref xmlns:we="http://schemas.microsoft.com/office/webextensions/webextension/2010/11" xmlns:r="http://schemas.openxmlformats.org/officeDocument/2006/relationships" r:id="rId2"/>
+              </a:graphicData>
+            </a:graphic>
+          </p:graphicFrame>
+        </mc:Choice>
+        <mc:Fallback xmlns="">
+          <p:pic>
+            <p:nvPicPr>
+              <p:cNvPr id="5" name="App 4"/>
+              <p:cNvPicPr>
+                <a:picLocks noGrp="1" noRot="1" noChangeAspect="1" noMove="1" noResize="1" noEditPoints="1" noAdjustHandles="1" noChangeArrowheads="1" noChangeShapeType="1"/>
+              </p:cNvPicPr>
+              <p:nvPr/>
+            </p:nvPicPr>
+            <p:blipFill>
+              <a:blip r:embed="rId3"/>
+              <a:stretch>
+                <a:fillRect/>
+              </a:stretch>
+            </p:blipFill>
+            <p:spPr>
+              <a:xfrm>
+                <a:off x="379513" y="903382"/>
+                <a:ext cx="11364467" cy="5706737"/>
+              </a:xfrm>
+              <a:prstGeom prst="rect">
+                <a:avLst/>
+              </a:prstGeom>
+            </p:spPr>
+          </p:pic>
+        </mc:Fallback>
+      </mc:AlternateContent>
+    </p:spTree>
+    <p:extLst>
+      <p:ext uri="{BB962C8B-B14F-4D97-AF65-F5344CB8AC3E}">
+        <p14:creationId xmlns:p14="http://schemas.microsoft.com/office/powerpoint/2010/main" val="1262262059"/>
+      </p:ext>
+    </p:extLst>
+  </p:cSld>
+  <p:clrMapOvr>
+    <a:masterClrMapping/>
+  </p:clrMapOvr>
+</p:sld>
+</file>
+
+<file path=ppt/slides/slide16.xml><?xml version="1.0" encoding="utf-8"?>
+<p:sld xmlns:a="http://schemas.openxmlformats.org/drawingml/2006/main" xmlns:r="http://schemas.openxmlformats.org/officeDocument/2006/relationships" xmlns:p="http://schemas.openxmlformats.org/presentationml/2006/main">
+  <p:cSld>
+    <p:spTree>
+      <p:nvGrpSpPr>
+        <p:cNvPr id="1" name=""/>
+        <p:cNvGrpSpPr/>
+        <p:nvPr/>
+      </p:nvGrpSpPr>
+      <p:grpSpPr>
+        <a:xfrm>
+          <a:off x="0" y="0"/>
+          <a:ext cx="0" cy="0"/>
+          <a:chOff x="0" y="0"/>
+          <a:chExt cx="0" cy="0"/>
+        </a:xfrm>
+      </p:grpSpPr>
+      <p:sp>
+        <p:nvSpPr>
+          <p:cNvPr id="2" name="Title 1"/>
+          <p:cNvSpPr>
+            <a:spLocks noGrp="1"/>
+          </p:cNvSpPr>
+          <p:nvPr>
+            <p:ph type="title"/>
+          </p:nvPr>
+        </p:nvSpPr>
+        <p:spPr/>
+        <p:txBody>
+          <a:bodyPr/>
+          <a:lstStyle/>
+          <a:p>
+            <a:r>
+              <a:rPr lang="en-US" dirty="0" err="1" smtClean="0"/>
+              <a:t>ModelForm</a:t>
+            </a:r>
+            <a:endParaRPr lang="en-US" dirty="0"/>
+          </a:p>
+        </p:txBody>
+      </p:sp>
+      <mc:AlternateContent xmlns:mc="http://schemas.openxmlformats.org/markup-compatibility/2006" xmlns:we="http://schemas.microsoft.com/office/webextensions/webextension/2010/11" xmlns:pca="http://schemas.microsoft.com/office/powerpoint/2013/contentapp">
+        <mc:Choice Requires="we pca">
+          <p:graphicFrame>
+            <p:nvGraphicFramePr>
+              <p:cNvPr id="4" name="App 3"/>
+              <p:cNvGraphicFramePr>
+                <a:graphicFrameLocks noGrp="1"/>
+              </p:cNvGraphicFramePr>
+              <p:nvPr>
+                <p:extLst>
+                  <p:ext uri="{D42A27DB-BD31-4B8C-83A1-F6EECF244321}">
+                    <p14:modId xmlns:p14="http://schemas.microsoft.com/office/powerpoint/2010/main" val="535201881"/>
+                  </p:ext>
+                </p:extLst>
+              </p:nvPr>
+            </p:nvGraphicFramePr>
+            <p:xfrm>
+              <a:off x="528809" y="1057619"/>
+              <a:ext cx="11468559" cy="5662670"/>
+            </p:xfrm>
+            <a:graphic>
+              <a:graphicData uri="http://schemas.microsoft.com/office/webextensions/webextension/2010/11">
+                <we:webextensionref xmlns:we="http://schemas.microsoft.com/office/webextensions/webextension/2010/11" xmlns:r="http://schemas.openxmlformats.org/officeDocument/2006/relationships" r:id="rId2"/>
+              </a:graphicData>
+            </a:graphic>
+          </p:graphicFrame>
+        </mc:Choice>
+        <mc:Fallback xmlns="">
+          <p:pic>
+            <p:nvPicPr>
+              <p:cNvPr id="4" name="App 3"/>
+              <p:cNvPicPr>
+                <a:picLocks noGrp="1" noRot="1" noChangeAspect="1" noMove="1" noResize="1" noEditPoints="1" noAdjustHandles="1" noChangeArrowheads="1" noChangeShapeType="1"/>
+              </p:cNvPicPr>
+              <p:nvPr/>
+            </p:nvPicPr>
+            <p:blipFill>
+              <a:blip r:embed="rId3"/>
+              <a:stretch>
+                <a:fillRect/>
+              </a:stretch>
+            </p:blipFill>
+            <p:spPr>
+              <a:xfrm>
+                <a:off x="528809" y="1057619"/>
+                <a:ext cx="11468559" cy="5662670"/>
+              </a:xfrm>
+              <a:prstGeom prst="rect">
+                <a:avLst/>
+              </a:prstGeom>
+            </p:spPr>
+          </p:pic>
+        </mc:Fallback>
+      </mc:AlternateContent>
+    </p:spTree>
+    <p:extLst>
+      <p:ext uri="{BB962C8B-B14F-4D97-AF65-F5344CB8AC3E}">
+        <p14:creationId xmlns:p14="http://schemas.microsoft.com/office/powerpoint/2010/main" val="3553464778"/>
+      </p:ext>
+    </p:extLst>
+  </p:cSld>
+  <p:clrMapOvr>
+    <a:masterClrMapping/>
+  </p:clrMapOvr>
+</p:sld>
+</file>
+
+<file path=ppt/slides/slide17.xml><?xml version="1.0" encoding="utf-8"?>
+<p:sld xmlns:a="http://schemas.openxmlformats.org/drawingml/2006/main" xmlns:r="http://schemas.openxmlformats.org/officeDocument/2006/relationships" xmlns:p="http://schemas.openxmlformats.org/presentationml/2006/main">
+  <p:cSld>
+    <p:spTree>
+      <p:nvGrpSpPr>
+        <p:cNvPr id="1" name=""/>
+        <p:cNvGrpSpPr/>
+        <p:nvPr/>
+      </p:nvGrpSpPr>
+      <p:grpSpPr>
+        <a:xfrm>
+          <a:off x="0" y="0"/>
+          <a:ext cx="0" cy="0"/>
+          <a:chOff x="0" y="0"/>
+          <a:chExt cx="0" cy="0"/>
+        </a:xfrm>
+      </p:grpSpPr>
+      <p:sp>
+        <p:nvSpPr>
+          <p:cNvPr id="2" name="Title 1"/>
+          <p:cNvSpPr>
+            <a:spLocks noGrp="1"/>
+          </p:cNvSpPr>
+          <p:nvPr>
+            <p:ph type="title"/>
+          </p:nvPr>
+        </p:nvSpPr>
+        <p:spPr/>
+        <p:txBody>
+          <a:bodyPr>
+            <a:normAutofit fontScale="90000"/>
+          </a:bodyPr>
+          <a:lstStyle/>
+          <a:p>
+            <a:r>
+              <a:rPr lang="en-US" dirty="0" smtClean="0"/>
+              <a:t>What's the advantage of binding the form to the model?</a:t>
+            </a:r>
+            <a:endParaRPr lang="en-US" dirty="0"/>
+          </a:p>
+        </p:txBody>
+      </p:sp>
+      <p:sp>
+        <p:nvSpPr>
+          <p:cNvPr id="3" name="Content Placeholder 2"/>
+          <p:cNvSpPr>
+            <a:spLocks noGrp="1"/>
+          </p:cNvSpPr>
+          <p:nvPr>
+            <p:ph sz="quarter" idx="10"/>
+          </p:nvPr>
+        </p:nvSpPr>
+        <p:spPr/>
+        <p:txBody>
+          <a:bodyPr/>
+          <a:lstStyle/>
+          <a:p>
+            <a:r>
+              <a:rPr lang="en-US" dirty="0" smtClean="0"/>
+              <a:t>The form is automatically updated</a:t>
+            </a:r>
+          </a:p>
+          <a:p>
+            <a:r>
+              <a:rPr lang="en-US" dirty="0" smtClean="0"/>
+              <a:t>The form has the ability to automatically validate data</a:t>
+            </a:r>
+          </a:p>
+          <a:p>
+            <a:r>
+              <a:rPr lang="en-US" dirty="0" smtClean="0"/>
+              <a:t>You can save directly from the form</a:t>
+            </a:r>
+            <a:endParaRPr lang="en-US" dirty="0"/>
+          </a:p>
+        </p:txBody>
+      </p:sp>
+    </p:spTree>
+    <p:extLst>
+      <p:ext uri="{BB962C8B-B14F-4D97-AF65-F5344CB8AC3E}">
+        <p14:creationId xmlns:p14="http://schemas.microsoft.com/office/powerpoint/2010/main" val="1878416525"/>
+      </p:ext>
+    </p:extLst>
+  </p:cSld>
+  <p:clrMapOvr>
+    <a:masterClrMapping/>
+  </p:clrMapOvr>
+</p:sld>
+</file>
+
+<file path=ppt/slides/slide18.xml><?xml version="1.0" encoding="utf-8"?>
+<p:sld xmlns:a="http://schemas.openxmlformats.org/drawingml/2006/main" xmlns:r="http://schemas.openxmlformats.org/officeDocument/2006/relationships" xmlns:p="http://schemas.openxmlformats.org/presentationml/2006/main">
+  <p:cSld>
+    <p:spTree>
+      <p:nvGrpSpPr>
+        <p:cNvPr id="1" name=""/>
+        <p:cNvGrpSpPr/>
+        <p:nvPr/>
+      </p:nvGrpSpPr>
+      <p:grpSpPr>
+        <a:xfrm>
+          <a:off x="0" y="0"/>
+          <a:ext cx="0" cy="0"/>
+          <a:chOff x="0" y="0"/>
+          <a:chExt cx="0" cy="0"/>
+        </a:xfrm>
+      </p:grpSpPr>
+      <p:sp>
+        <p:nvSpPr>
+          <p:cNvPr id="4" name="Title 3"/>
+          <p:cNvSpPr>
+            <a:spLocks noGrp="1"/>
+          </p:cNvSpPr>
+          <p:nvPr>
+            <p:ph type="title"/>
+          </p:nvPr>
+        </p:nvSpPr>
+        <p:spPr/>
+        <p:txBody>
+          <a:bodyPr/>
+          <a:lstStyle/>
+          <a:p>
+            <a:r>
+              <a:rPr lang="en-US" dirty="0" smtClean="0"/>
+              <a:t>Creating a </a:t>
+            </a:r>
+            <a:r>
+              <a:rPr lang="en-US" dirty="0" err="1" smtClean="0"/>
+              <a:t>ModelForm</a:t>
+            </a:r>
+            <a:endParaRPr lang="en-US" dirty="0"/>
+          </a:p>
+        </p:txBody>
+      </p:sp>
+    </p:spTree>
+    <p:extLst>
+      <p:ext uri="{BB962C8B-B14F-4D97-AF65-F5344CB8AC3E}">
+        <p14:creationId xmlns:p14="http://schemas.microsoft.com/office/powerpoint/2010/main" val="922269962"/>
+      </p:ext>
+    </p:extLst>
+  </p:cSld>
+  <p:clrMapOvr>
+    <a:masterClrMapping/>
+  </p:clrMapOvr>
+</p:sld>
+</file>
+
+<file path=ppt/slides/slide19.xml><?xml version="1.0" encoding="utf-8"?>
+<p:sld xmlns:a="http://schemas.openxmlformats.org/drawingml/2006/main" xmlns:r="http://schemas.openxmlformats.org/officeDocument/2006/relationships" xmlns:p="http://schemas.openxmlformats.org/presentationml/2006/main">
+  <p:cSld>
+    <p:spTree>
+      <p:nvGrpSpPr>
+        <p:cNvPr id="1" name=""/>
+        <p:cNvGrpSpPr/>
+        <p:nvPr/>
+      </p:nvGrpSpPr>
+      <p:grpSpPr>
+        <a:xfrm>
+          <a:off x="0" y="0"/>
+          <a:ext cx="0" cy="0"/>
+          <a:chOff x="0" y="0"/>
+          <a:chExt cx="0" cy="0"/>
+        </a:xfrm>
+      </p:grpSpPr>
+      <p:sp>
+        <p:nvSpPr>
+          <p:cNvPr id="3" name="Title 2"/>
+          <p:cNvSpPr>
+            <a:spLocks noGrp="1"/>
+          </p:cNvSpPr>
+          <p:nvPr>
+            <p:ph type="title"/>
+          </p:nvPr>
+        </p:nvSpPr>
+        <p:spPr/>
+        <p:txBody>
+          <a:bodyPr/>
+          <a:lstStyle/>
+          <a:p>
+            <a:r>
+              <a:rPr lang="en-US" dirty="0" smtClean="0"/>
+              <a:t>Creating the HTML</a:t>
+            </a:r>
+            <a:endParaRPr lang="en-US" dirty="0"/>
+          </a:p>
+        </p:txBody>
+      </p:sp>
+      <p:sp>
+        <p:nvSpPr>
+          <p:cNvPr id="4" name="Content Placeholder 3"/>
+          <p:cNvSpPr>
+            <a:spLocks noGrp="1"/>
+          </p:cNvSpPr>
+          <p:nvPr>
+            <p:ph sz="quarter" idx="10"/>
+          </p:nvPr>
+        </p:nvSpPr>
+        <p:spPr/>
+        <p:txBody>
+          <a:bodyPr/>
+          <a:lstStyle/>
+          <a:p>
+            <a:r>
+              <a:rPr lang="en-US" dirty="0" smtClean="0"/>
+              <a:t>In order to create the form, you need an HTML page to "host" the form</a:t>
+            </a:r>
+          </a:p>
+          <a:p>
+            <a:r>
+              <a:rPr lang="en-US" dirty="0" smtClean="0"/>
+              <a:t>It can be this simple:</a:t>
+            </a:r>
+          </a:p>
+          <a:p>
+            <a:pPr marL="0" indent="0">
+              <a:buNone/>
+            </a:pPr>
+            <a:r>
+              <a:rPr lang="en-US" dirty="0">
+                <a:solidFill>
+                  <a:srgbClr val="0000FF"/>
+                </a:solidFill>
+                <a:highlight>
+                  <a:srgbClr val="FFFFFF"/>
+                </a:highlight>
+                <a:latin typeface="Consolas" panose="020B0609020204030204" pitchFamily="49" charset="0"/>
+              </a:rPr>
+              <a:t>&lt;</a:t>
+            </a:r>
+            <a:r>
+              <a:rPr lang="en-US" dirty="0">
+                <a:solidFill>
+                  <a:srgbClr val="800000"/>
+                </a:solidFill>
+                <a:highlight>
+                  <a:srgbClr val="FFFFFF"/>
+                </a:highlight>
+                <a:latin typeface="Consolas" panose="020B0609020204030204" pitchFamily="49" charset="0"/>
+              </a:rPr>
+              <a:t>form</a:t>
+            </a:r>
+            <a:r>
+              <a:rPr lang="en-US" dirty="0">
+                <a:solidFill>
+                  <a:srgbClr val="000000"/>
+                </a:solidFill>
+                <a:highlight>
+                  <a:srgbClr val="FFFFFF"/>
+                </a:highlight>
+                <a:latin typeface="Consolas" panose="020B0609020204030204" pitchFamily="49" charset="0"/>
+              </a:rPr>
+              <a:t> </a:t>
+            </a:r>
+            <a:r>
+              <a:rPr lang="en-US" dirty="0">
+                <a:solidFill>
+                  <a:srgbClr val="FF0000"/>
+                </a:solidFill>
+                <a:highlight>
+                  <a:srgbClr val="FFFFFF"/>
+                </a:highlight>
+                <a:latin typeface="Consolas" panose="020B0609020204030204" pitchFamily="49" charset="0"/>
+              </a:rPr>
+              <a:t>method</a:t>
+            </a:r>
+            <a:r>
+              <a:rPr lang="en-US" dirty="0">
+                <a:solidFill>
+                  <a:srgbClr val="0000FF"/>
+                </a:solidFill>
+                <a:highlight>
+                  <a:srgbClr val="FFFFFF"/>
+                </a:highlight>
+                <a:latin typeface="Consolas" panose="020B0609020204030204" pitchFamily="49" charset="0"/>
+              </a:rPr>
+              <a:t>="post"&gt;</a:t>
+            </a:r>
+            <a:endParaRPr lang="en-US" dirty="0">
+              <a:solidFill>
+                <a:srgbClr val="000000"/>
+              </a:solidFill>
+              <a:highlight>
+                <a:srgbClr val="FFFFFF"/>
+              </a:highlight>
+              <a:latin typeface="Consolas" panose="020B0609020204030204" pitchFamily="49" charset="0"/>
+            </a:endParaRPr>
+          </a:p>
+          <a:p>
+            <a:pPr marL="0" indent="0">
+              <a:buNone/>
+            </a:pPr>
+            <a:r>
+              <a:rPr lang="en-US" dirty="0" smtClean="0">
+                <a:solidFill>
+                  <a:srgbClr val="000000"/>
+                </a:solidFill>
+                <a:highlight>
+                  <a:srgbClr val="FFFFFF"/>
+                </a:highlight>
+                <a:latin typeface="Consolas" panose="020B0609020204030204" pitchFamily="49" charset="0"/>
+              </a:rPr>
+              <a:t>    </a:t>
+            </a:r>
+            <a:r>
+              <a:rPr lang="en-US" b="1" dirty="0" smtClean="0">
+                <a:solidFill>
+                  <a:srgbClr val="000000"/>
+                </a:solidFill>
+                <a:highlight>
+                  <a:srgbClr val="FFFFFF"/>
+                </a:highlight>
+                <a:latin typeface="Consolas" panose="020B0609020204030204" pitchFamily="49" charset="0"/>
+              </a:rPr>
+              <a:t>{%</a:t>
+            </a:r>
+            <a:r>
+              <a:rPr lang="en-US" dirty="0" smtClean="0">
+                <a:solidFill>
+                  <a:srgbClr val="000000"/>
+                </a:solidFill>
+                <a:highlight>
+                  <a:srgbClr val="FFFFFF"/>
+                </a:highlight>
+                <a:latin typeface="Consolas" panose="020B0609020204030204" pitchFamily="49" charset="0"/>
+              </a:rPr>
+              <a:t> </a:t>
+            </a:r>
+            <a:r>
+              <a:rPr lang="en-US" dirty="0" err="1" smtClean="0">
+                <a:solidFill>
+                  <a:srgbClr val="800080"/>
+                </a:solidFill>
+                <a:highlight>
+                  <a:srgbClr val="FFFFFF"/>
+                </a:highlight>
+                <a:latin typeface="Consolas" panose="020B0609020204030204" pitchFamily="49" charset="0"/>
+              </a:rPr>
+              <a:t>csrf_token</a:t>
+            </a:r>
+            <a:r>
+              <a:rPr lang="en-US" dirty="0" smtClean="0">
+                <a:solidFill>
+                  <a:srgbClr val="000000"/>
+                </a:solidFill>
+                <a:highlight>
+                  <a:srgbClr val="FFFFFF"/>
+                </a:highlight>
+                <a:latin typeface="Consolas" panose="020B0609020204030204" pitchFamily="49" charset="0"/>
+              </a:rPr>
+              <a:t> </a:t>
+            </a:r>
+            <a:r>
+              <a:rPr lang="en-US" b="1" dirty="0">
+                <a:solidFill>
+                  <a:srgbClr val="000000"/>
+                </a:solidFill>
+                <a:highlight>
+                  <a:srgbClr val="FFFFFF"/>
+                </a:highlight>
+                <a:latin typeface="Consolas" panose="020B0609020204030204" pitchFamily="49" charset="0"/>
+              </a:rPr>
+              <a:t>%</a:t>
+            </a:r>
+            <a:r>
+              <a:rPr lang="en-US" b="1" dirty="0" smtClean="0">
+                <a:solidFill>
+                  <a:srgbClr val="000000"/>
+                </a:solidFill>
+                <a:highlight>
+                  <a:srgbClr val="FFFFFF"/>
+                </a:highlight>
+                <a:latin typeface="Consolas" panose="020B0609020204030204" pitchFamily="49" charset="0"/>
+              </a:rPr>
+              <a:t>}</a:t>
+            </a:r>
+          </a:p>
+          <a:p>
+            <a:pPr marL="0" indent="0">
+              <a:buNone/>
+            </a:pPr>
+            <a:r>
+              <a:rPr lang="en-US" dirty="0" smtClean="0">
+                <a:solidFill>
+                  <a:srgbClr val="000000"/>
+                </a:solidFill>
+                <a:highlight>
+                  <a:srgbClr val="FFFFFF"/>
+                </a:highlight>
+                <a:latin typeface="Consolas" panose="020B0609020204030204" pitchFamily="49" charset="0"/>
+              </a:rPr>
+              <a:t>    </a:t>
+            </a:r>
+            <a:r>
+              <a:rPr lang="en-US" b="1" dirty="0" smtClean="0">
+                <a:solidFill>
+                  <a:srgbClr val="000000"/>
+                </a:solidFill>
+                <a:highlight>
+                  <a:srgbClr val="FFFFFF"/>
+                </a:highlight>
+                <a:latin typeface="Consolas" panose="020B0609020204030204" pitchFamily="49" charset="0"/>
+              </a:rPr>
+              <a:t>{{</a:t>
+            </a:r>
+            <a:r>
+              <a:rPr lang="en-US" dirty="0" smtClean="0">
+                <a:solidFill>
+                  <a:srgbClr val="000000"/>
+                </a:solidFill>
+                <a:highlight>
+                  <a:srgbClr val="FFFFFF"/>
+                </a:highlight>
+                <a:latin typeface="Consolas" panose="020B0609020204030204" pitchFamily="49" charset="0"/>
+              </a:rPr>
+              <a:t> </a:t>
+            </a:r>
+            <a:r>
+              <a:rPr lang="en-US" dirty="0" smtClean="0">
+                <a:solidFill>
+                  <a:srgbClr val="800080"/>
+                </a:solidFill>
+                <a:highlight>
+                  <a:srgbClr val="FFFFFF"/>
+                </a:highlight>
+                <a:latin typeface="Consolas" panose="020B0609020204030204" pitchFamily="49" charset="0"/>
+              </a:rPr>
+              <a:t>form</a:t>
+            </a:r>
+            <a:r>
+              <a:rPr lang="en-US" dirty="0" smtClean="0">
+                <a:solidFill>
+                  <a:srgbClr val="000000"/>
+                </a:solidFill>
+                <a:highlight>
+                  <a:srgbClr val="FFFFFF"/>
+                </a:highlight>
+                <a:latin typeface="Consolas" panose="020B0609020204030204" pitchFamily="49" charset="0"/>
+              </a:rPr>
+              <a:t> </a:t>
+            </a:r>
+            <a:r>
+              <a:rPr lang="en-US" b="1" dirty="0" smtClean="0">
+                <a:solidFill>
+                  <a:srgbClr val="000000"/>
+                </a:solidFill>
+                <a:highlight>
+                  <a:srgbClr val="FFFFFF"/>
+                </a:highlight>
+                <a:latin typeface="Consolas" panose="020B0609020204030204" pitchFamily="49" charset="0"/>
+              </a:rPr>
+              <a:t>}}</a:t>
+            </a:r>
+            <a:endParaRPr lang="en-US" dirty="0" smtClean="0">
+              <a:solidFill>
+                <a:srgbClr val="000000"/>
+              </a:solidFill>
+              <a:highlight>
+                <a:srgbClr val="FFFFFF"/>
+              </a:highlight>
+              <a:latin typeface="Consolas" panose="020B0609020204030204" pitchFamily="49" charset="0"/>
+            </a:endParaRPr>
+          </a:p>
+          <a:p>
+            <a:pPr marL="0" indent="0">
+              <a:buNone/>
+            </a:pPr>
+            <a:r>
+              <a:rPr lang="en-US" dirty="0" smtClean="0">
+                <a:solidFill>
+                  <a:srgbClr val="000000"/>
+                </a:solidFill>
+                <a:highlight>
+                  <a:srgbClr val="FFFFFF"/>
+                </a:highlight>
+                <a:latin typeface="Consolas" panose="020B0609020204030204" pitchFamily="49" charset="0"/>
+              </a:rPr>
+              <a:t>    </a:t>
+            </a:r>
+            <a:r>
+              <a:rPr lang="en-US" dirty="0">
+                <a:solidFill>
+                  <a:srgbClr val="0000FF"/>
+                </a:solidFill>
+                <a:highlight>
+                  <a:srgbClr val="FFFFFF"/>
+                </a:highlight>
+                <a:latin typeface="Consolas" panose="020B0609020204030204" pitchFamily="49" charset="0"/>
+              </a:rPr>
+              <a:t>&lt;</a:t>
+            </a:r>
+            <a:r>
+              <a:rPr lang="en-US" dirty="0">
+                <a:solidFill>
+                  <a:srgbClr val="800000"/>
+                </a:solidFill>
+                <a:highlight>
+                  <a:srgbClr val="FFFFFF"/>
+                </a:highlight>
+                <a:latin typeface="Consolas" panose="020B0609020204030204" pitchFamily="49" charset="0"/>
+              </a:rPr>
+              <a:t>button</a:t>
+            </a:r>
+            <a:r>
+              <a:rPr lang="en-US" dirty="0">
+                <a:solidFill>
+                  <a:srgbClr val="000000"/>
+                </a:solidFill>
+                <a:highlight>
+                  <a:srgbClr val="FFFFFF"/>
+                </a:highlight>
+                <a:latin typeface="Consolas" panose="020B0609020204030204" pitchFamily="49" charset="0"/>
+              </a:rPr>
+              <a:t> </a:t>
+            </a:r>
+            <a:r>
+              <a:rPr lang="en-US" dirty="0">
+                <a:solidFill>
+                  <a:srgbClr val="FF0000"/>
+                </a:solidFill>
+                <a:highlight>
+                  <a:srgbClr val="FFFFFF"/>
+                </a:highlight>
+                <a:latin typeface="Consolas" panose="020B0609020204030204" pitchFamily="49" charset="0"/>
+              </a:rPr>
+              <a:t>type</a:t>
+            </a:r>
+            <a:r>
+              <a:rPr lang="en-US" dirty="0">
+                <a:solidFill>
+                  <a:srgbClr val="0000FF"/>
+                </a:solidFill>
+                <a:highlight>
+                  <a:srgbClr val="FFFFFF"/>
+                </a:highlight>
+                <a:latin typeface="Consolas" panose="020B0609020204030204" pitchFamily="49" charset="0"/>
+              </a:rPr>
+              <a:t>="submit"&gt;</a:t>
+            </a:r>
+            <a:r>
+              <a:rPr lang="en-US" dirty="0">
+                <a:solidFill>
+                  <a:srgbClr val="000000"/>
+                </a:solidFill>
+                <a:highlight>
+                  <a:srgbClr val="FFFFFF"/>
+                </a:highlight>
+                <a:latin typeface="Consolas" panose="020B0609020204030204" pitchFamily="49" charset="0"/>
+              </a:rPr>
+              <a:t>Save</a:t>
+            </a:r>
+            <a:r>
+              <a:rPr lang="en-US" dirty="0">
+                <a:solidFill>
+                  <a:srgbClr val="0000FF"/>
+                </a:solidFill>
+                <a:highlight>
+                  <a:srgbClr val="FFFFFF"/>
+                </a:highlight>
+                <a:latin typeface="Consolas" panose="020B0609020204030204" pitchFamily="49" charset="0"/>
+              </a:rPr>
+              <a:t>&lt;/</a:t>
+            </a:r>
+            <a:r>
+              <a:rPr lang="en-US" dirty="0">
+                <a:solidFill>
+                  <a:srgbClr val="800000"/>
+                </a:solidFill>
+                <a:highlight>
+                  <a:srgbClr val="FFFFFF"/>
+                </a:highlight>
+                <a:latin typeface="Consolas" panose="020B0609020204030204" pitchFamily="49" charset="0"/>
+              </a:rPr>
+              <a:t>button</a:t>
+            </a:r>
+            <a:r>
+              <a:rPr lang="en-US" dirty="0">
+                <a:solidFill>
+                  <a:srgbClr val="0000FF"/>
+                </a:solidFill>
+                <a:highlight>
+                  <a:srgbClr val="FFFFFF"/>
+                </a:highlight>
+                <a:latin typeface="Consolas" panose="020B0609020204030204" pitchFamily="49" charset="0"/>
+              </a:rPr>
+              <a:t>&gt;</a:t>
+            </a:r>
+            <a:endParaRPr lang="en-US" dirty="0">
+              <a:solidFill>
+                <a:srgbClr val="000000"/>
+              </a:solidFill>
+              <a:highlight>
+                <a:srgbClr val="FFFFFF"/>
+              </a:highlight>
+              <a:latin typeface="Consolas" panose="020B0609020204030204" pitchFamily="49" charset="0"/>
+            </a:endParaRPr>
+          </a:p>
+          <a:p>
+            <a:pPr marL="0" indent="0">
+              <a:buNone/>
+            </a:pPr>
+            <a:r>
+              <a:rPr lang="en-US" dirty="0">
+                <a:solidFill>
+                  <a:srgbClr val="0000FF"/>
+                </a:solidFill>
+                <a:highlight>
+                  <a:srgbClr val="FFFFFF"/>
+                </a:highlight>
+                <a:latin typeface="Consolas" panose="020B0609020204030204" pitchFamily="49" charset="0"/>
+              </a:rPr>
+              <a:t>&lt;/</a:t>
+            </a:r>
+            <a:r>
+              <a:rPr lang="en-US" dirty="0">
+                <a:solidFill>
+                  <a:srgbClr val="800000"/>
+                </a:solidFill>
+                <a:highlight>
+                  <a:srgbClr val="FFFFFF"/>
+                </a:highlight>
+                <a:latin typeface="Consolas" panose="020B0609020204030204" pitchFamily="49" charset="0"/>
+              </a:rPr>
+              <a:t>form</a:t>
+            </a:r>
+            <a:r>
+              <a:rPr lang="en-US" dirty="0">
+                <a:solidFill>
+                  <a:srgbClr val="0000FF"/>
+                </a:solidFill>
+                <a:highlight>
+                  <a:srgbClr val="FFFFFF"/>
+                </a:highlight>
+                <a:latin typeface="Consolas" panose="020B0609020204030204" pitchFamily="49" charset="0"/>
+              </a:rPr>
+              <a:t>&gt;</a:t>
+            </a:r>
+            <a:endParaRPr lang="en-US" dirty="0"/>
+          </a:p>
+        </p:txBody>
+      </p:sp>
+    </p:spTree>
+    <p:extLst>
+      <p:ext uri="{BB962C8B-B14F-4D97-AF65-F5344CB8AC3E}">
+        <p14:creationId xmlns:p14="http://schemas.microsoft.com/office/powerpoint/2010/main" val="4084938741"/>
+      </p:ext>
+    </p:extLst>
+  </p:cSld>
+  <p:clrMapOvr>
+    <a:masterClrMapping/>
+  </p:clrMapOvr>
+</p:sld>
+</file>
+
+<file path=ppt/slides/slide2.xml><?xml version="1.0" encoding="utf-8"?>
+<p:sld xmlns:a="http://schemas.openxmlformats.org/drawingml/2006/main" xmlns:r="http://schemas.openxmlformats.org/officeDocument/2006/relationships" xmlns:p="http://schemas.openxmlformats.org/presentationml/2006/main">
+  <p:cSld>
+    <p:spTree>
+      <p:nvGrpSpPr>
+        <p:cNvPr id="1" name=""/>
+        <p:cNvGrpSpPr/>
+        <p:nvPr/>
+      </p:nvGrpSpPr>
+      <p:grpSpPr>
+        <a:xfrm>
+          <a:off x="0" y="0"/>
+          <a:ext cx="0" cy="0"/>
+          <a:chOff x="0" y="0"/>
+          <a:chExt cx="0" cy="0"/>
+        </a:xfrm>
+      </p:grpSpPr>
+      <p:sp>
+        <p:nvSpPr>
+          <p:cNvPr id="7" name="Content Placeholder 6"/>
+          <p:cNvSpPr>
+            <a:spLocks noGrp="1"/>
+          </p:cNvSpPr>
+          <p:nvPr>
+            <p:ph sz="quarter" idx="10"/>
+          </p:nvPr>
+        </p:nvSpPr>
+        <p:spPr/>
+        <p:txBody>
+          <a:bodyPr>
+            <a:normAutofit/>
+          </a:bodyPr>
+          <a:lstStyle/>
+          <a:p>
+            <a:r>
+              <a:rPr lang="en-GB" dirty="0" smtClean="0"/>
+              <a:t>Using </a:t>
+            </a:r>
+            <a:r>
+              <a:rPr lang="en-GB" dirty="0" smtClean="0"/>
+              <a:t>templates</a:t>
+            </a:r>
+          </a:p>
+          <a:p>
+            <a:r>
+              <a:rPr lang="en-GB" dirty="0" smtClean="0"/>
+              <a:t>Ensuring consistency</a:t>
+            </a:r>
+          </a:p>
+          <a:p>
+            <a:r>
+              <a:rPr lang="en-GB" dirty="0" smtClean="0"/>
+              <a:t>Forms</a:t>
+            </a:r>
+          </a:p>
+        </p:txBody>
+      </p:sp>
+      <p:sp>
+        <p:nvSpPr>
+          <p:cNvPr id="2" name="Title 1"/>
+          <p:cNvSpPr>
+            <a:spLocks noGrp="1"/>
+          </p:cNvSpPr>
+          <p:nvPr>
+            <p:ph type="title"/>
+          </p:nvPr>
+        </p:nvSpPr>
+        <p:spPr/>
+        <p:txBody>
+          <a:bodyPr/>
+          <a:lstStyle/>
+          <a:p>
+            <a:r>
+              <a:rPr lang="en-US" dirty="0" smtClean="0"/>
+              <a:t>Module Overview</a:t>
+            </a:r>
+            <a:endParaRPr lang="en-US" dirty="0"/>
+          </a:p>
+        </p:txBody>
+      </p:sp>
+    </p:spTree>
+    <p:extLst>
+      <p:ext uri="{BB962C8B-B14F-4D97-AF65-F5344CB8AC3E}">
+        <p14:creationId xmlns:p14="http://schemas.microsoft.com/office/powerpoint/2010/main" val="318349970"/>
+      </p:ext>
+    </p:extLst>
+  </p:cSld>
+  <p:clrMapOvr>
+    <a:masterClrMapping/>
+  </p:clrMapOvr>
+  <p:timing>
+    <p:tnLst>
+      <p:par>
+        <p:cTn id="1" dur="indefinite" restart="never" nodeType="tmRoot"/>
+      </p:par>
+    </p:tnLst>
+  </p:timing>
+</p:sld>
+</file>
+
+<file path=ppt/slides/slide20.xml><?xml version="1.0" encoding="utf-8"?>
+<p:sld xmlns:a="http://schemas.openxmlformats.org/drawingml/2006/main" xmlns:r="http://schemas.openxmlformats.org/officeDocument/2006/relationships" xmlns:p="http://schemas.openxmlformats.org/presentationml/2006/main">
+  <p:cSld>
+    <p:spTree>
+      <p:nvGrpSpPr>
+        <p:cNvPr id="1" name=""/>
+        <p:cNvGrpSpPr/>
+        <p:nvPr/>
+      </p:nvGrpSpPr>
+      <p:grpSpPr>
+        <a:xfrm>
+          <a:off x="0" y="0"/>
+          <a:ext cx="0" cy="0"/>
+          <a:chOff x="0" y="0"/>
+          <a:chExt cx="0" cy="0"/>
+        </a:xfrm>
+      </p:grpSpPr>
+      <p:sp>
+        <p:nvSpPr>
+          <p:cNvPr id="2" name="Title 1"/>
+          <p:cNvSpPr>
+            <a:spLocks noGrp="1"/>
+          </p:cNvSpPr>
+          <p:nvPr>
+            <p:ph type="title"/>
+          </p:nvPr>
+        </p:nvSpPr>
+        <p:spPr/>
+        <p:txBody>
+          <a:bodyPr/>
+          <a:lstStyle/>
+          <a:p>
+            <a:r>
+              <a:rPr lang="en-US" dirty="0" smtClean="0"/>
+              <a:t>Controlling the form</a:t>
+            </a:r>
+            <a:endParaRPr lang="en-US" dirty="0"/>
+          </a:p>
+        </p:txBody>
+      </p:sp>
+      <p:sp>
+        <p:nvSpPr>
+          <p:cNvPr id="3" name="Content Placeholder 2"/>
+          <p:cNvSpPr>
+            <a:spLocks noGrp="1"/>
+          </p:cNvSpPr>
+          <p:nvPr>
+            <p:ph sz="quarter" idx="10"/>
+          </p:nvPr>
+        </p:nvSpPr>
+        <p:spPr/>
+        <p:txBody>
+          <a:bodyPr/>
+          <a:lstStyle/>
+          <a:p>
+            <a:r>
+              <a:rPr lang="en-US" dirty="0" smtClean="0"/>
+              <a:t>By default, the form will be created as a table</a:t>
+            </a:r>
+          </a:p>
+          <a:p>
+            <a:pPr lvl="1"/>
+            <a:r>
+              <a:rPr lang="en-US" dirty="0" smtClean="0"/>
+              <a:t>{{ </a:t>
+            </a:r>
+            <a:r>
+              <a:rPr lang="en-US" dirty="0" err="1" smtClean="0"/>
+              <a:t>form.as_p</a:t>
+            </a:r>
+            <a:r>
+              <a:rPr lang="en-US" dirty="0" smtClean="0"/>
+              <a:t> }} will use &lt;p&gt; elements</a:t>
+            </a:r>
+          </a:p>
+          <a:p>
+            <a:pPr lvl="1"/>
+            <a:r>
+              <a:rPr lang="en-US" dirty="0" smtClean="0"/>
+              <a:t>{{ </a:t>
+            </a:r>
+            <a:r>
+              <a:rPr lang="en-US" dirty="0" err="1" smtClean="0"/>
+              <a:t>form.as_ul</a:t>
+            </a:r>
+            <a:r>
+              <a:rPr lang="en-US" dirty="0" smtClean="0"/>
+              <a:t> }} will use &lt;li&gt; elements</a:t>
+            </a:r>
+          </a:p>
+          <a:p>
+            <a:r>
+              <a:rPr lang="en-US" dirty="0" smtClean="0"/>
+              <a:t>It is possible to grab the actual fields and completely customize the HTML as needed</a:t>
+            </a:r>
+            <a:endParaRPr lang="en-US" dirty="0"/>
+          </a:p>
+        </p:txBody>
+      </p:sp>
+    </p:spTree>
+    <p:extLst>
+      <p:ext uri="{BB962C8B-B14F-4D97-AF65-F5344CB8AC3E}">
+        <p14:creationId xmlns:p14="http://schemas.microsoft.com/office/powerpoint/2010/main" val="1455786813"/>
+      </p:ext>
+    </p:extLst>
+  </p:cSld>
+  <p:clrMapOvr>
+    <a:masterClrMapping/>
+  </p:clrMapOvr>
+</p:sld>
+</file>
+
+<file path=ppt/slides/slide21.xml><?xml version="1.0" encoding="utf-8"?>
+<p:sld xmlns:a="http://schemas.openxmlformats.org/drawingml/2006/main" xmlns:r="http://schemas.openxmlformats.org/officeDocument/2006/relationships" xmlns:p="http://schemas.openxmlformats.org/presentationml/2006/main">
+  <p:cSld>
+    <p:spTree>
+      <p:nvGrpSpPr>
+        <p:cNvPr id="1" name=""/>
+        <p:cNvGrpSpPr/>
+        <p:nvPr/>
+      </p:nvGrpSpPr>
+      <p:grpSpPr>
+        <a:xfrm>
+          <a:off x="0" y="0"/>
+          <a:ext cx="0" cy="0"/>
+          <a:chOff x="0" y="0"/>
+          <a:chExt cx="0" cy="0"/>
+        </a:xfrm>
+      </p:grpSpPr>
+      <p:sp>
+        <p:nvSpPr>
+          <p:cNvPr id="2" name="Title 1"/>
+          <p:cNvSpPr>
+            <a:spLocks noGrp="1"/>
+          </p:cNvSpPr>
+          <p:nvPr>
+            <p:ph type="title"/>
+          </p:nvPr>
+        </p:nvSpPr>
+        <p:spPr/>
+        <p:txBody>
+          <a:bodyPr/>
+          <a:lstStyle/>
+          <a:p>
+            <a:r>
+              <a:rPr lang="en-US" dirty="0" smtClean="0"/>
+              <a:t>Using the form in the view</a:t>
+            </a:r>
+            <a:endParaRPr lang="en-US" dirty="0"/>
+          </a:p>
+        </p:txBody>
+      </p:sp>
+      <mc:AlternateContent xmlns:mc="http://schemas.openxmlformats.org/markup-compatibility/2006" xmlns:we="http://schemas.microsoft.com/office/webextensions/webextension/2010/11" xmlns:pca="http://schemas.microsoft.com/office/powerpoint/2013/contentapp">
+        <mc:Choice Requires="we pca">
+          <p:graphicFrame>
+            <p:nvGraphicFramePr>
+              <p:cNvPr id="4" name="App 3"/>
+              <p:cNvGraphicFramePr>
+                <a:graphicFrameLocks noGrp="1"/>
+              </p:cNvGraphicFramePr>
+              <p:nvPr>
+                <p:extLst>
+                  <p:ext uri="{D42A27DB-BD31-4B8C-83A1-F6EECF244321}">
+                    <p14:modId xmlns:p14="http://schemas.microsoft.com/office/powerpoint/2010/main" val="3830850235"/>
+                  </p:ext>
+                </p:extLst>
+              </p:nvPr>
+            </p:nvGraphicFramePr>
+            <p:xfrm>
+              <a:off x="379514" y="881349"/>
+              <a:ext cx="11524432" cy="5883008"/>
+            </p:xfrm>
+            <a:graphic>
+              <a:graphicData uri="http://schemas.microsoft.com/office/webextensions/webextension/2010/11">
+                <we:webextensionref xmlns:we="http://schemas.microsoft.com/office/webextensions/webextension/2010/11" xmlns:r="http://schemas.openxmlformats.org/officeDocument/2006/relationships" r:id="rId2"/>
+              </a:graphicData>
+            </a:graphic>
+          </p:graphicFrame>
+        </mc:Choice>
+        <mc:Fallback xmlns="">
+          <p:pic>
+            <p:nvPicPr>
+              <p:cNvPr id="4" name="App 3"/>
+              <p:cNvPicPr>
+                <a:picLocks noGrp="1" noRot="1" noChangeAspect="1" noMove="1" noResize="1" noEditPoints="1" noAdjustHandles="1" noChangeArrowheads="1" noChangeShapeType="1"/>
+              </p:cNvPicPr>
+              <p:nvPr/>
+            </p:nvPicPr>
+            <p:blipFill>
+              <a:blip r:embed="rId3"/>
+              <a:stretch>
+                <a:fillRect/>
+              </a:stretch>
+            </p:blipFill>
+            <p:spPr>
+              <a:xfrm>
+                <a:off x="379514" y="881349"/>
+                <a:ext cx="11524432" cy="5883008"/>
+              </a:xfrm>
+              <a:prstGeom prst="rect">
+                <a:avLst/>
+              </a:prstGeom>
+            </p:spPr>
+          </p:pic>
+        </mc:Fallback>
+      </mc:AlternateContent>
+    </p:spTree>
+    <p:extLst>
+      <p:ext uri="{BB962C8B-B14F-4D97-AF65-F5344CB8AC3E}">
+        <p14:creationId xmlns:p14="http://schemas.microsoft.com/office/powerpoint/2010/main" val="3557683193"/>
+      </p:ext>
+    </p:extLst>
+  </p:cSld>
+  <p:clrMapOvr>
+    <a:masterClrMapping/>
+  </p:clrMapOvr>
+</p:sld>
+</file>
+
+<file path=ppt/slides/slide22.xml><?xml version="1.0" encoding="utf-8"?>
+<p:sld xmlns:a="http://schemas.openxmlformats.org/drawingml/2006/main" xmlns:r="http://schemas.openxmlformats.org/officeDocument/2006/relationships" xmlns:p="http://schemas.openxmlformats.org/presentationml/2006/main">
+  <p:cSld>
+    <p:spTree>
+      <p:nvGrpSpPr>
+        <p:cNvPr id="1" name=""/>
+        <p:cNvGrpSpPr/>
+        <p:nvPr/>
+      </p:nvGrpSpPr>
+      <p:grpSpPr>
+        <a:xfrm>
+          <a:off x="0" y="0"/>
+          <a:ext cx="0" cy="0"/>
+          <a:chOff x="0" y="0"/>
+          <a:chExt cx="0" cy="0"/>
+        </a:xfrm>
+      </p:grpSpPr>
+      <p:sp>
+        <p:nvSpPr>
+          <p:cNvPr id="4" name="Title 3"/>
+          <p:cNvSpPr>
+            <a:spLocks noGrp="1"/>
+          </p:cNvSpPr>
+          <p:nvPr>
+            <p:ph type="title"/>
+          </p:nvPr>
+        </p:nvSpPr>
+        <p:spPr/>
+        <p:txBody>
+          <a:bodyPr/>
+          <a:lstStyle/>
+          <a:p>
+            <a:r>
+              <a:rPr lang="en-US" dirty="0" smtClean="0"/>
+              <a:t>Creating a create form</a:t>
+            </a:r>
+            <a:endParaRPr lang="en-US" dirty="0"/>
+          </a:p>
+        </p:txBody>
+      </p:sp>
+    </p:spTree>
+    <p:extLst>
+      <p:ext uri="{BB962C8B-B14F-4D97-AF65-F5344CB8AC3E}">
+        <p14:creationId xmlns:p14="http://schemas.microsoft.com/office/powerpoint/2010/main" val="188135580"/>
+      </p:ext>
+    </p:extLst>
+  </p:cSld>
+  <p:clrMapOvr>
+    <a:masterClrMapping/>
+  </p:clrMapOvr>
+</p:sld>
+</file>
+
+<file path=ppt/slides/slide23.xml><?xml version="1.0" encoding="utf-8"?>
+<p:sld xmlns:a="http://schemas.openxmlformats.org/drawingml/2006/main" xmlns:r="http://schemas.openxmlformats.org/officeDocument/2006/relationships" xmlns:p="http://schemas.openxmlformats.org/presentationml/2006/main">
+  <p:cSld>
+    <p:spTree>
+      <p:nvGrpSpPr>
+        <p:cNvPr id="1" name=""/>
+        <p:cNvGrpSpPr/>
+        <p:nvPr/>
+      </p:nvGrpSpPr>
+      <p:grpSpPr>
+        <a:xfrm>
+          <a:off x="0" y="0"/>
+          <a:ext cx="0" cy="0"/>
+          <a:chOff x="0" y="0"/>
+          <a:chExt cx="0" cy="0"/>
+        </a:xfrm>
+      </p:grpSpPr>
+    </p:spTree>
+    <p:extLst>
+      <p:ext uri="{BB962C8B-B14F-4D97-AF65-F5344CB8AC3E}">
+        <p14:creationId xmlns:p14="http://schemas.microsoft.com/office/powerpoint/2010/main" val="898363405"/>
+      </p:ext>
+    </p:extLst>
+  </p:cSld>
+  <p:clrMapOvr>
+    <a:masterClrMapping/>
+  </p:clrMapOvr>
+  <p:timing>
+    <p:tnLst>
+      <p:par>
+        <p:cTn id="1" dur="indefinite" restart="never" nodeType="tmRoot"/>
+      </p:par>
+    </p:tnLst>
+  </p:timing>
+</p:sld>
+</file>
+
+<file path=ppt/slides/slide3.xml><?xml version="1.0" encoding="utf-8"?>
+<p:sld xmlns:a="http://schemas.openxmlformats.org/drawingml/2006/main" xmlns:r="http://schemas.openxmlformats.org/officeDocument/2006/relationships" xmlns:p="http://schemas.openxmlformats.org/presentationml/2006/main">
+  <p:cSld>
+    <p:spTree>
+      <p:nvGrpSpPr>
+        <p:cNvPr id="1" name=""/>
+        <p:cNvGrpSpPr/>
+        <p:nvPr/>
+      </p:nvGrpSpPr>
+      <p:grpSpPr>
+        <a:xfrm>
+          <a:off x="0" y="0"/>
+          <a:ext cx="0" cy="0"/>
+          <a:chOff x="0" y="0"/>
+          <a:chExt cx="0" cy="0"/>
+        </a:xfrm>
+      </p:grpSpPr>
+      <p:sp>
+        <p:nvSpPr>
+          <p:cNvPr id="4" name="Text Placeholder 3"/>
+          <p:cNvSpPr>
+            <a:spLocks noGrp="1"/>
+          </p:cNvSpPr>
+          <p:nvPr>
+            <p:ph type="body" sz="quarter" idx="10"/>
+          </p:nvPr>
+        </p:nvSpPr>
+        <p:spPr/>
+        <p:txBody>
+          <a:bodyPr/>
+          <a:lstStyle/>
+          <a:p>
+            <a:r>
+              <a:rPr lang="en-US" dirty="0" smtClean="0"/>
+              <a:t>Using templates</a:t>
+            </a:r>
+            <a:endParaRPr lang="en-US" dirty="0"/>
+          </a:p>
+        </p:txBody>
+      </p:sp>
+      <p:sp>
+        <p:nvSpPr>
+          <p:cNvPr id="3" name="Subtitle 2"/>
+          <p:cNvSpPr>
+            <a:spLocks noGrp="1"/>
+          </p:cNvSpPr>
+          <p:nvPr>
+            <p:ph type="subTitle" idx="1"/>
+          </p:nvPr>
+        </p:nvSpPr>
+        <p:spPr/>
+        <p:txBody>
+          <a:bodyPr/>
+          <a:lstStyle/>
+          <a:p>
+            <a:endParaRPr lang="en-US" dirty="0"/>
+          </a:p>
+        </p:txBody>
+      </p:sp>
+    </p:spTree>
+    <p:extLst>
+      <p:ext uri="{BB962C8B-B14F-4D97-AF65-F5344CB8AC3E}">
+        <p14:creationId xmlns:p14="http://schemas.microsoft.com/office/powerpoint/2010/main" val="2290117715"/>
+      </p:ext>
+    </p:extLst>
+  </p:cSld>
+  <p:clrMapOvr>
+    <a:masterClrMapping/>
+  </p:clrMapOvr>
+  <p:timing>
+    <p:tnLst>
+      <p:par>
+        <p:cTn id="1" dur="indefinite" restart="never" nodeType="tmRoot"/>
+      </p:par>
+    </p:tnLst>
+  </p:timing>
+</p:sld>
+</file>
+
+<file path=ppt/slides/slide4.xml><?xml version="1.0" encoding="utf-8"?>
+<p:sld xmlns:a="http://schemas.openxmlformats.org/drawingml/2006/main" xmlns:r="http://schemas.openxmlformats.org/officeDocument/2006/relationships" xmlns:p="http://schemas.openxmlformats.org/presentationml/2006/main">
+  <p:cSld>
+    <p:spTree>
+      <p:nvGrpSpPr>
+        <p:cNvPr id="1" name=""/>
+        <p:cNvGrpSpPr/>
+        <p:nvPr/>
+      </p:nvGrpSpPr>
+      <p:grpSpPr>
+        <a:xfrm>
+          <a:off x="0" y="0"/>
+          <a:ext cx="0" cy="0"/>
+          <a:chOff x="0" y="0"/>
+          <a:chExt cx="0" cy="0"/>
+        </a:xfrm>
+      </p:grpSpPr>
+      <p:sp>
+        <p:nvSpPr>
+          <p:cNvPr id="4" name="Title 3"/>
+          <p:cNvSpPr>
+            <a:spLocks noGrp="1"/>
+          </p:cNvSpPr>
+          <p:nvPr>
+            <p:ph type="title"/>
+          </p:nvPr>
+        </p:nvSpPr>
+        <p:spPr/>
+        <p:txBody>
+          <a:bodyPr/>
+          <a:lstStyle/>
+          <a:p>
+            <a:r>
+              <a:rPr lang="en-US" dirty="0" smtClean="0"/>
+              <a:t>How do I send back complex HTML?</a:t>
+            </a:r>
+            <a:endParaRPr lang="en-US" dirty="0"/>
+          </a:p>
+        </p:txBody>
+      </p:sp>
+      <p:sp>
+        <p:nvSpPr>
+          <p:cNvPr id="5" name="Content Placeholder 4"/>
+          <p:cNvSpPr>
+            <a:spLocks noGrp="1"/>
+          </p:cNvSpPr>
+          <p:nvPr>
+            <p:ph sz="quarter" idx="10"/>
+          </p:nvPr>
+        </p:nvSpPr>
+        <p:spPr/>
+        <p:txBody>
+          <a:bodyPr/>
+          <a:lstStyle/>
+          <a:p>
+            <a:r>
+              <a:rPr lang="en-US" dirty="0" smtClean="0"/>
+              <a:t>Django supports templates for creating complex template</a:t>
+            </a:r>
+          </a:p>
+          <a:p>
+            <a:r>
+              <a:rPr lang="en-US" dirty="0" smtClean="0"/>
+              <a:t>A template has a collection of placeholders for dynamic content</a:t>
+            </a:r>
+            <a:endParaRPr lang="en-US" dirty="0"/>
+          </a:p>
+        </p:txBody>
+      </p:sp>
+    </p:spTree>
+    <p:extLst>
+      <p:ext uri="{BB962C8B-B14F-4D97-AF65-F5344CB8AC3E}">
+        <p14:creationId xmlns:p14="http://schemas.microsoft.com/office/powerpoint/2010/main" val="3745197048"/>
+      </p:ext>
+    </p:extLst>
+  </p:cSld>
+  <p:clrMapOvr>
+    <a:masterClrMapping/>
+  </p:clrMapOvr>
+  <p:timing>
+    <p:tnLst>
+      <p:par>
+        <p:cTn id="1" dur="indefinite" restart="never" nodeType="tmRoot"/>
+      </p:par>
+    </p:tnLst>
+  </p:timing>
+</p:sld>
+</file>
+
+<file path=ppt/slides/slide5.xml><?xml version="1.0" encoding="utf-8"?>
 <p:sld xmlns:a="http://schemas.openxmlformats.org/drawingml/2006/main" xmlns:r="http://schemas.openxmlformats.org/officeDocument/2006/relationships" xmlns:p="http://schemas.openxmlformats.org/presentationml/2006/main">
   <p:cSld>
     <p:spTree>
@@ -4090,2772 +5920,6 @@
 </p:sld>
 </file>
 
-<file path=ppt/slides/slide11.xml><?xml version="1.0" encoding="utf-8"?>
-<p:sld xmlns:a="http://schemas.openxmlformats.org/drawingml/2006/main" xmlns:r="http://schemas.openxmlformats.org/officeDocument/2006/relationships" xmlns:p="http://schemas.openxmlformats.org/presentationml/2006/main">
-  <p:cSld>
-    <p:spTree>
-      <p:nvGrpSpPr>
-        <p:cNvPr id="1" name=""/>
-        <p:cNvGrpSpPr/>
-        <p:nvPr/>
-      </p:nvGrpSpPr>
-      <p:grpSpPr>
-        <a:xfrm>
-          <a:off x="0" y="0"/>
-          <a:ext cx="0" cy="0"/>
-          <a:chOff x="0" y="0"/>
-          <a:chExt cx="0" cy="0"/>
-        </a:xfrm>
-      </p:grpSpPr>
-      <p:sp>
-        <p:nvSpPr>
-          <p:cNvPr id="2" name="Title 1"/>
-          <p:cNvSpPr>
-            <a:spLocks noGrp="1"/>
-          </p:cNvSpPr>
-          <p:nvPr>
-            <p:ph type="title"/>
-          </p:nvPr>
-        </p:nvSpPr>
-        <p:spPr/>
-        <p:txBody>
-          <a:bodyPr/>
-          <a:lstStyle/>
-          <a:p>
-            <a:r>
-              <a:rPr lang="en-US" dirty="0" smtClean="0"/>
-              <a:t>Template basics</a:t>
-            </a:r>
-            <a:endParaRPr lang="en-US" dirty="0"/>
-          </a:p>
-        </p:txBody>
-      </p:sp>
-      <p:sp>
-        <p:nvSpPr>
-          <p:cNvPr id="3" name="Content Placeholder 2"/>
-          <p:cNvSpPr>
-            <a:spLocks noGrp="1"/>
-          </p:cNvSpPr>
-          <p:nvPr>
-            <p:ph sz="quarter" idx="10"/>
-          </p:nvPr>
-        </p:nvSpPr>
-        <p:spPr/>
-        <p:txBody>
-          <a:bodyPr/>
-          <a:lstStyle/>
-          <a:p>
-            <a:r>
-              <a:rPr lang="en-US" dirty="0" smtClean="0"/>
-              <a:t>Templates are essentially just HTML</a:t>
-            </a:r>
-          </a:p>
-          <a:p>
-            <a:r>
-              <a:rPr lang="en-US" dirty="0" smtClean="0"/>
-              <a:t>Templates exist in a folder named templates</a:t>
-            </a:r>
-          </a:p>
-          <a:p>
-            <a:r>
-              <a:rPr lang="en-US" dirty="0" smtClean="0"/>
-              <a:t>Has a code syntax similar to Python</a:t>
-            </a:r>
-          </a:p>
-          <a:p>
-            <a:pPr lvl="1"/>
-            <a:r>
-              <a:rPr lang="en-US" dirty="0" smtClean="0"/>
-              <a:t>But it's not actually Python</a:t>
-            </a:r>
-            <a:endParaRPr lang="en-US" dirty="0"/>
-          </a:p>
-        </p:txBody>
-      </p:sp>
-    </p:spTree>
-    <p:extLst>
-      <p:ext uri="{BB962C8B-B14F-4D97-AF65-F5344CB8AC3E}">
-        <p14:creationId xmlns:p14="http://schemas.microsoft.com/office/powerpoint/2010/main" val="260187653"/>
-      </p:ext>
-    </p:extLst>
-  </p:cSld>
-  <p:clrMapOvr>
-    <a:masterClrMapping/>
-  </p:clrMapOvr>
-  <p:timing>
-    <p:tnLst>
-      <p:par>
-        <p:cTn id="1" dur="indefinite" restart="never" nodeType="tmRoot"/>
-      </p:par>
-    </p:tnLst>
-  </p:timing>
-</p:sld>
-</file>
-
-<file path=ppt/slides/slide12.xml><?xml version="1.0" encoding="utf-8"?>
-<p:sld xmlns:a="http://schemas.openxmlformats.org/drawingml/2006/main" xmlns:r="http://schemas.openxmlformats.org/officeDocument/2006/relationships" xmlns:p="http://schemas.openxmlformats.org/presentationml/2006/main">
-  <p:cSld>
-    <p:spTree>
-      <p:nvGrpSpPr>
-        <p:cNvPr id="1" name=""/>
-        <p:cNvGrpSpPr/>
-        <p:nvPr/>
-      </p:nvGrpSpPr>
-      <p:grpSpPr>
-        <a:xfrm>
-          <a:off x="0" y="0"/>
-          <a:ext cx="0" cy="0"/>
-          <a:chOff x="0" y="0"/>
-          <a:chExt cx="0" cy="0"/>
-        </a:xfrm>
-      </p:grpSpPr>
-      <p:sp>
-        <p:nvSpPr>
-          <p:cNvPr id="2" name="Title 1"/>
-          <p:cNvSpPr>
-            <a:spLocks noGrp="1"/>
-          </p:cNvSpPr>
-          <p:nvPr>
-            <p:ph type="title"/>
-          </p:nvPr>
-        </p:nvSpPr>
-        <p:spPr/>
-        <p:txBody>
-          <a:bodyPr/>
-          <a:lstStyle/>
-          <a:p>
-            <a:r>
-              <a:rPr lang="en-US" dirty="0" smtClean="0"/>
-              <a:t>Template example</a:t>
-            </a:r>
-            <a:endParaRPr lang="en-US" dirty="0"/>
-          </a:p>
-        </p:txBody>
-      </p:sp>
-      <p:sp>
-        <p:nvSpPr>
-          <p:cNvPr id="5" name="Content Placeholder 4"/>
-          <p:cNvSpPr>
-            <a:spLocks noGrp="1"/>
-          </p:cNvSpPr>
-          <p:nvPr>
-            <p:ph sz="quarter" idx="10"/>
-          </p:nvPr>
-        </p:nvSpPr>
-        <p:spPr/>
-        <p:txBody>
-          <a:bodyPr/>
-          <a:lstStyle/>
-          <a:p>
-            <a:pPr marL="0" indent="0">
-              <a:buNone/>
-            </a:pPr>
-            <a:r>
-              <a:rPr lang="en-US" sz="2400" dirty="0">
-                <a:latin typeface="Consolas" panose="020B0609020204030204" pitchFamily="49" charset="0"/>
-                <a:cs typeface="Consolas" panose="020B0609020204030204" pitchFamily="49" charset="0"/>
-              </a:rPr>
-              <a:t>&lt;html&gt;</a:t>
-            </a:r>
-          </a:p>
-          <a:p>
-            <a:pPr marL="0" indent="0">
-              <a:buNone/>
-            </a:pPr>
-            <a:r>
-              <a:rPr lang="en-US" sz="2400" dirty="0">
-                <a:latin typeface="Consolas" panose="020B0609020204030204" pitchFamily="49" charset="0"/>
-                <a:cs typeface="Consolas" panose="020B0609020204030204" pitchFamily="49" charset="0"/>
-              </a:rPr>
-              <a:t>    &lt;head&gt;</a:t>
-            </a:r>
-          </a:p>
-          <a:p>
-            <a:pPr marL="0" indent="0">
-              <a:buNone/>
-            </a:pPr>
-            <a:r>
-              <a:rPr lang="en-US" sz="2400" dirty="0">
-                <a:latin typeface="Consolas" panose="020B0609020204030204" pitchFamily="49" charset="0"/>
-                <a:cs typeface="Consolas" panose="020B0609020204030204" pitchFamily="49" charset="0"/>
-              </a:rPr>
-              <a:t>        &lt;title&gt;</a:t>
-            </a:r>
-            <a:r>
-              <a:rPr lang="en-US" sz="2400" dirty="0">
-                <a:solidFill>
-                  <a:srgbClr val="7030A0"/>
-                </a:solidFill>
-                <a:latin typeface="Consolas" panose="020B0609020204030204" pitchFamily="49" charset="0"/>
-                <a:cs typeface="Consolas" panose="020B0609020204030204" pitchFamily="49" charset="0"/>
-              </a:rPr>
-              <a:t>{{ name }}</a:t>
-            </a:r>
-            <a:r>
-              <a:rPr lang="en-US" sz="2400" dirty="0">
-                <a:latin typeface="Consolas" panose="020B0609020204030204" pitchFamily="49" charset="0"/>
-                <a:cs typeface="Consolas" panose="020B0609020204030204" pitchFamily="49" charset="0"/>
-              </a:rPr>
-              <a:t>&lt;/title&gt;</a:t>
-            </a:r>
-          </a:p>
-          <a:p>
-            <a:pPr marL="0" indent="0">
-              <a:buNone/>
-            </a:pPr>
-            <a:r>
-              <a:rPr lang="en-US" sz="2400" dirty="0">
-                <a:latin typeface="Consolas" panose="020B0609020204030204" pitchFamily="49" charset="0"/>
-                <a:cs typeface="Consolas" panose="020B0609020204030204" pitchFamily="49" charset="0"/>
-              </a:rPr>
-              <a:t>    &lt;/head&gt;</a:t>
-            </a:r>
-          </a:p>
-          <a:p>
-            <a:pPr marL="0" indent="0">
-              <a:buNone/>
-            </a:pPr>
-            <a:r>
-              <a:rPr lang="en-US" sz="2400" dirty="0">
-                <a:latin typeface="Consolas" panose="020B0609020204030204" pitchFamily="49" charset="0"/>
-                <a:cs typeface="Consolas" panose="020B0609020204030204" pitchFamily="49" charset="0"/>
-              </a:rPr>
-              <a:t>    &lt;body&gt;</a:t>
-            </a:r>
-          </a:p>
-          <a:p>
-            <a:pPr marL="0" indent="0">
-              <a:buNone/>
-            </a:pPr>
-            <a:r>
-              <a:rPr lang="en-US" sz="2400" dirty="0">
-                <a:latin typeface="Consolas" panose="020B0609020204030204" pitchFamily="49" charset="0"/>
-                <a:cs typeface="Consolas" panose="020B0609020204030204" pitchFamily="49" charset="0"/>
-              </a:rPr>
-              <a:t>        &lt;h1&gt;</a:t>
-            </a:r>
-            <a:r>
-              <a:rPr lang="en-US" sz="2400" dirty="0">
-                <a:solidFill>
-                  <a:srgbClr val="7030A0"/>
-                </a:solidFill>
-                <a:latin typeface="Consolas" panose="020B0609020204030204" pitchFamily="49" charset="0"/>
-                <a:cs typeface="Consolas" panose="020B0609020204030204" pitchFamily="49" charset="0"/>
-              </a:rPr>
-              <a:t>{{ name }}</a:t>
-            </a:r>
-            <a:r>
-              <a:rPr lang="en-US" sz="2400" dirty="0">
-                <a:latin typeface="Consolas" panose="020B0609020204030204" pitchFamily="49" charset="0"/>
-                <a:cs typeface="Consolas" panose="020B0609020204030204" pitchFamily="49" charset="0"/>
-              </a:rPr>
-              <a:t>&lt;/h1&gt;</a:t>
-            </a:r>
-          </a:p>
-          <a:p>
-            <a:pPr marL="0" indent="0">
-              <a:buNone/>
-            </a:pPr>
-            <a:r>
-              <a:rPr lang="en-US" sz="2400" dirty="0">
-                <a:latin typeface="Consolas" panose="020B0609020204030204" pitchFamily="49" charset="0"/>
-                <a:cs typeface="Consolas" panose="020B0609020204030204" pitchFamily="49" charset="0"/>
-              </a:rPr>
-              <a:t>        &lt;div&gt;</a:t>
-            </a:r>
-            <a:r>
-              <a:rPr lang="en-US" sz="2400" dirty="0">
-                <a:solidFill>
-                  <a:srgbClr val="7030A0"/>
-                </a:solidFill>
-                <a:latin typeface="Consolas" panose="020B0609020204030204" pitchFamily="49" charset="0"/>
-                <a:cs typeface="Consolas" panose="020B0609020204030204" pitchFamily="49" charset="0"/>
-              </a:rPr>
-              <a:t>{{ name }}</a:t>
-            </a:r>
-            <a:r>
-              <a:rPr lang="en-US" sz="2400" dirty="0">
-                <a:latin typeface="Consolas" panose="020B0609020204030204" pitchFamily="49" charset="0"/>
-                <a:cs typeface="Consolas" panose="020B0609020204030204" pitchFamily="49" charset="0"/>
-              </a:rPr>
-              <a:t> formed in </a:t>
-            </a:r>
-            <a:r>
-              <a:rPr lang="en-US" sz="2400" dirty="0">
-                <a:solidFill>
-                  <a:srgbClr val="7030A0"/>
-                </a:solidFill>
-                <a:latin typeface="Consolas" panose="020B0609020204030204" pitchFamily="49" charset="0"/>
-                <a:cs typeface="Consolas" panose="020B0609020204030204" pitchFamily="49" charset="0"/>
-              </a:rPr>
-              <a:t>{{ </a:t>
-            </a:r>
-            <a:r>
-              <a:rPr lang="en-US" sz="2400" dirty="0" err="1">
-                <a:solidFill>
-                  <a:srgbClr val="7030A0"/>
-                </a:solidFill>
-                <a:latin typeface="Consolas" panose="020B0609020204030204" pitchFamily="49" charset="0"/>
-                <a:cs typeface="Consolas" panose="020B0609020204030204" pitchFamily="49" charset="0"/>
-              </a:rPr>
-              <a:t>year_formed</a:t>
-            </a:r>
-            <a:r>
-              <a:rPr lang="en-US" sz="2400" dirty="0">
-                <a:solidFill>
-                  <a:srgbClr val="7030A0"/>
-                </a:solidFill>
-                <a:latin typeface="Consolas" panose="020B0609020204030204" pitchFamily="49" charset="0"/>
-                <a:cs typeface="Consolas" panose="020B0609020204030204" pitchFamily="49" charset="0"/>
-              </a:rPr>
-              <a:t> }}</a:t>
-            </a:r>
-            <a:r>
-              <a:rPr lang="en-US" sz="2400" dirty="0">
-                <a:latin typeface="Consolas" panose="020B0609020204030204" pitchFamily="49" charset="0"/>
-                <a:cs typeface="Consolas" panose="020B0609020204030204" pitchFamily="49" charset="0"/>
-              </a:rPr>
-              <a:t>&lt;/div&gt;</a:t>
-            </a:r>
-          </a:p>
-          <a:p>
-            <a:pPr marL="0" indent="0">
-              <a:buNone/>
-            </a:pPr>
-            <a:r>
-              <a:rPr lang="en-US" sz="2400" dirty="0">
-                <a:latin typeface="Consolas" panose="020B0609020204030204" pitchFamily="49" charset="0"/>
-                <a:cs typeface="Consolas" panose="020B0609020204030204" pitchFamily="49" charset="0"/>
-              </a:rPr>
-              <a:t>    &lt;/body&gt;</a:t>
-            </a:r>
-          </a:p>
-          <a:p>
-            <a:pPr marL="0" indent="0">
-              <a:buNone/>
-            </a:pPr>
-            <a:r>
-              <a:rPr lang="en-US" sz="2400" dirty="0">
-                <a:latin typeface="Consolas" panose="020B0609020204030204" pitchFamily="49" charset="0"/>
-                <a:cs typeface="Consolas" panose="020B0609020204030204" pitchFamily="49" charset="0"/>
-              </a:rPr>
-              <a:t>&lt;/html&gt;</a:t>
-            </a:r>
-          </a:p>
-        </p:txBody>
-      </p:sp>
-    </p:spTree>
-    <p:extLst>
-      <p:ext uri="{BB962C8B-B14F-4D97-AF65-F5344CB8AC3E}">
-        <p14:creationId xmlns:p14="http://schemas.microsoft.com/office/powerpoint/2010/main" val="2643601359"/>
-      </p:ext>
-    </p:extLst>
-  </p:cSld>
-  <p:clrMapOvr>
-    <a:masterClrMapping/>
-  </p:clrMapOvr>
-  <p:timing>
-    <p:tnLst>
-      <p:par>
-        <p:cTn id="1" dur="indefinite" restart="never" nodeType="tmRoot"/>
-      </p:par>
-    </p:tnLst>
-  </p:timing>
-</p:sld>
-</file>
-
-<file path=ppt/slides/slide13.xml><?xml version="1.0" encoding="utf-8"?>
-<p:sld xmlns:a="http://schemas.openxmlformats.org/drawingml/2006/main" xmlns:r="http://schemas.openxmlformats.org/officeDocument/2006/relationships" xmlns:p="http://schemas.openxmlformats.org/presentationml/2006/main">
-  <p:cSld>
-    <p:spTree>
-      <p:nvGrpSpPr>
-        <p:cNvPr id="1" name=""/>
-        <p:cNvGrpSpPr/>
-        <p:nvPr/>
-      </p:nvGrpSpPr>
-      <p:grpSpPr>
-        <a:xfrm>
-          <a:off x="0" y="0"/>
-          <a:ext cx="0" cy="0"/>
-          <a:chOff x="0" y="0"/>
-          <a:chExt cx="0" cy="0"/>
-        </a:xfrm>
-      </p:grpSpPr>
-      <p:sp>
-        <p:nvSpPr>
-          <p:cNvPr id="2" name="Title 1"/>
-          <p:cNvSpPr>
-            <a:spLocks noGrp="1"/>
-          </p:cNvSpPr>
-          <p:nvPr>
-            <p:ph type="title"/>
-          </p:nvPr>
-        </p:nvSpPr>
-        <p:spPr/>
-        <p:txBody>
-          <a:bodyPr/>
-          <a:lstStyle/>
-          <a:p>
-            <a:r>
-              <a:rPr lang="en-US" dirty="0" smtClean="0"/>
-              <a:t>Looping through collections</a:t>
-            </a:r>
-            <a:endParaRPr lang="en-US" dirty="0"/>
-          </a:p>
-        </p:txBody>
-      </p:sp>
-      <p:sp>
-        <p:nvSpPr>
-          <p:cNvPr id="3" name="Content Placeholder 2"/>
-          <p:cNvSpPr>
-            <a:spLocks noGrp="1"/>
-          </p:cNvSpPr>
-          <p:nvPr>
-            <p:ph sz="quarter" idx="10"/>
-          </p:nvPr>
-        </p:nvSpPr>
-        <p:spPr/>
-        <p:txBody>
-          <a:bodyPr/>
-          <a:lstStyle/>
-          <a:p>
-            <a:pPr marL="0" indent="0">
-              <a:buNone/>
-            </a:pPr>
-            <a:r>
-              <a:rPr lang="en-US" dirty="0" smtClean="0">
-                <a:latin typeface="Consolas" panose="020B0609020204030204" pitchFamily="49" charset="0"/>
-                <a:cs typeface="Consolas" panose="020B0609020204030204" pitchFamily="49" charset="0"/>
-              </a:rPr>
-              <a:t>&lt;</a:t>
-            </a:r>
-            <a:r>
-              <a:rPr lang="en-US" dirty="0" err="1" smtClean="0">
-                <a:latin typeface="Consolas" panose="020B0609020204030204" pitchFamily="49" charset="0"/>
-                <a:cs typeface="Consolas" panose="020B0609020204030204" pitchFamily="49" charset="0"/>
-              </a:rPr>
-              <a:t>ul</a:t>
-            </a:r>
-            <a:r>
-              <a:rPr lang="en-US" dirty="0" smtClean="0">
-                <a:latin typeface="Consolas" panose="020B0609020204030204" pitchFamily="49" charset="0"/>
-                <a:cs typeface="Consolas" panose="020B0609020204030204" pitchFamily="49" charset="0"/>
-              </a:rPr>
-              <a:t>&gt;</a:t>
-            </a:r>
-          </a:p>
-          <a:p>
-            <a:pPr marL="0" indent="0">
-              <a:buNone/>
-            </a:pPr>
-            <a:r>
-              <a:rPr lang="en-US" dirty="0" smtClean="0">
-                <a:latin typeface="Consolas" panose="020B0609020204030204" pitchFamily="49" charset="0"/>
-                <a:cs typeface="Consolas" panose="020B0609020204030204" pitchFamily="49" charset="0"/>
-              </a:rPr>
-              <a:t>	</a:t>
-            </a:r>
-            <a:r>
-              <a:rPr lang="en-US" dirty="0" smtClean="0">
-                <a:solidFill>
-                  <a:srgbClr val="7030A0"/>
-                </a:solidFill>
-                <a:latin typeface="Consolas" panose="020B0609020204030204" pitchFamily="49" charset="0"/>
-                <a:cs typeface="Consolas" panose="020B0609020204030204" pitchFamily="49" charset="0"/>
-              </a:rPr>
-              <a:t>{% for </a:t>
-            </a:r>
-            <a:r>
-              <a:rPr lang="en-US" dirty="0" smtClean="0">
-                <a:solidFill>
-                  <a:srgbClr val="C00000"/>
-                </a:solidFill>
-                <a:latin typeface="Consolas" panose="020B0609020204030204" pitchFamily="49" charset="0"/>
-                <a:cs typeface="Consolas" panose="020B0609020204030204" pitchFamily="49" charset="0"/>
-              </a:rPr>
-              <a:t>album</a:t>
-            </a:r>
-            <a:r>
-              <a:rPr lang="en-US" dirty="0" smtClean="0">
-                <a:solidFill>
-                  <a:srgbClr val="7030A0"/>
-                </a:solidFill>
-                <a:latin typeface="Consolas" panose="020B0609020204030204" pitchFamily="49" charset="0"/>
-                <a:cs typeface="Consolas" panose="020B0609020204030204" pitchFamily="49" charset="0"/>
-              </a:rPr>
-              <a:t> in </a:t>
-            </a:r>
-            <a:r>
-              <a:rPr lang="en-US" dirty="0" smtClean="0">
-                <a:solidFill>
-                  <a:srgbClr val="C00000"/>
-                </a:solidFill>
-                <a:latin typeface="Consolas" panose="020B0609020204030204" pitchFamily="49" charset="0"/>
-                <a:cs typeface="Consolas" panose="020B0609020204030204" pitchFamily="49" charset="0"/>
-              </a:rPr>
-              <a:t>albums</a:t>
-            </a:r>
-            <a:r>
-              <a:rPr lang="en-US" dirty="0" smtClean="0">
-                <a:solidFill>
-                  <a:srgbClr val="7030A0"/>
-                </a:solidFill>
-                <a:latin typeface="Consolas" panose="020B0609020204030204" pitchFamily="49" charset="0"/>
-                <a:cs typeface="Consolas" panose="020B0609020204030204" pitchFamily="49" charset="0"/>
-              </a:rPr>
-              <a:t> %}</a:t>
-            </a:r>
-          </a:p>
-          <a:p>
-            <a:pPr marL="0" indent="0">
-              <a:buNone/>
-            </a:pPr>
-            <a:r>
-              <a:rPr lang="en-US" dirty="0">
-                <a:latin typeface="Consolas" panose="020B0609020204030204" pitchFamily="49" charset="0"/>
-                <a:cs typeface="Consolas" panose="020B0609020204030204" pitchFamily="49" charset="0"/>
-              </a:rPr>
-              <a:t>	</a:t>
-            </a:r>
-            <a:r>
-              <a:rPr lang="en-US" dirty="0" smtClean="0">
-                <a:latin typeface="Consolas" panose="020B0609020204030204" pitchFamily="49" charset="0"/>
-                <a:cs typeface="Consolas" panose="020B0609020204030204" pitchFamily="49" charset="0"/>
-              </a:rPr>
-              <a:t>	&lt;li&gt;{{ album.name }}&lt;/li&gt;</a:t>
-            </a:r>
-          </a:p>
-          <a:p>
-            <a:pPr marL="0" indent="0">
-              <a:buNone/>
-            </a:pPr>
-            <a:r>
-              <a:rPr lang="en-US" dirty="0">
-                <a:latin typeface="Consolas" panose="020B0609020204030204" pitchFamily="49" charset="0"/>
-                <a:cs typeface="Consolas" panose="020B0609020204030204" pitchFamily="49" charset="0"/>
-              </a:rPr>
-              <a:t>	</a:t>
-            </a:r>
-            <a:r>
-              <a:rPr lang="en-US" dirty="0" smtClean="0">
-                <a:solidFill>
-                  <a:srgbClr val="7030A0"/>
-                </a:solidFill>
-                <a:latin typeface="Consolas" panose="020B0609020204030204" pitchFamily="49" charset="0"/>
-                <a:cs typeface="Consolas" panose="020B0609020204030204" pitchFamily="49" charset="0"/>
-              </a:rPr>
-              <a:t>{% </a:t>
-            </a:r>
-            <a:r>
-              <a:rPr lang="en-US" dirty="0" err="1" smtClean="0">
-                <a:solidFill>
-                  <a:srgbClr val="7030A0"/>
-                </a:solidFill>
-                <a:latin typeface="Consolas" panose="020B0609020204030204" pitchFamily="49" charset="0"/>
-                <a:cs typeface="Consolas" panose="020B0609020204030204" pitchFamily="49" charset="0"/>
-              </a:rPr>
-              <a:t>endfor</a:t>
-            </a:r>
-            <a:r>
-              <a:rPr lang="en-US" dirty="0" smtClean="0">
-                <a:solidFill>
-                  <a:srgbClr val="7030A0"/>
-                </a:solidFill>
-                <a:latin typeface="Consolas" panose="020B0609020204030204" pitchFamily="49" charset="0"/>
-                <a:cs typeface="Consolas" panose="020B0609020204030204" pitchFamily="49" charset="0"/>
-              </a:rPr>
-              <a:t> %}</a:t>
-            </a:r>
-          </a:p>
-          <a:p>
-            <a:pPr marL="0" indent="0">
-              <a:buNone/>
-            </a:pPr>
-            <a:r>
-              <a:rPr lang="en-US" dirty="0" smtClean="0">
-                <a:latin typeface="Consolas" panose="020B0609020204030204" pitchFamily="49" charset="0"/>
-                <a:cs typeface="Consolas" panose="020B0609020204030204" pitchFamily="49" charset="0"/>
-              </a:rPr>
-              <a:t>&lt;/</a:t>
-            </a:r>
-            <a:r>
-              <a:rPr lang="en-US" dirty="0" err="1" smtClean="0">
-                <a:latin typeface="Consolas" panose="020B0609020204030204" pitchFamily="49" charset="0"/>
-                <a:cs typeface="Consolas" panose="020B0609020204030204" pitchFamily="49" charset="0"/>
-              </a:rPr>
-              <a:t>ul</a:t>
-            </a:r>
-            <a:r>
-              <a:rPr lang="en-US" dirty="0" smtClean="0">
-                <a:latin typeface="Consolas" panose="020B0609020204030204" pitchFamily="49" charset="0"/>
-                <a:cs typeface="Consolas" panose="020B0609020204030204" pitchFamily="49" charset="0"/>
-              </a:rPr>
-              <a:t>&gt;</a:t>
-            </a:r>
-            <a:endParaRPr lang="en-US" dirty="0">
-              <a:latin typeface="Consolas" panose="020B0609020204030204" pitchFamily="49" charset="0"/>
-              <a:cs typeface="Consolas" panose="020B0609020204030204" pitchFamily="49" charset="0"/>
-            </a:endParaRPr>
-          </a:p>
-        </p:txBody>
-      </p:sp>
-    </p:spTree>
-    <p:extLst>
-      <p:ext uri="{BB962C8B-B14F-4D97-AF65-F5344CB8AC3E}">
-        <p14:creationId xmlns:p14="http://schemas.microsoft.com/office/powerpoint/2010/main" val="235959698"/>
-      </p:ext>
-    </p:extLst>
-  </p:cSld>
-  <p:clrMapOvr>
-    <a:masterClrMapping/>
-  </p:clrMapOvr>
-  <p:timing>
-    <p:tnLst>
-      <p:par>
-        <p:cTn id="1" dur="indefinite" restart="never" nodeType="tmRoot"/>
-      </p:par>
-    </p:tnLst>
-  </p:timing>
-</p:sld>
-</file>
-
-<file path=ppt/slides/slide14.xml><?xml version="1.0" encoding="utf-8"?>
-<p:sld xmlns:a="http://schemas.openxmlformats.org/drawingml/2006/main" xmlns:r="http://schemas.openxmlformats.org/officeDocument/2006/relationships" xmlns:p="http://schemas.openxmlformats.org/presentationml/2006/main">
-  <p:cSld>
-    <p:spTree>
-      <p:nvGrpSpPr>
-        <p:cNvPr id="1" name=""/>
-        <p:cNvGrpSpPr/>
-        <p:nvPr/>
-      </p:nvGrpSpPr>
-      <p:grpSpPr>
-        <a:xfrm>
-          <a:off x="0" y="0"/>
-          <a:ext cx="0" cy="0"/>
-          <a:chOff x="0" y="0"/>
-          <a:chExt cx="0" cy="0"/>
-        </a:xfrm>
-      </p:grpSpPr>
-      <p:sp>
-        <p:nvSpPr>
-          <p:cNvPr id="2" name="Title 1"/>
-          <p:cNvSpPr>
-            <a:spLocks noGrp="1"/>
-          </p:cNvSpPr>
-          <p:nvPr>
-            <p:ph type="title"/>
-          </p:nvPr>
-        </p:nvSpPr>
-        <p:spPr/>
-        <p:txBody>
-          <a:bodyPr/>
-          <a:lstStyle/>
-          <a:p>
-            <a:r>
-              <a:rPr lang="en-US" dirty="0" smtClean="0"/>
-              <a:t>How do I specify the use of a template</a:t>
-            </a:r>
-            <a:endParaRPr lang="en-US" dirty="0"/>
-          </a:p>
-        </p:txBody>
-      </p:sp>
-      <p:sp>
-        <p:nvSpPr>
-          <p:cNvPr id="3" name="Content Placeholder 2"/>
-          <p:cNvSpPr>
-            <a:spLocks noGrp="1"/>
-          </p:cNvSpPr>
-          <p:nvPr>
-            <p:ph sz="quarter" idx="10"/>
-          </p:nvPr>
-        </p:nvSpPr>
-        <p:spPr>
-          <a:xfrm>
-            <a:off x="379413" y="1388226"/>
-            <a:ext cx="11656068" cy="5290388"/>
-          </a:xfrm>
-        </p:spPr>
-        <p:txBody>
-          <a:bodyPr/>
-          <a:lstStyle/>
-          <a:p>
-            <a:r>
-              <a:rPr lang="en-US" dirty="0" smtClean="0"/>
-              <a:t>Use </a:t>
-            </a:r>
-            <a:r>
-              <a:rPr lang="en-US" b="1" dirty="0" err="1" smtClean="0"/>
-              <a:t>render_to_response</a:t>
-            </a:r>
-            <a:endParaRPr lang="en-US" dirty="0" smtClean="0"/>
-          </a:p>
-          <a:p>
-            <a:pPr marL="0" indent="0">
-              <a:buNone/>
-            </a:pPr>
-            <a:endParaRPr lang="en-US" b="1" dirty="0"/>
-          </a:p>
-          <a:p>
-            <a:pPr marL="0" indent="0">
-              <a:buNone/>
-            </a:pPr>
-            <a:r>
-              <a:rPr lang="en-US" sz="2400" dirty="0" smtClean="0">
-                <a:latin typeface="Consolas" panose="020B0609020204030204" pitchFamily="49" charset="0"/>
-                <a:cs typeface="Consolas" panose="020B0609020204030204" pitchFamily="49" charset="0"/>
-              </a:rPr>
-              <a:t>return </a:t>
-            </a:r>
-            <a:r>
-              <a:rPr lang="en-US" sz="2400" dirty="0" err="1" smtClean="0">
-                <a:latin typeface="Consolas" panose="020B0609020204030204" pitchFamily="49" charset="0"/>
-                <a:cs typeface="Consolas" panose="020B0609020204030204" pitchFamily="49" charset="0"/>
-              </a:rPr>
-              <a:t>render_to_response</a:t>
-            </a:r>
-            <a:r>
-              <a:rPr lang="en-US" sz="2400" dirty="0" smtClean="0">
-                <a:latin typeface="Consolas" panose="020B0609020204030204" pitchFamily="49" charset="0"/>
-                <a:cs typeface="Consolas" panose="020B0609020204030204" pitchFamily="49" charset="0"/>
-              </a:rPr>
-              <a:t>('template.html', {'</a:t>
-            </a:r>
-            <a:r>
-              <a:rPr lang="en-US" sz="2400" dirty="0" err="1" smtClean="0">
-                <a:latin typeface="Consolas" panose="020B0609020204030204" pitchFamily="49" charset="0"/>
-                <a:cs typeface="Consolas" panose="020B0609020204030204" pitchFamily="49" charset="0"/>
-              </a:rPr>
-              <a:t>variable_name':value</a:t>
-            </a:r>
-            <a:r>
-              <a:rPr lang="en-US" sz="2400" dirty="0" smtClean="0">
-                <a:latin typeface="Consolas" panose="020B0609020204030204" pitchFamily="49" charset="0"/>
-                <a:cs typeface="Consolas" panose="020B0609020204030204" pitchFamily="49" charset="0"/>
-              </a:rPr>
-              <a:t>});</a:t>
-            </a:r>
-          </a:p>
-          <a:p>
-            <a:pPr marL="0" indent="0">
-              <a:buNone/>
-            </a:pPr>
-            <a:endParaRPr lang="en-US" dirty="0"/>
-          </a:p>
-          <a:p>
-            <a:r>
-              <a:rPr lang="en-US" dirty="0" smtClean="0"/>
-              <a:t>First parameter is the name of the template</a:t>
-            </a:r>
-          </a:p>
-          <a:p>
-            <a:r>
-              <a:rPr lang="en-US" dirty="0" smtClean="0"/>
-              <a:t>The second parameter is the collection of variables the template expects</a:t>
-            </a:r>
-            <a:endParaRPr lang="en-US" dirty="0"/>
-          </a:p>
-        </p:txBody>
-      </p:sp>
-    </p:spTree>
-    <p:extLst>
-      <p:ext uri="{BB962C8B-B14F-4D97-AF65-F5344CB8AC3E}">
-        <p14:creationId xmlns:p14="http://schemas.microsoft.com/office/powerpoint/2010/main" val="2976823895"/>
-      </p:ext>
-    </p:extLst>
-  </p:cSld>
-  <p:clrMapOvr>
-    <a:masterClrMapping/>
-  </p:clrMapOvr>
-  <p:timing>
-    <p:tnLst>
-      <p:par>
-        <p:cTn id="1" dur="indefinite" restart="never" nodeType="tmRoot"/>
-      </p:par>
-    </p:tnLst>
-  </p:timing>
-</p:sld>
-</file>
-
-<file path=ppt/slides/slide15.xml><?xml version="1.0" encoding="utf-8"?>
-<p:sld xmlns:a="http://schemas.openxmlformats.org/drawingml/2006/main" xmlns:r="http://schemas.openxmlformats.org/officeDocument/2006/relationships" xmlns:p="http://schemas.openxmlformats.org/presentationml/2006/main">
-  <p:cSld>
-    <p:spTree>
-      <p:nvGrpSpPr>
-        <p:cNvPr id="1" name=""/>
-        <p:cNvGrpSpPr/>
-        <p:nvPr/>
-      </p:nvGrpSpPr>
-      <p:grpSpPr>
-        <a:xfrm>
-          <a:off x="0" y="0"/>
-          <a:ext cx="0" cy="0"/>
-          <a:chOff x="0" y="0"/>
-          <a:chExt cx="0" cy="0"/>
-        </a:xfrm>
-      </p:grpSpPr>
-      <p:sp>
-        <p:nvSpPr>
-          <p:cNvPr id="4" name="Title 3"/>
-          <p:cNvSpPr>
-            <a:spLocks noGrp="1"/>
-          </p:cNvSpPr>
-          <p:nvPr>
-            <p:ph type="title"/>
-          </p:nvPr>
-        </p:nvSpPr>
-        <p:spPr/>
-        <p:txBody>
-          <a:bodyPr/>
-          <a:lstStyle/>
-          <a:p>
-            <a:r>
-              <a:rPr lang="en-US" dirty="0" smtClean="0"/>
-              <a:t>Using a template</a:t>
-            </a:r>
-            <a:endParaRPr lang="en-US" dirty="0"/>
-          </a:p>
-        </p:txBody>
-      </p:sp>
-    </p:spTree>
-    <p:extLst>
-      <p:ext uri="{BB962C8B-B14F-4D97-AF65-F5344CB8AC3E}">
-        <p14:creationId xmlns:p14="http://schemas.microsoft.com/office/powerpoint/2010/main" val="4268484452"/>
-      </p:ext>
-    </p:extLst>
-  </p:cSld>
-  <p:clrMapOvr>
-    <a:masterClrMapping/>
-  </p:clrMapOvr>
-  <p:timing>
-    <p:tnLst>
-      <p:par>
-        <p:cTn id="1" dur="indefinite" restart="never" nodeType="tmRoot"/>
-      </p:par>
-    </p:tnLst>
-  </p:timing>
-</p:sld>
-</file>
-
-<file path=ppt/slides/slide16.xml><?xml version="1.0" encoding="utf-8"?>
-<p:sld xmlns:a="http://schemas.openxmlformats.org/drawingml/2006/main" xmlns:r="http://schemas.openxmlformats.org/officeDocument/2006/relationships" xmlns:p="http://schemas.openxmlformats.org/presentationml/2006/main">
-  <p:cSld>
-    <p:spTree>
-      <p:nvGrpSpPr>
-        <p:cNvPr id="1" name=""/>
-        <p:cNvGrpSpPr/>
-        <p:nvPr/>
-      </p:nvGrpSpPr>
-      <p:grpSpPr>
-        <a:xfrm>
-          <a:off x="0" y="0"/>
-          <a:ext cx="0" cy="0"/>
-          <a:chOff x="0" y="0"/>
-          <a:chExt cx="0" cy="0"/>
-        </a:xfrm>
-      </p:grpSpPr>
-      <p:sp>
-        <p:nvSpPr>
-          <p:cNvPr id="4" name="Text Placeholder 3"/>
-          <p:cNvSpPr>
-            <a:spLocks noGrp="1"/>
-          </p:cNvSpPr>
-          <p:nvPr>
-            <p:ph type="body" sz="quarter" idx="10"/>
-          </p:nvPr>
-        </p:nvSpPr>
-        <p:spPr/>
-        <p:txBody>
-          <a:bodyPr/>
-          <a:lstStyle/>
-          <a:p>
-            <a:r>
-              <a:rPr lang="en-US" dirty="0" smtClean="0"/>
-              <a:t>Forms</a:t>
-            </a:r>
-            <a:endParaRPr lang="en-US" dirty="0"/>
-          </a:p>
-        </p:txBody>
-      </p:sp>
-      <p:sp>
-        <p:nvSpPr>
-          <p:cNvPr id="3" name="Subtitle 2"/>
-          <p:cNvSpPr>
-            <a:spLocks noGrp="1"/>
-          </p:cNvSpPr>
-          <p:nvPr>
-            <p:ph type="subTitle" idx="1"/>
-          </p:nvPr>
-        </p:nvSpPr>
-        <p:spPr/>
-        <p:txBody>
-          <a:bodyPr/>
-          <a:lstStyle/>
-          <a:p>
-            <a:endParaRPr lang="en-US" dirty="0"/>
-          </a:p>
-        </p:txBody>
-      </p:sp>
-    </p:spTree>
-    <p:extLst>
-      <p:ext uri="{BB962C8B-B14F-4D97-AF65-F5344CB8AC3E}">
-        <p14:creationId xmlns:p14="http://schemas.microsoft.com/office/powerpoint/2010/main" val="2666250908"/>
-      </p:ext>
-    </p:extLst>
-  </p:cSld>
-  <p:clrMapOvr>
-    <a:masterClrMapping/>
-  </p:clrMapOvr>
-</p:sld>
-</file>
-
-<file path=ppt/slides/slide17.xml><?xml version="1.0" encoding="utf-8"?>
-<p:sld xmlns:a="http://schemas.openxmlformats.org/drawingml/2006/main" xmlns:r="http://schemas.openxmlformats.org/officeDocument/2006/relationships" xmlns:p="http://schemas.openxmlformats.org/presentationml/2006/main">
-  <p:cSld>
-    <p:spTree>
-      <p:nvGrpSpPr>
-        <p:cNvPr id="1" name=""/>
-        <p:cNvGrpSpPr/>
-        <p:nvPr/>
-      </p:nvGrpSpPr>
-      <p:grpSpPr>
-        <a:xfrm>
-          <a:off x="0" y="0"/>
-          <a:ext cx="0" cy="0"/>
-          <a:chOff x="0" y="0"/>
-          <a:chExt cx="0" cy="0"/>
-        </a:xfrm>
-      </p:grpSpPr>
-      <p:sp>
-        <p:nvSpPr>
-          <p:cNvPr id="4" name="Title 3"/>
-          <p:cNvSpPr>
-            <a:spLocks noGrp="1"/>
-          </p:cNvSpPr>
-          <p:nvPr>
-            <p:ph type="title"/>
-          </p:nvPr>
-        </p:nvSpPr>
-        <p:spPr/>
-        <p:txBody>
-          <a:bodyPr/>
-          <a:lstStyle/>
-          <a:p>
-            <a:r>
-              <a:rPr lang="en-US" dirty="0" smtClean="0"/>
-              <a:t>How do we submit data?</a:t>
-            </a:r>
-            <a:endParaRPr lang="en-US" dirty="0"/>
-          </a:p>
-        </p:txBody>
-      </p:sp>
-      <p:sp>
-        <p:nvSpPr>
-          <p:cNvPr id="5" name="Content Placeholder 4"/>
-          <p:cNvSpPr>
-            <a:spLocks noGrp="1"/>
-          </p:cNvSpPr>
-          <p:nvPr>
-            <p:ph sz="quarter" idx="10"/>
-          </p:nvPr>
-        </p:nvSpPr>
-        <p:spPr/>
-        <p:txBody>
-          <a:bodyPr/>
-          <a:lstStyle/>
-          <a:p>
-            <a:r>
-              <a:rPr lang="en-US" dirty="0" smtClean="0"/>
-              <a:t>Data is of course submitted by using forms</a:t>
-            </a:r>
-          </a:p>
-          <a:p>
-            <a:r>
-              <a:rPr lang="en-US" dirty="0" smtClean="0"/>
-              <a:t>You could, if you wanted to, create your forms manually</a:t>
-            </a:r>
-          </a:p>
-          <a:p>
-            <a:pPr lvl="1"/>
-            <a:r>
-              <a:rPr lang="en-US" dirty="0" smtClean="0"/>
-              <a:t>Additional work</a:t>
-            </a:r>
-          </a:p>
-          <a:p>
-            <a:pPr lvl="1"/>
-            <a:r>
-              <a:rPr lang="en-US" dirty="0" smtClean="0"/>
-              <a:t>Doesn't deal well with changes to the model</a:t>
-            </a:r>
-            <a:endParaRPr lang="en-US" dirty="0"/>
-          </a:p>
-        </p:txBody>
-      </p:sp>
-    </p:spTree>
-    <p:extLst>
-      <p:ext uri="{BB962C8B-B14F-4D97-AF65-F5344CB8AC3E}">
-        <p14:creationId xmlns:p14="http://schemas.microsoft.com/office/powerpoint/2010/main" val="3068523135"/>
-      </p:ext>
-    </p:extLst>
-  </p:cSld>
-  <p:clrMapOvr>
-    <a:masterClrMapping/>
-  </p:clrMapOvr>
-</p:sld>
-</file>
-
-<file path=ppt/slides/slide18.xml><?xml version="1.0" encoding="utf-8"?>
-<p:sld xmlns:a="http://schemas.openxmlformats.org/drawingml/2006/main" xmlns:r="http://schemas.openxmlformats.org/officeDocument/2006/relationships" xmlns:p="http://schemas.openxmlformats.org/presentationml/2006/main">
-  <p:cSld>
-    <p:spTree>
-      <p:nvGrpSpPr>
-        <p:cNvPr id="1" name=""/>
-        <p:cNvGrpSpPr/>
-        <p:nvPr/>
-      </p:nvGrpSpPr>
-      <p:grpSpPr>
-        <a:xfrm>
-          <a:off x="0" y="0"/>
-          <a:ext cx="0" cy="0"/>
-          <a:chOff x="0" y="0"/>
-          <a:chExt cx="0" cy="0"/>
-        </a:xfrm>
-      </p:grpSpPr>
-      <p:sp>
-        <p:nvSpPr>
-          <p:cNvPr id="2" name="Title 1"/>
-          <p:cNvSpPr>
-            <a:spLocks noGrp="1"/>
-          </p:cNvSpPr>
-          <p:nvPr>
-            <p:ph type="title"/>
-          </p:nvPr>
-        </p:nvSpPr>
-        <p:spPr/>
-        <p:txBody>
-          <a:bodyPr/>
-          <a:lstStyle/>
-          <a:p>
-            <a:r>
-              <a:rPr lang="en-US" dirty="0" smtClean="0"/>
-              <a:t>Can Django create forms for us?</a:t>
-            </a:r>
-            <a:endParaRPr lang="en-US" dirty="0"/>
-          </a:p>
-        </p:txBody>
-      </p:sp>
-      <p:sp>
-        <p:nvSpPr>
-          <p:cNvPr id="3" name="Content Placeholder 2"/>
-          <p:cNvSpPr>
-            <a:spLocks noGrp="1"/>
-          </p:cNvSpPr>
-          <p:nvPr>
-            <p:ph sz="quarter" idx="10"/>
-          </p:nvPr>
-        </p:nvSpPr>
-        <p:spPr/>
-        <p:txBody>
-          <a:bodyPr/>
-          <a:lstStyle/>
-          <a:p>
-            <a:r>
-              <a:rPr lang="en-US" dirty="0" smtClean="0"/>
-              <a:t>As a matter of fact, it can!</a:t>
-            </a:r>
-          </a:p>
-          <a:p>
-            <a:endParaRPr lang="en-US" dirty="0"/>
-          </a:p>
-          <a:p>
-            <a:r>
-              <a:rPr lang="en-US" dirty="0" smtClean="0"/>
-              <a:t>(it'd have been silly to create a slide asking that if the answer was "no")</a:t>
-            </a:r>
-            <a:endParaRPr lang="en-US" dirty="0"/>
-          </a:p>
-        </p:txBody>
-      </p:sp>
-    </p:spTree>
-    <p:extLst>
-      <p:ext uri="{BB962C8B-B14F-4D97-AF65-F5344CB8AC3E}">
-        <p14:creationId xmlns:p14="http://schemas.microsoft.com/office/powerpoint/2010/main" val="1458596583"/>
-      </p:ext>
-    </p:extLst>
-  </p:cSld>
-  <p:clrMapOvr>
-    <a:masterClrMapping/>
-  </p:clrMapOvr>
-</p:sld>
-</file>
-
-<file path=ppt/slides/slide19.xml><?xml version="1.0" encoding="utf-8"?>
-<p:sld xmlns:a="http://schemas.openxmlformats.org/drawingml/2006/main" xmlns:r="http://schemas.openxmlformats.org/officeDocument/2006/relationships" xmlns:p="http://schemas.openxmlformats.org/presentationml/2006/main">
-  <p:cSld>
-    <p:spTree>
-      <p:nvGrpSpPr>
-        <p:cNvPr id="1" name=""/>
-        <p:cNvGrpSpPr/>
-        <p:nvPr/>
-      </p:nvGrpSpPr>
-      <p:grpSpPr>
-        <a:xfrm>
-          <a:off x="0" y="0"/>
-          <a:ext cx="0" cy="0"/>
-          <a:chOff x="0" y="0"/>
-          <a:chExt cx="0" cy="0"/>
-        </a:xfrm>
-      </p:grpSpPr>
-      <p:sp>
-        <p:nvSpPr>
-          <p:cNvPr id="2" name="Title 1"/>
-          <p:cNvSpPr>
-            <a:spLocks noGrp="1"/>
-          </p:cNvSpPr>
-          <p:nvPr>
-            <p:ph type="title"/>
-          </p:nvPr>
-        </p:nvSpPr>
-        <p:spPr/>
-        <p:txBody>
-          <a:bodyPr/>
-          <a:lstStyle/>
-          <a:p>
-            <a:r>
-              <a:rPr lang="en-US" dirty="0" smtClean="0"/>
-              <a:t>How can we create forms using Django</a:t>
-            </a:r>
-            <a:endParaRPr lang="en-US" dirty="0"/>
-          </a:p>
-        </p:txBody>
-      </p:sp>
-      <p:sp>
-        <p:nvSpPr>
-          <p:cNvPr id="3" name="Content Placeholder 2"/>
-          <p:cNvSpPr>
-            <a:spLocks noGrp="1"/>
-          </p:cNvSpPr>
-          <p:nvPr>
-            <p:ph sz="quarter" idx="10"/>
-          </p:nvPr>
-        </p:nvSpPr>
-        <p:spPr/>
-        <p:txBody>
-          <a:bodyPr/>
-          <a:lstStyle/>
-          <a:p>
-            <a:r>
-              <a:rPr lang="en-US" dirty="0" smtClean="0"/>
-              <a:t>Create a form class</a:t>
-            </a:r>
-          </a:p>
-          <a:p>
-            <a:r>
-              <a:rPr lang="en-US" dirty="0" smtClean="0"/>
-              <a:t>Bind a form class to a model</a:t>
-            </a:r>
-            <a:endParaRPr lang="en-US" dirty="0"/>
-          </a:p>
-        </p:txBody>
-      </p:sp>
-    </p:spTree>
-    <p:extLst>
-      <p:ext uri="{BB962C8B-B14F-4D97-AF65-F5344CB8AC3E}">
-        <p14:creationId xmlns:p14="http://schemas.microsoft.com/office/powerpoint/2010/main" val="1523218387"/>
-      </p:ext>
-    </p:extLst>
-  </p:cSld>
-  <p:clrMapOvr>
-    <a:masterClrMapping/>
-  </p:clrMapOvr>
-</p:sld>
-</file>
-
-<file path=ppt/slides/slide2.xml><?xml version="1.0" encoding="utf-8"?>
-<p:sld xmlns:a="http://schemas.openxmlformats.org/drawingml/2006/main" xmlns:r="http://schemas.openxmlformats.org/officeDocument/2006/relationships" xmlns:p="http://schemas.openxmlformats.org/presentationml/2006/main">
-  <p:cSld>
-    <p:spTree>
-      <p:nvGrpSpPr>
-        <p:cNvPr id="1" name=""/>
-        <p:cNvGrpSpPr/>
-        <p:nvPr/>
-      </p:nvGrpSpPr>
-      <p:grpSpPr>
-        <a:xfrm>
-          <a:off x="0" y="0"/>
-          <a:ext cx="0" cy="0"/>
-          <a:chOff x="0" y="0"/>
-          <a:chExt cx="0" cy="0"/>
-        </a:xfrm>
-      </p:grpSpPr>
-      <p:sp>
-        <p:nvSpPr>
-          <p:cNvPr id="7" name="Content Placeholder 6"/>
-          <p:cNvSpPr>
-            <a:spLocks noGrp="1"/>
-          </p:cNvSpPr>
-          <p:nvPr>
-            <p:ph sz="quarter" idx="10"/>
-          </p:nvPr>
-        </p:nvSpPr>
-        <p:spPr/>
-        <p:txBody>
-          <a:bodyPr>
-            <a:normAutofit/>
-          </a:bodyPr>
-          <a:lstStyle/>
-          <a:p>
-            <a:r>
-              <a:rPr lang="en-GB" dirty="0" smtClean="0"/>
-              <a:t>Executing code for the user</a:t>
-            </a:r>
-          </a:p>
-          <a:p>
-            <a:r>
-              <a:rPr lang="en-GB" dirty="0" smtClean="0"/>
-              <a:t>Using templates</a:t>
-            </a:r>
-          </a:p>
-          <a:p>
-            <a:r>
-              <a:rPr lang="en-GB" dirty="0" smtClean="0"/>
-              <a:t>Ensuring </a:t>
-            </a:r>
-            <a:r>
-              <a:rPr lang="en-GB" dirty="0" smtClean="0"/>
-              <a:t>consistency</a:t>
-            </a:r>
-          </a:p>
-          <a:p>
-            <a:r>
-              <a:rPr lang="en-GB" dirty="0" smtClean="0"/>
-              <a:t>Forms</a:t>
-            </a:r>
-            <a:endParaRPr lang="en-GB" dirty="0" smtClean="0"/>
-          </a:p>
-        </p:txBody>
-      </p:sp>
-      <p:sp>
-        <p:nvSpPr>
-          <p:cNvPr id="2" name="Title 1"/>
-          <p:cNvSpPr>
-            <a:spLocks noGrp="1"/>
-          </p:cNvSpPr>
-          <p:nvPr>
-            <p:ph type="title"/>
-          </p:nvPr>
-        </p:nvSpPr>
-        <p:spPr/>
-        <p:txBody>
-          <a:bodyPr/>
-          <a:lstStyle/>
-          <a:p>
-            <a:r>
-              <a:rPr lang="en-US" dirty="0" smtClean="0"/>
-              <a:t>Module Overview</a:t>
-            </a:r>
-            <a:endParaRPr lang="en-US" dirty="0"/>
-          </a:p>
-        </p:txBody>
-      </p:sp>
-    </p:spTree>
-    <p:extLst>
-      <p:ext uri="{BB962C8B-B14F-4D97-AF65-F5344CB8AC3E}">
-        <p14:creationId xmlns:p14="http://schemas.microsoft.com/office/powerpoint/2010/main" val="318349970"/>
-      </p:ext>
-    </p:extLst>
-  </p:cSld>
-  <p:clrMapOvr>
-    <a:masterClrMapping/>
-  </p:clrMapOvr>
-  <p:timing>
-    <p:tnLst>
-      <p:par>
-        <p:cTn id="1" dur="indefinite" restart="never" nodeType="tmRoot"/>
-      </p:par>
-    </p:tnLst>
-  </p:timing>
-</p:sld>
-</file>
-
-<file path=ppt/slides/slide20.xml><?xml version="1.0" encoding="utf-8"?>
-<p:sld xmlns:a="http://schemas.openxmlformats.org/drawingml/2006/main" xmlns:r="http://schemas.openxmlformats.org/officeDocument/2006/relationships" xmlns:p="http://schemas.openxmlformats.org/presentationml/2006/main">
-  <p:cSld>
-    <p:spTree>
-      <p:nvGrpSpPr>
-        <p:cNvPr id="1" name=""/>
-        <p:cNvGrpSpPr/>
-        <p:nvPr/>
-      </p:nvGrpSpPr>
-      <p:grpSpPr>
-        <a:xfrm>
-          <a:off x="0" y="0"/>
-          <a:ext cx="0" cy="0"/>
-          <a:chOff x="0" y="0"/>
-          <a:chExt cx="0" cy="0"/>
-        </a:xfrm>
-      </p:grpSpPr>
-      <p:sp>
-        <p:nvSpPr>
-          <p:cNvPr id="2" name="Title 1"/>
-          <p:cNvSpPr>
-            <a:spLocks noGrp="1"/>
-          </p:cNvSpPr>
-          <p:nvPr>
-            <p:ph type="title"/>
-          </p:nvPr>
-        </p:nvSpPr>
-        <p:spPr/>
-        <p:txBody>
-          <a:bodyPr/>
-          <a:lstStyle/>
-          <a:p>
-            <a:r>
-              <a:rPr lang="en-US" dirty="0" smtClean="0"/>
-              <a:t>Form class</a:t>
-            </a:r>
-            <a:endParaRPr lang="en-US" dirty="0"/>
-          </a:p>
-        </p:txBody>
-      </p:sp>
-      <mc:AlternateContent xmlns:mc="http://schemas.openxmlformats.org/markup-compatibility/2006">
-        <mc:Choice xmlns:we="http://schemas.microsoft.com/office/webextensions/webextension/2010/11" xmlns:pca="http://schemas.microsoft.com/office/powerpoint/2013/contentapp" Requires="we pca">
-          <p:graphicFrame>
-            <p:nvGraphicFramePr>
-              <p:cNvPr id="5" name="App 4"/>
-              <p:cNvGraphicFramePr>
-                <a:graphicFrameLocks noGrp="1"/>
-              </p:cNvGraphicFramePr>
-              <p:nvPr>
-                <p:extLst>
-                  <p:ext uri="{D42A27DB-BD31-4B8C-83A1-F6EECF244321}">
-                    <p14:modId xmlns:p14="http://schemas.microsoft.com/office/powerpoint/2010/main" val="1528491717"/>
-                  </p:ext>
-                </p:extLst>
-              </p:nvPr>
-            </p:nvGraphicFramePr>
-            <p:xfrm>
-              <a:off x="379513" y="903382"/>
-              <a:ext cx="11364467" cy="5706737"/>
-            </p:xfrm>
-            <a:graphic>
-              <a:graphicData uri="http://schemas.microsoft.com/office/webextensions/webextension/2010/11">
-                <we:webextensionref xmlns:we="http://schemas.microsoft.com/office/webextensions/webextension/2010/11" xmlns:r="http://schemas.openxmlformats.org/officeDocument/2006/relationships" r:id="rId2"/>
-              </a:graphicData>
-            </a:graphic>
-          </p:graphicFrame>
-        </mc:Choice>
-        <mc:Fallback>
-          <p:pic>
-            <p:nvPicPr>
-              <p:cNvPr id="5" name="App 4"/>
-              <p:cNvPicPr>
-                <a:picLocks noGrp="1" noRot="1" noChangeAspect="1" noMove="1" noResize="1" noEditPoints="1" noAdjustHandles="1" noChangeArrowheads="1" noChangeShapeType="1"/>
-              </p:cNvPicPr>
-              <p:nvPr/>
-            </p:nvPicPr>
-            <p:blipFill>
-              <a:blip r:embed="rId3"/>
-              <a:stretch>
-                <a:fillRect/>
-              </a:stretch>
-            </p:blipFill>
-            <p:spPr>
-              <a:xfrm>
-                <a:off x="379513" y="903382"/>
-                <a:ext cx="11364467" cy="5706737"/>
-              </a:xfrm>
-              <a:prstGeom prst="rect">
-                <a:avLst/>
-              </a:prstGeom>
-            </p:spPr>
-          </p:pic>
-        </mc:Fallback>
-      </mc:AlternateContent>
-    </p:spTree>
-    <p:extLst>
-      <p:ext uri="{BB962C8B-B14F-4D97-AF65-F5344CB8AC3E}">
-        <p14:creationId xmlns:p14="http://schemas.microsoft.com/office/powerpoint/2010/main" val="1262262059"/>
-      </p:ext>
-    </p:extLst>
-  </p:cSld>
-  <p:clrMapOvr>
-    <a:masterClrMapping/>
-  </p:clrMapOvr>
-</p:sld>
-</file>
-
-<file path=ppt/slides/slide21.xml><?xml version="1.0" encoding="utf-8"?>
-<p:sld xmlns:a="http://schemas.openxmlformats.org/drawingml/2006/main" xmlns:r="http://schemas.openxmlformats.org/officeDocument/2006/relationships" xmlns:p="http://schemas.openxmlformats.org/presentationml/2006/main">
-  <p:cSld>
-    <p:spTree>
-      <p:nvGrpSpPr>
-        <p:cNvPr id="1" name=""/>
-        <p:cNvGrpSpPr/>
-        <p:nvPr/>
-      </p:nvGrpSpPr>
-      <p:grpSpPr>
-        <a:xfrm>
-          <a:off x="0" y="0"/>
-          <a:ext cx="0" cy="0"/>
-          <a:chOff x="0" y="0"/>
-          <a:chExt cx="0" cy="0"/>
-        </a:xfrm>
-      </p:grpSpPr>
-      <p:sp>
-        <p:nvSpPr>
-          <p:cNvPr id="2" name="Title 1"/>
-          <p:cNvSpPr>
-            <a:spLocks noGrp="1"/>
-          </p:cNvSpPr>
-          <p:nvPr>
-            <p:ph type="title"/>
-          </p:nvPr>
-        </p:nvSpPr>
-        <p:spPr/>
-        <p:txBody>
-          <a:bodyPr/>
-          <a:lstStyle/>
-          <a:p>
-            <a:r>
-              <a:rPr lang="en-US" dirty="0" err="1" smtClean="0"/>
-              <a:t>ModelForm</a:t>
-            </a:r>
-            <a:endParaRPr lang="en-US" dirty="0"/>
-          </a:p>
-        </p:txBody>
-      </p:sp>
-      <mc:AlternateContent xmlns:mc="http://schemas.openxmlformats.org/markup-compatibility/2006">
-        <mc:Choice xmlns:we="http://schemas.microsoft.com/office/webextensions/webextension/2010/11" xmlns:pca="http://schemas.microsoft.com/office/powerpoint/2013/contentapp" Requires="we pca">
-          <p:graphicFrame>
-            <p:nvGraphicFramePr>
-              <p:cNvPr id="4" name="App 3"/>
-              <p:cNvGraphicFramePr>
-                <a:graphicFrameLocks noGrp="1"/>
-              </p:cNvGraphicFramePr>
-              <p:nvPr>
-                <p:extLst>
-                  <p:ext uri="{D42A27DB-BD31-4B8C-83A1-F6EECF244321}">
-                    <p14:modId xmlns:p14="http://schemas.microsoft.com/office/powerpoint/2010/main" val="535201881"/>
-                  </p:ext>
-                </p:extLst>
-              </p:nvPr>
-            </p:nvGraphicFramePr>
-            <p:xfrm>
-              <a:off x="528809" y="1057619"/>
-              <a:ext cx="11468559" cy="5662670"/>
-            </p:xfrm>
-            <a:graphic>
-              <a:graphicData uri="http://schemas.microsoft.com/office/webextensions/webextension/2010/11">
-                <we:webextensionref xmlns:we="http://schemas.microsoft.com/office/webextensions/webextension/2010/11" xmlns:r="http://schemas.openxmlformats.org/officeDocument/2006/relationships" r:id="rId2"/>
-              </a:graphicData>
-            </a:graphic>
-          </p:graphicFrame>
-        </mc:Choice>
-        <mc:Fallback>
-          <p:pic>
-            <p:nvPicPr>
-              <p:cNvPr id="4" name="App 3"/>
-              <p:cNvPicPr>
-                <a:picLocks noGrp="1" noRot="1" noChangeAspect="1" noMove="1" noResize="1" noEditPoints="1" noAdjustHandles="1" noChangeArrowheads="1" noChangeShapeType="1"/>
-              </p:cNvPicPr>
-              <p:nvPr/>
-            </p:nvPicPr>
-            <p:blipFill>
-              <a:blip r:embed="rId3"/>
-              <a:stretch>
-                <a:fillRect/>
-              </a:stretch>
-            </p:blipFill>
-            <p:spPr>
-              <a:xfrm>
-                <a:off x="528809" y="1057619"/>
-                <a:ext cx="11468559" cy="5662670"/>
-              </a:xfrm>
-              <a:prstGeom prst="rect">
-                <a:avLst/>
-              </a:prstGeom>
-            </p:spPr>
-          </p:pic>
-        </mc:Fallback>
-      </mc:AlternateContent>
-    </p:spTree>
-    <p:extLst>
-      <p:ext uri="{BB962C8B-B14F-4D97-AF65-F5344CB8AC3E}">
-        <p14:creationId xmlns:p14="http://schemas.microsoft.com/office/powerpoint/2010/main" val="3553464778"/>
-      </p:ext>
-    </p:extLst>
-  </p:cSld>
-  <p:clrMapOvr>
-    <a:masterClrMapping/>
-  </p:clrMapOvr>
-</p:sld>
-</file>
-
-<file path=ppt/slides/slide22.xml><?xml version="1.0" encoding="utf-8"?>
-<p:sld xmlns:a="http://schemas.openxmlformats.org/drawingml/2006/main" xmlns:r="http://schemas.openxmlformats.org/officeDocument/2006/relationships" xmlns:p="http://schemas.openxmlformats.org/presentationml/2006/main">
-  <p:cSld>
-    <p:spTree>
-      <p:nvGrpSpPr>
-        <p:cNvPr id="1" name=""/>
-        <p:cNvGrpSpPr/>
-        <p:nvPr/>
-      </p:nvGrpSpPr>
-      <p:grpSpPr>
-        <a:xfrm>
-          <a:off x="0" y="0"/>
-          <a:ext cx="0" cy="0"/>
-          <a:chOff x="0" y="0"/>
-          <a:chExt cx="0" cy="0"/>
-        </a:xfrm>
-      </p:grpSpPr>
-      <p:sp>
-        <p:nvSpPr>
-          <p:cNvPr id="2" name="Title 1"/>
-          <p:cNvSpPr>
-            <a:spLocks noGrp="1"/>
-          </p:cNvSpPr>
-          <p:nvPr>
-            <p:ph type="title"/>
-          </p:nvPr>
-        </p:nvSpPr>
-        <p:spPr/>
-        <p:txBody>
-          <a:bodyPr>
-            <a:normAutofit fontScale="90000"/>
-          </a:bodyPr>
-          <a:lstStyle/>
-          <a:p>
-            <a:r>
-              <a:rPr lang="en-US" dirty="0" smtClean="0"/>
-              <a:t>What's the advantage of binding the form to the model?</a:t>
-            </a:r>
-            <a:endParaRPr lang="en-US" dirty="0"/>
-          </a:p>
-        </p:txBody>
-      </p:sp>
-      <p:sp>
-        <p:nvSpPr>
-          <p:cNvPr id="3" name="Content Placeholder 2"/>
-          <p:cNvSpPr>
-            <a:spLocks noGrp="1"/>
-          </p:cNvSpPr>
-          <p:nvPr>
-            <p:ph sz="quarter" idx="10"/>
-          </p:nvPr>
-        </p:nvSpPr>
-        <p:spPr/>
-        <p:txBody>
-          <a:bodyPr/>
-          <a:lstStyle/>
-          <a:p>
-            <a:r>
-              <a:rPr lang="en-US" dirty="0" smtClean="0"/>
-              <a:t>The form is automatically updated</a:t>
-            </a:r>
-          </a:p>
-          <a:p>
-            <a:r>
-              <a:rPr lang="en-US" dirty="0" smtClean="0"/>
-              <a:t>The form has the ability to automatically validate data</a:t>
-            </a:r>
-          </a:p>
-          <a:p>
-            <a:r>
-              <a:rPr lang="en-US" dirty="0" smtClean="0"/>
-              <a:t>You can save directly from the form</a:t>
-            </a:r>
-            <a:endParaRPr lang="en-US" dirty="0"/>
-          </a:p>
-        </p:txBody>
-      </p:sp>
-    </p:spTree>
-    <p:extLst>
-      <p:ext uri="{BB962C8B-B14F-4D97-AF65-F5344CB8AC3E}">
-        <p14:creationId xmlns:p14="http://schemas.microsoft.com/office/powerpoint/2010/main" val="1878416525"/>
-      </p:ext>
-    </p:extLst>
-  </p:cSld>
-  <p:clrMapOvr>
-    <a:masterClrMapping/>
-  </p:clrMapOvr>
-</p:sld>
-</file>
-
-<file path=ppt/slides/slide23.xml><?xml version="1.0" encoding="utf-8"?>
-<p:sld xmlns:a="http://schemas.openxmlformats.org/drawingml/2006/main" xmlns:r="http://schemas.openxmlformats.org/officeDocument/2006/relationships" xmlns:p="http://schemas.openxmlformats.org/presentationml/2006/main">
-  <p:cSld>
-    <p:spTree>
-      <p:nvGrpSpPr>
-        <p:cNvPr id="1" name=""/>
-        <p:cNvGrpSpPr/>
-        <p:nvPr/>
-      </p:nvGrpSpPr>
-      <p:grpSpPr>
-        <a:xfrm>
-          <a:off x="0" y="0"/>
-          <a:ext cx="0" cy="0"/>
-          <a:chOff x="0" y="0"/>
-          <a:chExt cx="0" cy="0"/>
-        </a:xfrm>
-      </p:grpSpPr>
-      <p:sp>
-        <p:nvSpPr>
-          <p:cNvPr id="4" name="Title 3"/>
-          <p:cNvSpPr>
-            <a:spLocks noGrp="1"/>
-          </p:cNvSpPr>
-          <p:nvPr>
-            <p:ph type="title"/>
-          </p:nvPr>
-        </p:nvSpPr>
-        <p:spPr/>
-        <p:txBody>
-          <a:bodyPr/>
-          <a:lstStyle/>
-          <a:p>
-            <a:r>
-              <a:rPr lang="en-US" dirty="0" smtClean="0"/>
-              <a:t>Creating a </a:t>
-            </a:r>
-            <a:r>
-              <a:rPr lang="en-US" dirty="0" err="1" smtClean="0"/>
-              <a:t>ModelForm</a:t>
-            </a:r>
-            <a:endParaRPr lang="en-US" dirty="0"/>
-          </a:p>
-        </p:txBody>
-      </p:sp>
-    </p:spTree>
-    <p:extLst>
-      <p:ext uri="{BB962C8B-B14F-4D97-AF65-F5344CB8AC3E}">
-        <p14:creationId xmlns:p14="http://schemas.microsoft.com/office/powerpoint/2010/main" val="922269962"/>
-      </p:ext>
-    </p:extLst>
-  </p:cSld>
-  <p:clrMapOvr>
-    <a:masterClrMapping/>
-  </p:clrMapOvr>
-</p:sld>
-</file>
-
-<file path=ppt/slides/slide24.xml><?xml version="1.0" encoding="utf-8"?>
-<p:sld xmlns:a="http://schemas.openxmlformats.org/drawingml/2006/main" xmlns:r="http://schemas.openxmlformats.org/officeDocument/2006/relationships" xmlns:p="http://schemas.openxmlformats.org/presentationml/2006/main">
-  <p:cSld>
-    <p:spTree>
-      <p:nvGrpSpPr>
-        <p:cNvPr id="1" name=""/>
-        <p:cNvGrpSpPr/>
-        <p:nvPr/>
-      </p:nvGrpSpPr>
-      <p:grpSpPr>
-        <a:xfrm>
-          <a:off x="0" y="0"/>
-          <a:ext cx="0" cy="0"/>
-          <a:chOff x="0" y="0"/>
-          <a:chExt cx="0" cy="0"/>
-        </a:xfrm>
-      </p:grpSpPr>
-      <p:sp>
-        <p:nvSpPr>
-          <p:cNvPr id="3" name="Title 2"/>
-          <p:cNvSpPr>
-            <a:spLocks noGrp="1"/>
-          </p:cNvSpPr>
-          <p:nvPr>
-            <p:ph type="title"/>
-          </p:nvPr>
-        </p:nvSpPr>
-        <p:spPr/>
-        <p:txBody>
-          <a:bodyPr/>
-          <a:lstStyle/>
-          <a:p>
-            <a:r>
-              <a:rPr lang="en-US" dirty="0" smtClean="0"/>
-              <a:t>Creating the HTML</a:t>
-            </a:r>
-            <a:endParaRPr lang="en-US" dirty="0"/>
-          </a:p>
-        </p:txBody>
-      </p:sp>
-      <p:sp>
-        <p:nvSpPr>
-          <p:cNvPr id="4" name="Content Placeholder 3"/>
-          <p:cNvSpPr>
-            <a:spLocks noGrp="1"/>
-          </p:cNvSpPr>
-          <p:nvPr>
-            <p:ph sz="quarter" idx="10"/>
-          </p:nvPr>
-        </p:nvSpPr>
-        <p:spPr/>
-        <p:txBody>
-          <a:bodyPr/>
-          <a:lstStyle/>
-          <a:p>
-            <a:r>
-              <a:rPr lang="en-US" dirty="0" smtClean="0"/>
-              <a:t>In order to create the form, you need an HTML page to "host" the form</a:t>
-            </a:r>
-          </a:p>
-          <a:p>
-            <a:r>
-              <a:rPr lang="en-US" dirty="0" smtClean="0"/>
-              <a:t>It can be this simple:</a:t>
-            </a:r>
-          </a:p>
-          <a:p>
-            <a:pPr marL="0" indent="0">
-              <a:buNone/>
-            </a:pPr>
-            <a:r>
-              <a:rPr lang="en-US" dirty="0">
-                <a:solidFill>
-                  <a:srgbClr val="0000FF"/>
-                </a:solidFill>
-                <a:highlight>
-                  <a:srgbClr val="FFFFFF"/>
-                </a:highlight>
-                <a:latin typeface="Consolas" panose="020B0609020204030204" pitchFamily="49" charset="0"/>
-              </a:rPr>
-              <a:t>&lt;</a:t>
-            </a:r>
-            <a:r>
-              <a:rPr lang="en-US" dirty="0">
-                <a:solidFill>
-                  <a:srgbClr val="800000"/>
-                </a:solidFill>
-                <a:highlight>
-                  <a:srgbClr val="FFFFFF"/>
-                </a:highlight>
-                <a:latin typeface="Consolas" panose="020B0609020204030204" pitchFamily="49" charset="0"/>
-              </a:rPr>
-              <a:t>form</a:t>
-            </a:r>
-            <a:r>
-              <a:rPr lang="en-US" dirty="0">
-                <a:solidFill>
-                  <a:srgbClr val="000000"/>
-                </a:solidFill>
-                <a:highlight>
-                  <a:srgbClr val="FFFFFF"/>
-                </a:highlight>
-                <a:latin typeface="Consolas" panose="020B0609020204030204" pitchFamily="49" charset="0"/>
-              </a:rPr>
-              <a:t> </a:t>
-            </a:r>
-            <a:r>
-              <a:rPr lang="en-US" dirty="0">
-                <a:solidFill>
-                  <a:srgbClr val="FF0000"/>
-                </a:solidFill>
-                <a:highlight>
-                  <a:srgbClr val="FFFFFF"/>
-                </a:highlight>
-                <a:latin typeface="Consolas" panose="020B0609020204030204" pitchFamily="49" charset="0"/>
-              </a:rPr>
-              <a:t>method</a:t>
-            </a:r>
-            <a:r>
-              <a:rPr lang="en-US" dirty="0">
-                <a:solidFill>
-                  <a:srgbClr val="0000FF"/>
-                </a:solidFill>
-                <a:highlight>
-                  <a:srgbClr val="FFFFFF"/>
-                </a:highlight>
-                <a:latin typeface="Consolas" panose="020B0609020204030204" pitchFamily="49" charset="0"/>
-              </a:rPr>
-              <a:t>="post"&gt;</a:t>
-            </a:r>
-            <a:endParaRPr lang="en-US" dirty="0">
-              <a:solidFill>
-                <a:srgbClr val="000000"/>
-              </a:solidFill>
-              <a:highlight>
-                <a:srgbClr val="FFFFFF"/>
-              </a:highlight>
-              <a:latin typeface="Consolas" panose="020B0609020204030204" pitchFamily="49" charset="0"/>
-            </a:endParaRPr>
-          </a:p>
-          <a:p>
-            <a:pPr marL="0" indent="0">
-              <a:buNone/>
-            </a:pPr>
-            <a:r>
-              <a:rPr lang="en-US" dirty="0" smtClean="0">
-                <a:solidFill>
-                  <a:srgbClr val="000000"/>
-                </a:solidFill>
-                <a:highlight>
-                  <a:srgbClr val="FFFFFF"/>
-                </a:highlight>
-                <a:latin typeface="Consolas" panose="020B0609020204030204" pitchFamily="49" charset="0"/>
-              </a:rPr>
-              <a:t>    </a:t>
-            </a:r>
-            <a:r>
-              <a:rPr lang="en-US" b="1" dirty="0" smtClean="0">
-                <a:solidFill>
-                  <a:srgbClr val="000000"/>
-                </a:solidFill>
-                <a:highlight>
-                  <a:srgbClr val="FFFFFF"/>
-                </a:highlight>
-                <a:latin typeface="Consolas" panose="020B0609020204030204" pitchFamily="49" charset="0"/>
-              </a:rPr>
-              <a:t>{%</a:t>
-            </a:r>
-            <a:r>
-              <a:rPr lang="en-US" dirty="0" smtClean="0">
-                <a:solidFill>
-                  <a:srgbClr val="000000"/>
-                </a:solidFill>
-                <a:highlight>
-                  <a:srgbClr val="FFFFFF"/>
-                </a:highlight>
-                <a:latin typeface="Consolas" panose="020B0609020204030204" pitchFamily="49" charset="0"/>
-              </a:rPr>
-              <a:t> </a:t>
-            </a:r>
-            <a:r>
-              <a:rPr lang="en-US" dirty="0" err="1" smtClean="0">
-                <a:solidFill>
-                  <a:srgbClr val="800080"/>
-                </a:solidFill>
-                <a:highlight>
-                  <a:srgbClr val="FFFFFF"/>
-                </a:highlight>
-                <a:latin typeface="Consolas" panose="020B0609020204030204" pitchFamily="49" charset="0"/>
-              </a:rPr>
-              <a:t>csrf_token</a:t>
-            </a:r>
-            <a:r>
-              <a:rPr lang="en-US" dirty="0" smtClean="0">
-                <a:solidFill>
-                  <a:srgbClr val="000000"/>
-                </a:solidFill>
-                <a:highlight>
-                  <a:srgbClr val="FFFFFF"/>
-                </a:highlight>
-                <a:latin typeface="Consolas" panose="020B0609020204030204" pitchFamily="49" charset="0"/>
-              </a:rPr>
-              <a:t> </a:t>
-            </a:r>
-            <a:r>
-              <a:rPr lang="en-US" b="1" dirty="0">
-                <a:solidFill>
-                  <a:srgbClr val="000000"/>
-                </a:solidFill>
-                <a:highlight>
-                  <a:srgbClr val="FFFFFF"/>
-                </a:highlight>
-                <a:latin typeface="Consolas" panose="020B0609020204030204" pitchFamily="49" charset="0"/>
-              </a:rPr>
-              <a:t>%</a:t>
-            </a:r>
-            <a:r>
-              <a:rPr lang="en-US" b="1" dirty="0" smtClean="0">
-                <a:solidFill>
-                  <a:srgbClr val="000000"/>
-                </a:solidFill>
-                <a:highlight>
-                  <a:srgbClr val="FFFFFF"/>
-                </a:highlight>
-                <a:latin typeface="Consolas" panose="020B0609020204030204" pitchFamily="49" charset="0"/>
-              </a:rPr>
-              <a:t>}</a:t>
-            </a:r>
-          </a:p>
-          <a:p>
-            <a:pPr marL="0" indent="0">
-              <a:buNone/>
-            </a:pPr>
-            <a:r>
-              <a:rPr lang="en-US" dirty="0" smtClean="0">
-                <a:solidFill>
-                  <a:srgbClr val="000000"/>
-                </a:solidFill>
-                <a:highlight>
-                  <a:srgbClr val="FFFFFF"/>
-                </a:highlight>
-                <a:latin typeface="Consolas" panose="020B0609020204030204" pitchFamily="49" charset="0"/>
-              </a:rPr>
-              <a:t>    </a:t>
-            </a:r>
-            <a:r>
-              <a:rPr lang="en-US" b="1" dirty="0" smtClean="0">
-                <a:solidFill>
-                  <a:srgbClr val="000000"/>
-                </a:solidFill>
-                <a:highlight>
-                  <a:srgbClr val="FFFFFF"/>
-                </a:highlight>
-                <a:latin typeface="Consolas" panose="020B0609020204030204" pitchFamily="49" charset="0"/>
-              </a:rPr>
-              <a:t>{{</a:t>
-            </a:r>
-            <a:r>
-              <a:rPr lang="en-US" dirty="0" smtClean="0">
-                <a:solidFill>
-                  <a:srgbClr val="000000"/>
-                </a:solidFill>
-                <a:highlight>
-                  <a:srgbClr val="FFFFFF"/>
-                </a:highlight>
-                <a:latin typeface="Consolas" panose="020B0609020204030204" pitchFamily="49" charset="0"/>
-              </a:rPr>
-              <a:t> </a:t>
-            </a:r>
-            <a:r>
-              <a:rPr lang="en-US" dirty="0" smtClean="0">
-                <a:solidFill>
-                  <a:srgbClr val="800080"/>
-                </a:solidFill>
-                <a:highlight>
-                  <a:srgbClr val="FFFFFF"/>
-                </a:highlight>
-                <a:latin typeface="Consolas" panose="020B0609020204030204" pitchFamily="49" charset="0"/>
-              </a:rPr>
-              <a:t>form</a:t>
-            </a:r>
-            <a:r>
-              <a:rPr lang="en-US" dirty="0" smtClean="0">
-                <a:solidFill>
-                  <a:srgbClr val="000000"/>
-                </a:solidFill>
-                <a:highlight>
-                  <a:srgbClr val="FFFFFF"/>
-                </a:highlight>
-                <a:latin typeface="Consolas" panose="020B0609020204030204" pitchFamily="49" charset="0"/>
-              </a:rPr>
-              <a:t> </a:t>
-            </a:r>
-            <a:r>
-              <a:rPr lang="en-US" b="1" dirty="0" smtClean="0">
-                <a:solidFill>
-                  <a:srgbClr val="000000"/>
-                </a:solidFill>
-                <a:highlight>
-                  <a:srgbClr val="FFFFFF"/>
-                </a:highlight>
-                <a:latin typeface="Consolas" panose="020B0609020204030204" pitchFamily="49" charset="0"/>
-              </a:rPr>
-              <a:t>}}</a:t>
-            </a:r>
-            <a:endParaRPr lang="en-US" dirty="0" smtClean="0">
-              <a:solidFill>
-                <a:srgbClr val="000000"/>
-              </a:solidFill>
-              <a:highlight>
-                <a:srgbClr val="FFFFFF"/>
-              </a:highlight>
-              <a:latin typeface="Consolas" panose="020B0609020204030204" pitchFamily="49" charset="0"/>
-            </a:endParaRPr>
-          </a:p>
-          <a:p>
-            <a:pPr marL="0" indent="0">
-              <a:buNone/>
-            </a:pPr>
-            <a:r>
-              <a:rPr lang="en-US" dirty="0" smtClean="0">
-                <a:solidFill>
-                  <a:srgbClr val="000000"/>
-                </a:solidFill>
-                <a:highlight>
-                  <a:srgbClr val="FFFFFF"/>
-                </a:highlight>
-                <a:latin typeface="Consolas" panose="020B0609020204030204" pitchFamily="49" charset="0"/>
-              </a:rPr>
-              <a:t>    </a:t>
-            </a:r>
-            <a:r>
-              <a:rPr lang="en-US" dirty="0">
-                <a:solidFill>
-                  <a:srgbClr val="0000FF"/>
-                </a:solidFill>
-                <a:highlight>
-                  <a:srgbClr val="FFFFFF"/>
-                </a:highlight>
-                <a:latin typeface="Consolas" panose="020B0609020204030204" pitchFamily="49" charset="0"/>
-              </a:rPr>
-              <a:t>&lt;</a:t>
-            </a:r>
-            <a:r>
-              <a:rPr lang="en-US" dirty="0">
-                <a:solidFill>
-                  <a:srgbClr val="800000"/>
-                </a:solidFill>
-                <a:highlight>
-                  <a:srgbClr val="FFFFFF"/>
-                </a:highlight>
-                <a:latin typeface="Consolas" panose="020B0609020204030204" pitchFamily="49" charset="0"/>
-              </a:rPr>
-              <a:t>button</a:t>
-            </a:r>
-            <a:r>
-              <a:rPr lang="en-US" dirty="0">
-                <a:solidFill>
-                  <a:srgbClr val="000000"/>
-                </a:solidFill>
-                <a:highlight>
-                  <a:srgbClr val="FFFFFF"/>
-                </a:highlight>
-                <a:latin typeface="Consolas" panose="020B0609020204030204" pitchFamily="49" charset="0"/>
-              </a:rPr>
-              <a:t> </a:t>
-            </a:r>
-            <a:r>
-              <a:rPr lang="en-US" dirty="0">
-                <a:solidFill>
-                  <a:srgbClr val="FF0000"/>
-                </a:solidFill>
-                <a:highlight>
-                  <a:srgbClr val="FFFFFF"/>
-                </a:highlight>
-                <a:latin typeface="Consolas" panose="020B0609020204030204" pitchFamily="49" charset="0"/>
-              </a:rPr>
-              <a:t>type</a:t>
-            </a:r>
-            <a:r>
-              <a:rPr lang="en-US" dirty="0">
-                <a:solidFill>
-                  <a:srgbClr val="0000FF"/>
-                </a:solidFill>
-                <a:highlight>
-                  <a:srgbClr val="FFFFFF"/>
-                </a:highlight>
-                <a:latin typeface="Consolas" panose="020B0609020204030204" pitchFamily="49" charset="0"/>
-              </a:rPr>
-              <a:t>="submit"&gt;</a:t>
-            </a:r>
-            <a:r>
-              <a:rPr lang="en-US" dirty="0">
-                <a:solidFill>
-                  <a:srgbClr val="000000"/>
-                </a:solidFill>
-                <a:highlight>
-                  <a:srgbClr val="FFFFFF"/>
-                </a:highlight>
-                <a:latin typeface="Consolas" panose="020B0609020204030204" pitchFamily="49" charset="0"/>
-              </a:rPr>
-              <a:t>Save</a:t>
-            </a:r>
-            <a:r>
-              <a:rPr lang="en-US" dirty="0">
-                <a:solidFill>
-                  <a:srgbClr val="0000FF"/>
-                </a:solidFill>
-                <a:highlight>
-                  <a:srgbClr val="FFFFFF"/>
-                </a:highlight>
-                <a:latin typeface="Consolas" panose="020B0609020204030204" pitchFamily="49" charset="0"/>
-              </a:rPr>
-              <a:t>&lt;/</a:t>
-            </a:r>
-            <a:r>
-              <a:rPr lang="en-US" dirty="0">
-                <a:solidFill>
-                  <a:srgbClr val="800000"/>
-                </a:solidFill>
-                <a:highlight>
-                  <a:srgbClr val="FFFFFF"/>
-                </a:highlight>
-                <a:latin typeface="Consolas" panose="020B0609020204030204" pitchFamily="49" charset="0"/>
-              </a:rPr>
-              <a:t>button</a:t>
-            </a:r>
-            <a:r>
-              <a:rPr lang="en-US" dirty="0">
-                <a:solidFill>
-                  <a:srgbClr val="0000FF"/>
-                </a:solidFill>
-                <a:highlight>
-                  <a:srgbClr val="FFFFFF"/>
-                </a:highlight>
-                <a:latin typeface="Consolas" panose="020B0609020204030204" pitchFamily="49" charset="0"/>
-              </a:rPr>
-              <a:t>&gt;</a:t>
-            </a:r>
-            <a:endParaRPr lang="en-US" dirty="0">
-              <a:solidFill>
-                <a:srgbClr val="000000"/>
-              </a:solidFill>
-              <a:highlight>
-                <a:srgbClr val="FFFFFF"/>
-              </a:highlight>
-              <a:latin typeface="Consolas" panose="020B0609020204030204" pitchFamily="49" charset="0"/>
-            </a:endParaRPr>
-          </a:p>
-          <a:p>
-            <a:pPr marL="0" indent="0">
-              <a:buNone/>
-            </a:pPr>
-            <a:r>
-              <a:rPr lang="en-US" dirty="0">
-                <a:solidFill>
-                  <a:srgbClr val="0000FF"/>
-                </a:solidFill>
-                <a:highlight>
-                  <a:srgbClr val="FFFFFF"/>
-                </a:highlight>
-                <a:latin typeface="Consolas" panose="020B0609020204030204" pitchFamily="49" charset="0"/>
-              </a:rPr>
-              <a:t>&lt;/</a:t>
-            </a:r>
-            <a:r>
-              <a:rPr lang="en-US" dirty="0">
-                <a:solidFill>
-                  <a:srgbClr val="800000"/>
-                </a:solidFill>
-                <a:highlight>
-                  <a:srgbClr val="FFFFFF"/>
-                </a:highlight>
-                <a:latin typeface="Consolas" panose="020B0609020204030204" pitchFamily="49" charset="0"/>
-              </a:rPr>
-              <a:t>form</a:t>
-            </a:r>
-            <a:r>
-              <a:rPr lang="en-US" dirty="0">
-                <a:solidFill>
-                  <a:srgbClr val="0000FF"/>
-                </a:solidFill>
-                <a:highlight>
-                  <a:srgbClr val="FFFFFF"/>
-                </a:highlight>
-                <a:latin typeface="Consolas" panose="020B0609020204030204" pitchFamily="49" charset="0"/>
-              </a:rPr>
-              <a:t>&gt;</a:t>
-            </a:r>
-            <a:endParaRPr lang="en-US" dirty="0"/>
-          </a:p>
-        </p:txBody>
-      </p:sp>
-    </p:spTree>
-    <p:extLst>
-      <p:ext uri="{BB962C8B-B14F-4D97-AF65-F5344CB8AC3E}">
-        <p14:creationId xmlns:p14="http://schemas.microsoft.com/office/powerpoint/2010/main" val="4084938741"/>
-      </p:ext>
-    </p:extLst>
-  </p:cSld>
-  <p:clrMapOvr>
-    <a:masterClrMapping/>
-  </p:clrMapOvr>
-</p:sld>
-</file>
-
-<file path=ppt/slides/slide25.xml><?xml version="1.0" encoding="utf-8"?>
-<p:sld xmlns:a="http://schemas.openxmlformats.org/drawingml/2006/main" xmlns:r="http://schemas.openxmlformats.org/officeDocument/2006/relationships" xmlns:p="http://schemas.openxmlformats.org/presentationml/2006/main">
-  <p:cSld>
-    <p:spTree>
-      <p:nvGrpSpPr>
-        <p:cNvPr id="1" name=""/>
-        <p:cNvGrpSpPr/>
-        <p:nvPr/>
-      </p:nvGrpSpPr>
-      <p:grpSpPr>
-        <a:xfrm>
-          <a:off x="0" y="0"/>
-          <a:ext cx="0" cy="0"/>
-          <a:chOff x="0" y="0"/>
-          <a:chExt cx="0" cy="0"/>
-        </a:xfrm>
-      </p:grpSpPr>
-      <p:sp>
-        <p:nvSpPr>
-          <p:cNvPr id="2" name="Title 1"/>
-          <p:cNvSpPr>
-            <a:spLocks noGrp="1"/>
-          </p:cNvSpPr>
-          <p:nvPr>
-            <p:ph type="title"/>
-          </p:nvPr>
-        </p:nvSpPr>
-        <p:spPr/>
-        <p:txBody>
-          <a:bodyPr/>
-          <a:lstStyle/>
-          <a:p>
-            <a:r>
-              <a:rPr lang="en-US" dirty="0" smtClean="0"/>
-              <a:t>Controlling the form</a:t>
-            </a:r>
-            <a:endParaRPr lang="en-US" dirty="0"/>
-          </a:p>
-        </p:txBody>
-      </p:sp>
-      <p:sp>
-        <p:nvSpPr>
-          <p:cNvPr id="3" name="Content Placeholder 2"/>
-          <p:cNvSpPr>
-            <a:spLocks noGrp="1"/>
-          </p:cNvSpPr>
-          <p:nvPr>
-            <p:ph sz="quarter" idx="10"/>
-          </p:nvPr>
-        </p:nvSpPr>
-        <p:spPr/>
-        <p:txBody>
-          <a:bodyPr/>
-          <a:lstStyle/>
-          <a:p>
-            <a:r>
-              <a:rPr lang="en-US" dirty="0" smtClean="0"/>
-              <a:t>By default, the form will be created as a table</a:t>
-            </a:r>
-          </a:p>
-          <a:p>
-            <a:pPr lvl="1"/>
-            <a:r>
-              <a:rPr lang="en-US" dirty="0" smtClean="0"/>
-              <a:t>{{ </a:t>
-            </a:r>
-            <a:r>
-              <a:rPr lang="en-US" dirty="0" err="1" smtClean="0"/>
-              <a:t>form.as_p</a:t>
-            </a:r>
-            <a:r>
-              <a:rPr lang="en-US" dirty="0" smtClean="0"/>
-              <a:t> }} will use &lt;p&gt; elements</a:t>
-            </a:r>
-          </a:p>
-          <a:p>
-            <a:pPr lvl="1"/>
-            <a:r>
-              <a:rPr lang="en-US" dirty="0" smtClean="0"/>
-              <a:t>{{ </a:t>
-            </a:r>
-            <a:r>
-              <a:rPr lang="en-US" dirty="0" err="1" smtClean="0"/>
-              <a:t>form.as_ul</a:t>
-            </a:r>
-            <a:r>
-              <a:rPr lang="en-US" dirty="0" smtClean="0"/>
-              <a:t> }} will use &lt;li&gt; elements</a:t>
-            </a:r>
-          </a:p>
-          <a:p>
-            <a:r>
-              <a:rPr lang="en-US" dirty="0" smtClean="0"/>
-              <a:t>It is possible to grab the actual fields and completely customize the HTML as needed</a:t>
-            </a:r>
-            <a:endParaRPr lang="en-US" dirty="0"/>
-          </a:p>
-        </p:txBody>
-      </p:sp>
-    </p:spTree>
-    <p:extLst>
-      <p:ext uri="{BB962C8B-B14F-4D97-AF65-F5344CB8AC3E}">
-        <p14:creationId xmlns:p14="http://schemas.microsoft.com/office/powerpoint/2010/main" val="1455786813"/>
-      </p:ext>
-    </p:extLst>
-  </p:cSld>
-  <p:clrMapOvr>
-    <a:masterClrMapping/>
-  </p:clrMapOvr>
-</p:sld>
-</file>
-
-<file path=ppt/slides/slide26.xml><?xml version="1.0" encoding="utf-8"?>
-<p:sld xmlns:a="http://schemas.openxmlformats.org/drawingml/2006/main" xmlns:r="http://schemas.openxmlformats.org/officeDocument/2006/relationships" xmlns:p="http://schemas.openxmlformats.org/presentationml/2006/main">
-  <p:cSld>
-    <p:spTree>
-      <p:nvGrpSpPr>
-        <p:cNvPr id="1" name=""/>
-        <p:cNvGrpSpPr/>
-        <p:nvPr/>
-      </p:nvGrpSpPr>
-      <p:grpSpPr>
-        <a:xfrm>
-          <a:off x="0" y="0"/>
-          <a:ext cx="0" cy="0"/>
-          <a:chOff x="0" y="0"/>
-          <a:chExt cx="0" cy="0"/>
-        </a:xfrm>
-      </p:grpSpPr>
-      <p:sp>
-        <p:nvSpPr>
-          <p:cNvPr id="2" name="Title 1"/>
-          <p:cNvSpPr>
-            <a:spLocks noGrp="1"/>
-          </p:cNvSpPr>
-          <p:nvPr>
-            <p:ph type="title"/>
-          </p:nvPr>
-        </p:nvSpPr>
-        <p:spPr/>
-        <p:txBody>
-          <a:bodyPr/>
-          <a:lstStyle/>
-          <a:p>
-            <a:r>
-              <a:rPr lang="en-US" dirty="0" smtClean="0"/>
-              <a:t>Using the form in the view</a:t>
-            </a:r>
-            <a:endParaRPr lang="en-US" dirty="0"/>
-          </a:p>
-        </p:txBody>
-      </p:sp>
-      <mc:AlternateContent xmlns:mc="http://schemas.openxmlformats.org/markup-compatibility/2006">
-        <mc:Choice xmlns:we="http://schemas.microsoft.com/office/webextensions/webextension/2010/11" xmlns:pca="http://schemas.microsoft.com/office/powerpoint/2013/contentapp" Requires="we pca">
-          <p:graphicFrame>
-            <p:nvGraphicFramePr>
-              <p:cNvPr id="4" name="App 3"/>
-              <p:cNvGraphicFramePr>
-                <a:graphicFrameLocks noGrp="1"/>
-              </p:cNvGraphicFramePr>
-              <p:nvPr>
-                <p:extLst>
-                  <p:ext uri="{D42A27DB-BD31-4B8C-83A1-F6EECF244321}">
-                    <p14:modId xmlns:p14="http://schemas.microsoft.com/office/powerpoint/2010/main" val="3830850235"/>
-                  </p:ext>
-                </p:extLst>
-              </p:nvPr>
-            </p:nvGraphicFramePr>
-            <p:xfrm>
-              <a:off x="379514" y="881349"/>
-              <a:ext cx="11524432" cy="5883008"/>
-            </p:xfrm>
-            <a:graphic>
-              <a:graphicData uri="http://schemas.microsoft.com/office/webextensions/webextension/2010/11">
-                <we:webextensionref xmlns:we="http://schemas.microsoft.com/office/webextensions/webextension/2010/11" xmlns:r="http://schemas.openxmlformats.org/officeDocument/2006/relationships" r:id="rId2"/>
-              </a:graphicData>
-            </a:graphic>
-          </p:graphicFrame>
-        </mc:Choice>
-        <mc:Fallback>
-          <p:pic>
-            <p:nvPicPr>
-              <p:cNvPr id="4" name="App 3"/>
-              <p:cNvPicPr>
-                <a:picLocks noGrp="1" noRot="1" noChangeAspect="1" noMove="1" noResize="1" noEditPoints="1" noAdjustHandles="1" noChangeArrowheads="1" noChangeShapeType="1"/>
-              </p:cNvPicPr>
-              <p:nvPr/>
-            </p:nvPicPr>
-            <p:blipFill>
-              <a:blip r:embed="rId3"/>
-              <a:stretch>
-                <a:fillRect/>
-              </a:stretch>
-            </p:blipFill>
-            <p:spPr>
-              <a:xfrm>
-                <a:off x="379514" y="881349"/>
-                <a:ext cx="11524432" cy="5883008"/>
-              </a:xfrm>
-              <a:prstGeom prst="rect">
-                <a:avLst/>
-              </a:prstGeom>
-            </p:spPr>
-          </p:pic>
-        </mc:Fallback>
-      </mc:AlternateContent>
-    </p:spTree>
-    <p:extLst>
-      <p:ext uri="{BB962C8B-B14F-4D97-AF65-F5344CB8AC3E}">
-        <p14:creationId xmlns:p14="http://schemas.microsoft.com/office/powerpoint/2010/main" val="3557683193"/>
-      </p:ext>
-    </p:extLst>
-  </p:cSld>
-  <p:clrMapOvr>
-    <a:masterClrMapping/>
-  </p:clrMapOvr>
-</p:sld>
-</file>
-
-<file path=ppt/slides/slide27.xml><?xml version="1.0" encoding="utf-8"?>
-<p:sld xmlns:a="http://schemas.openxmlformats.org/drawingml/2006/main" xmlns:r="http://schemas.openxmlformats.org/officeDocument/2006/relationships" xmlns:p="http://schemas.openxmlformats.org/presentationml/2006/main">
-  <p:cSld>
-    <p:spTree>
-      <p:nvGrpSpPr>
-        <p:cNvPr id="1" name=""/>
-        <p:cNvGrpSpPr/>
-        <p:nvPr/>
-      </p:nvGrpSpPr>
-      <p:grpSpPr>
-        <a:xfrm>
-          <a:off x="0" y="0"/>
-          <a:ext cx="0" cy="0"/>
-          <a:chOff x="0" y="0"/>
-          <a:chExt cx="0" cy="0"/>
-        </a:xfrm>
-      </p:grpSpPr>
-      <p:sp>
-        <p:nvSpPr>
-          <p:cNvPr id="4" name="Title 3"/>
-          <p:cNvSpPr>
-            <a:spLocks noGrp="1"/>
-          </p:cNvSpPr>
-          <p:nvPr>
-            <p:ph type="title"/>
-          </p:nvPr>
-        </p:nvSpPr>
-        <p:spPr/>
-        <p:txBody>
-          <a:bodyPr/>
-          <a:lstStyle/>
-          <a:p>
-            <a:r>
-              <a:rPr lang="en-US" dirty="0" smtClean="0"/>
-              <a:t>Creating a create form</a:t>
-            </a:r>
-            <a:endParaRPr lang="en-US" dirty="0"/>
-          </a:p>
-        </p:txBody>
-      </p:sp>
-    </p:spTree>
-    <p:extLst>
-      <p:ext uri="{BB962C8B-B14F-4D97-AF65-F5344CB8AC3E}">
-        <p14:creationId xmlns:p14="http://schemas.microsoft.com/office/powerpoint/2010/main" val="188135580"/>
-      </p:ext>
-    </p:extLst>
-  </p:cSld>
-  <p:clrMapOvr>
-    <a:masterClrMapping/>
-  </p:clrMapOvr>
-</p:sld>
-</file>
-
-<file path=ppt/slides/slide28.xml><?xml version="1.0" encoding="utf-8"?>
-<p:sld xmlns:a="http://schemas.openxmlformats.org/drawingml/2006/main" xmlns:r="http://schemas.openxmlformats.org/officeDocument/2006/relationships" xmlns:p="http://schemas.openxmlformats.org/presentationml/2006/main">
-  <p:cSld>
-    <p:spTree>
-      <p:nvGrpSpPr>
-        <p:cNvPr id="1" name=""/>
-        <p:cNvGrpSpPr/>
-        <p:nvPr/>
-      </p:nvGrpSpPr>
-      <p:grpSpPr>
-        <a:xfrm>
-          <a:off x="0" y="0"/>
-          <a:ext cx="0" cy="0"/>
-          <a:chOff x="0" y="0"/>
-          <a:chExt cx="0" cy="0"/>
-        </a:xfrm>
-      </p:grpSpPr>
-    </p:spTree>
-    <p:extLst>
-      <p:ext uri="{BB962C8B-B14F-4D97-AF65-F5344CB8AC3E}">
-        <p14:creationId xmlns:p14="http://schemas.microsoft.com/office/powerpoint/2010/main" val="898363405"/>
-      </p:ext>
-    </p:extLst>
-  </p:cSld>
-  <p:clrMapOvr>
-    <a:masterClrMapping/>
-  </p:clrMapOvr>
-  <p:timing>
-    <p:tnLst>
-      <p:par>
-        <p:cTn id="1" dur="indefinite" restart="never" nodeType="tmRoot"/>
-      </p:par>
-    </p:tnLst>
-  </p:timing>
-</p:sld>
-</file>
-
-<file path=ppt/slides/slide3.xml><?xml version="1.0" encoding="utf-8"?>
-<p:sld xmlns:a="http://schemas.openxmlformats.org/drawingml/2006/main" xmlns:r="http://schemas.openxmlformats.org/officeDocument/2006/relationships" xmlns:p="http://schemas.openxmlformats.org/presentationml/2006/main">
-  <p:cSld>
-    <p:spTree>
-      <p:nvGrpSpPr>
-        <p:cNvPr id="1" name=""/>
-        <p:cNvGrpSpPr/>
-        <p:nvPr/>
-      </p:nvGrpSpPr>
-      <p:grpSpPr>
-        <a:xfrm>
-          <a:off x="0" y="0"/>
-          <a:ext cx="0" cy="0"/>
-          <a:chOff x="0" y="0"/>
-          <a:chExt cx="0" cy="0"/>
-        </a:xfrm>
-      </p:grpSpPr>
-      <p:sp>
-        <p:nvSpPr>
-          <p:cNvPr id="5" name="Text Placeholder 4"/>
-          <p:cNvSpPr>
-            <a:spLocks noGrp="1"/>
-          </p:cNvSpPr>
-          <p:nvPr>
-            <p:ph type="body" sz="quarter" idx="10"/>
-          </p:nvPr>
-        </p:nvSpPr>
-        <p:spPr/>
-        <p:txBody>
-          <a:bodyPr/>
-          <a:lstStyle/>
-          <a:p>
-            <a:r>
-              <a:rPr lang="en-US" dirty="0"/>
-              <a:t>Executing code for the user</a:t>
-            </a:r>
-          </a:p>
-        </p:txBody>
-      </p:sp>
-      <p:sp>
-        <p:nvSpPr>
-          <p:cNvPr id="4" name="Subtitle 3"/>
-          <p:cNvSpPr>
-            <a:spLocks noGrp="1"/>
-          </p:cNvSpPr>
-          <p:nvPr>
-            <p:ph type="subTitle" idx="1"/>
-          </p:nvPr>
-        </p:nvSpPr>
-        <p:spPr/>
-        <p:txBody>
-          <a:bodyPr/>
-          <a:lstStyle/>
-          <a:p>
-            <a:endParaRPr lang="en-US" dirty="0"/>
-          </a:p>
-        </p:txBody>
-      </p:sp>
-    </p:spTree>
-    <p:extLst>
-      <p:ext uri="{BB962C8B-B14F-4D97-AF65-F5344CB8AC3E}">
-        <p14:creationId xmlns:p14="http://schemas.microsoft.com/office/powerpoint/2010/main" val="1266377812"/>
-      </p:ext>
-    </p:extLst>
-  </p:cSld>
-  <p:clrMapOvr>
-    <a:masterClrMapping/>
-  </p:clrMapOvr>
-  <p:timing>
-    <p:tnLst>
-      <p:par>
-        <p:cTn id="1" dur="indefinite" restart="never" nodeType="tmRoot"/>
-      </p:par>
-    </p:tnLst>
-  </p:timing>
-</p:sld>
-</file>
-
-<file path=ppt/slides/slide4.xml><?xml version="1.0" encoding="utf-8"?>
-<p:sld xmlns:a="http://schemas.openxmlformats.org/drawingml/2006/main" xmlns:r="http://schemas.openxmlformats.org/officeDocument/2006/relationships" xmlns:p="http://schemas.openxmlformats.org/presentationml/2006/main">
-  <p:cSld>
-    <p:spTree>
-      <p:nvGrpSpPr>
-        <p:cNvPr id="1" name=""/>
-        <p:cNvGrpSpPr/>
-        <p:nvPr/>
-      </p:nvGrpSpPr>
-      <p:grpSpPr>
-        <a:xfrm>
-          <a:off x="0" y="0"/>
-          <a:ext cx="0" cy="0"/>
-          <a:chOff x="0" y="0"/>
-          <a:chExt cx="0" cy="0"/>
-        </a:xfrm>
-      </p:grpSpPr>
-      <p:sp>
-        <p:nvSpPr>
-          <p:cNvPr id="4" name="Title 3"/>
-          <p:cNvSpPr>
-            <a:spLocks noGrp="1"/>
-          </p:cNvSpPr>
-          <p:nvPr>
-            <p:ph type="title"/>
-          </p:nvPr>
-        </p:nvSpPr>
-        <p:spPr/>
-        <p:txBody>
-          <a:bodyPr/>
-          <a:lstStyle/>
-          <a:p>
-            <a:r>
-              <a:rPr lang="en-US" dirty="0" smtClean="0"/>
-              <a:t>At the end of the day...</a:t>
-            </a:r>
-            <a:endParaRPr lang="en-US" dirty="0"/>
-          </a:p>
-        </p:txBody>
-      </p:sp>
-      <p:sp>
-        <p:nvSpPr>
-          <p:cNvPr id="5" name="Content Placeholder 4"/>
-          <p:cNvSpPr>
-            <a:spLocks noGrp="1"/>
-          </p:cNvSpPr>
-          <p:nvPr>
-            <p:ph sz="quarter" idx="10"/>
-          </p:nvPr>
-        </p:nvSpPr>
-        <p:spPr/>
-        <p:txBody>
-          <a:bodyPr/>
-          <a:lstStyle/>
-          <a:p>
-            <a:r>
-              <a:rPr lang="en-US" dirty="0" smtClean="0"/>
-              <a:t>The user is simply calling a method</a:t>
-            </a:r>
-          </a:p>
-          <a:p>
-            <a:endParaRPr lang="en-US" dirty="0"/>
-          </a:p>
-          <a:p>
-            <a:r>
-              <a:rPr lang="en-US" dirty="0" smtClean="0"/>
-              <a:t>As a result, all we need to do is create a method</a:t>
-            </a:r>
-            <a:endParaRPr lang="en-US" dirty="0"/>
-          </a:p>
-        </p:txBody>
-      </p:sp>
-    </p:spTree>
-    <p:extLst>
-      <p:ext uri="{BB962C8B-B14F-4D97-AF65-F5344CB8AC3E}">
-        <p14:creationId xmlns:p14="http://schemas.microsoft.com/office/powerpoint/2010/main" val="1815474693"/>
-      </p:ext>
-    </p:extLst>
-  </p:cSld>
-  <p:clrMapOvr>
-    <a:masterClrMapping/>
-  </p:clrMapOvr>
-  <p:timing>
-    <p:tnLst>
-      <p:par>
-        <p:cTn id="1" dur="indefinite" restart="never" nodeType="tmRoot"/>
-      </p:par>
-    </p:tnLst>
-  </p:timing>
-</p:sld>
-</file>
-
-<file path=ppt/slides/slide5.xml><?xml version="1.0" encoding="utf-8"?>
-<p:sld xmlns:a="http://schemas.openxmlformats.org/drawingml/2006/main" xmlns:r="http://schemas.openxmlformats.org/officeDocument/2006/relationships" xmlns:p="http://schemas.openxmlformats.org/presentationml/2006/main">
-  <p:cSld>
-    <p:spTree>
-      <p:nvGrpSpPr>
-        <p:cNvPr id="1" name=""/>
-        <p:cNvGrpSpPr/>
-        <p:nvPr/>
-      </p:nvGrpSpPr>
-      <p:grpSpPr>
-        <a:xfrm>
-          <a:off x="0" y="0"/>
-          <a:ext cx="0" cy="0"/>
-          <a:chOff x="0" y="0"/>
-          <a:chExt cx="0" cy="0"/>
-        </a:xfrm>
-      </p:grpSpPr>
-      <p:sp>
-        <p:nvSpPr>
-          <p:cNvPr id="2" name="Title 1"/>
-          <p:cNvSpPr>
-            <a:spLocks noGrp="1"/>
-          </p:cNvSpPr>
-          <p:nvPr>
-            <p:ph type="title"/>
-          </p:nvPr>
-        </p:nvSpPr>
-        <p:spPr/>
-        <p:txBody>
-          <a:bodyPr/>
-          <a:lstStyle/>
-          <a:p>
-            <a:r>
-              <a:rPr lang="en-US" dirty="0" smtClean="0"/>
-              <a:t>What does the method need to look like?</a:t>
-            </a:r>
-            <a:endParaRPr lang="en-US" dirty="0"/>
-          </a:p>
-        </p:txBody>
-      </p:sp>
-      <p:sp>
-        <p:nvSpPr>
-          <p:cNvPr id="3" name="Content Placeholder 2"/>
-          <p:cNvSpPr>
-            <a:spLocks noGrp="1"/>
-          </p:cNvSpPr>
-          <p:nvPr>
-            <p:ph sz="quarter" idx="10"/>
-          </p:nvPr>
-        </p:nvSpPr>
-        <p:spPr/>
-        <p:txBody>
-          <a:bodyPr/>
-          <a:lstStyle/>
-          <a:p>
-            <a:pPr marL="0" indent="0" algn="ctr">
-              <a:buNone/>
-            </a:pPr>
-            <a:r>
-              <a:rPr lang="en-US" dirty="0" err="1" smtClean="0">
-                <a:latin typeface="Consolas" panose="020B0609020204030204" pitchFamily="49" charset="0"/>
-                <a:cs typeface="Consolas" panose="020B0609020204030204" pitchFamily="49" charset="0"/>
-              </a:rPr>
-              <a:t>def</a:t>
-            </a:r>
-            <a:r>
-              <a:rPr lang="en-US" dirty="0" smtClean="0">
-                <a:latin typeface="Consolas" panose="020B0609020204030204" pitchFamily="49" charset="0"/>
-                <a:cs typeface="Consolas" panose="020B0609020204030204" pitchFamily="49" charset="0"/>
-              </a:rPr>
-              <a:t> name(request, </a:t>
-            </a:r>
-            <a:r>
-              <a:rPr lang="en-US" i="1" dirty="0" err="1" smtClean="0">
-                <a:latin typeface="Consolas" panose="020B0609020204030204" pitchFamily="49" charset="0"/>
-                <a:cs typeface="Consolas" panose="020B0609020204030204" pitchFamily="49" charset="0"/>
-              </a:rPr>
-              <a:t>optional_parameters</a:t>
-            </a:r>
-            <a:r>
-              <a:rPr lang="en-US" dirty="0" smtClean="0">
-                <a:latin typeface="Consolas" panose="020B0609020204030204" pitchFamily="49" charset="0"/>
-                <a:cs typeface="Consolas" panose="020B0609020204030204" pitchFamily="49" charset="0"/>
-              </a:rPr>
-              <a:t>)</a:t>
-            </a:r>
-          </a:p>
-          <a:p>
-            <a:endParaRPr lang="en-US" dirty="0" smtClean="0"/>
-          </a:p>
-          <a:p>
-            <a:r>
-              <a:rPr lang="en-US" dirty="0" smtClean="0"/>
-              <a:t>The first parameter contains the request object, which has information about the data sent by the user</a:t>
-            </a:r>
-            <a:endParaRPr lang="en-US" dirty="0"/>
-          </a:p>
-          <a:p>
-            <a:r>
-              <a:rPr lang="en-US" dirty="0" smtClean="0"/>
-              <a:t>Additional parameters can be added</a:t>
-            </a:r>
-            <a:endParaRPr lang="en-US" dirty="0"/>
-          </a:p>
-          <a:p>
-            <a:endParaRPr lang="en-US" dirty="0" err="1" smtClean="0">
-              <a:latin typeface="Consolas" panose="020B0609020204030204" pitchFamily="49" charset="0"/>
-              <a:cs typeface="Consolas" panose="020B0609020204030204" pitchFamily="49" charset="0"/>
-            </a:endParaRPr>
-          </a:p>
-        </p:txBody>
-      </p:sp>
-    </p:spTree>
-    <p:extLst>
-      <p:ext uri="{BB962C8B-B14F-4D97-AF65-F5344CB8AC3E}">
-        <p14:creationId xmlns:p14="http://schemas.microsoft.com/office/powerpoint/2010/main" val="2516979010"/>
-      </p:ext>
-    </p:extLst>
-  </p:cSld>
-  <p:clrMapOvr>
-    <a:masterClrMapping/>
-  </p:clrMapOvr>
-  <p:timing>
-    <p:tnLst>
-      <p:par>
-        <p:cTn id="1" dur="indefinite" restart="never" nodeType="tmRoot"/>
-      </p:par>
-    </p:tnLst>
-  </p:timing>
-</p:sld>
-</file>
-
 <file path=ppt/slides/slide6.xml><?xml version="1.0" encoding="utf-8"?>
 <p:sld xmlns:a="http://schemas.openxmlformats.org/drawingml/2006/main" xmlns:r="http://schemas.openxmlformats.org/officeDocument/2006/relationships" xmlns:p="http://schemas.openxmlformats.org/presentationml/2006/main">
   <p:cSld>
@@ -6890,7 +5954,7 @@
           <a:p>
             <a:r>
               <a:rPr lang="en-US" dirty="0" smtClean="0"/>
-              <a:t>How do we send data to the user?</a:t>
+              <a:t>Template basics</a:t>
             </a:r>
             <a:endParaRPr lang="en-US" dirty="0"/>
           </a:p>
@@ -6913,189 +5977,35 @@
           <a:p>
             <a:r>
               <a:rPr lang="en-US" dirty="0" smtClean="0"/>
-              <a:t>Return </a:t>
-            </a:r>
-            <a:r>
-              <a:rPr lang="en-US" dirty="0" err="1" smtClean="0"/>
-              <a:t>HttpResponse</a:t>
-            </a:r>
-            <a:r>
-              <a:rPr lang="en-US" dirty="0" smtClean="0"/>
-              <a:t> to send HTML and HTTP status codes</a:t>
-            </a:r>
-          </a:p>
-          <a:p>
-            <a:pPr marL="0" indent="0">
-              <a:buNone/>
-            </a:pPr>
-            <a:endParaRPr lang="en-US" dirty="0" smtClean="0"/>
-          </a:p>
-          <a:p>
-            <a:endParaRPr lang="en-US" dirty="0" smtClean="0"/>
-          </a:p>
-          <a:p>
-            <a:r>
-              <a:rPr lang="en-US" dirty="0"/>
-              <a:t>Return</a:t>
-            </a:r>
-            <a:r>
-              <a:rPr lang="en-US" dirty="0" smtClean="0"/>
-              <a:t> </a:t>
-            </a:r>
-            <a:r>
-              <a:rPr lang="en-US" dirty="0" err="1" smtClean="0"/>
-              <a:t>HttpResponseNotFound</a:t>
-            </a:r>
-            <a:r>
-              <a:rPr lang="en-US" dirty="0" smtClean="0"/>
-              <a:t> to send a custom 404 error</a:t>
+              <a:t>Templates are essentially just HTML</a:t>
+            </a:r>
+          </a:p>
+          <a:p>
+            <a:r>
+              <a:rPr lang="en-US" dirty="0" smtClean="0"/>
+              <a:t>Templates exist in a folder named templates</a:t>
+            </a:r>
+          </a:p>
+          <a:p>
+            <a:r>
+              <a:rPr lang="en-US" dirty="0" smtClean="0"/>
+              <a:t>Has a code syntax similar to Python</a:t>
+            </a:r>
+          </a:p>
+          <a:p>
+            <a:pPr lvl="1"/>
+            <a:r>
+              <a:rPr lang="en-US" dirty="0" smtClean="0"/>
+              <a:t>But it's not actually Python</a:t>
             </a:r>
             <a:endParaRPr lang="en-US" dirty="0"/>
-          </a:p>
-        </p:txBody>
-      </p:sp>
-      <p:sp>
-        <p:nvSpPr>
-          <p:cNvPr id="4" name="Rounded Rectangle 3"/>
-          <p:cNvSpPr/>
-          <p:nvPr/>
-        </p:nvSpPr>
-        <p:spPr>
-          <a:xfrm>
-            <a:off x="1087396" y="2133599"/>
-            <a:ext cx="9094572" cy="634314"/>
-          </a:xfrm>
-          <a:prstGeom prst="roundRect">
-            <a:avLst/>
-          </a:prstGeom>
-        </p:spPr>
-        <p:style>
-          <a:lnRef idx="1">
-            <a:schemeClr val="accent3"/>
-          </a:lnRef>
-          <a:fillRef idx="2">
-            <a:schemeClr val="accent3"/>
-          </a:fillRef>
-          <a:effectRef idx="1">
-            <a:schemeClr val="accent3"/>
-          </a:effectRef>
-          <a:fontRef idx="minor">
-            <a:schemeClr val="dk1"/>
-          </a:fontRef>
-        </p:style>
-        <p:txBody>
-          <a:bodyPr rtlCol="0" anchor="ctr"/>
-          <a:lstStyle/>
-          <a:p>
-            <a:pPr algn="ctr"/>
-            <a:r>
-              <a:rPr lang="en-US" dirty="0">
-                <a:latin typeface="Consolas" panose="020B0609020204030204" pitchFamily="49" charset="0"/>
-                <a:cs typeface="Consolas" panose="020B0609020204030204" pitchFamily="49" charset="0"/>
-              </a:rPr>
-              <a:t>r</a:t>
-            </a:r>
-            <a:r>
-              <a:rPr lang="en-US" dirty="0" smtClean="0">
-                <a:latin typeface="Consolas" panose="020B0609020204030204" pitchFamily="49" charset="0"/>
-                <a:cs typeface="Consolas" panose="020B0609020204030204" pitchFamily="49" charset="0"/>
-              </a:rPr>
-              <a:t>eturn </a:t>
-            </a:r>
-            <a:r>
-              <a:rPr lang="en-US" dirty="0" err="1" smtClean="0">
-                <a:latin typeface="Consolas" panose="020B0609020204030204" pitchFamily="49" charset="0"/>
-                <a:cs typeface="Consolas" panose="020B0609020204030204" pitchFamily="49" charset="0"/>
-              </a:rPr>
-              <a:t>HttpResponse</a:t>
-            </a:r>
-            <a:r>
-              <a:rPr lang="en-US" dirty="0" smtClean="0">
-                <a:latin typeface="Consolas" panose="020B0609020204030204" pitchFamily="49" charset="0"/>
-                <a:cs typeface="Consolas" panose="020B0609020204030204" pitchFamily="49" charset="0"/>
-              </a:rPr>
-              <a:t>('&lt;html&gt;&lt;body&gt;Hello, Django!&lt;/body&gt;&lt;/html&gt;')</a:t>
-            </a:r>
-            <a:endParaRPr lang="en-US" dirty="0">
-              <a:latin typeface="Consolas" panose="020B0609020204030204" pitchFamily="49" charset="0"/>
-              <a:cs typeface="Consolas" panose="020B0609020204030204" pitchFamily="49" charset="0"/>
-            </a:endParaRPr>
-          </a:p>
-        </p:txBody>
-      </p:sp>
-      <p:sp>
-        <p:nvSpPr>
-          <p:cNvPr id="5" name="Rounded Rectangle 4"/>
-          <p:cNvSpPr/>
-          <p:nvPr/>
-        </p:nvSpPr>
-        <p:spPr>
-          <a:xfrm>
-            <a:off x="1087396" y="4197178"/>
-            <a:ext cx="9094572" cy="634314"/>
-          </a:xfrm>
-          <a:prstGeom prst="roundRect">
-            <a:avLst/>
-          </a:prstGeom>
-        </p:spPr>
-        <p:style>
-          <a:lnRef idx="1">
-            <a:schemeClr val="accent3"/>
-          </a:lnRef>
-          <a:fillRef idx="2">
-            <a:schemeClr val="accent3"/>
-          </a:fillRef>
-          <a:effectRef idx="1">
-            <a:schemeClr val="accent3"/>
-          </a:effectRef>
-          <a:fontRef idx="minor">
-            <a:schemeClr val="dk1"/>
-          </a:fontRef>
-        </p:style>
-        <p:txBody>
-          <a:bodyPr rtlCol="0" anchor="ctr"/>
-          <a:lstStyle/>
-          <a:p>
-            <a:pPr algn="ctr"/>
-            <a:r>
-              <a:rPr lang="en-US" dirty="0">
-                <a:latin typeface="Consolas" panose="020B0609020204030204" pitchFamily="49" charset="0"/>
-                <a:cs typeface="Consolas" panose="020B0609020204030204" pitchFamily="49" charset="0"/>
-              </a:rPr>
-              <a:t>r</a:t>
-            </a:r>
-            <a:r>
-              <a:rPr lang="en-US" dirty="0" smtClean="0">
-                <a:latin typeface="Consolas" panose="020B0609020204030204" pitchFamily="49" charset="0"/>
-                <a:cs typeface="Consolas" panose="020B0609020204030204" pitchFamily="49" charset="0"/>
-              </a:rPr>
-              <a:t>eturn </a:t>
-            </a:r>
-            <a:r>
-              <a:rPr lang="en-US" dirty="0" err="1" smtClean="0">
-                <a:latin typeface="Consolas" panose="020B0609020204030204" pitchFamily="49" charset="0"/>
-                <a:cs typeface="Consolas" panose="020B0609020204030204" pitchFamily="49" charset="0"/>
-              </a:rPr>
-              <a:t>HttpResponseNotFound</a:t>
-            </a:r>
-            <a:r>
-              <a:rPr lang="en-US" dirty="0" smtClean="0">
-                <a:latin typeface="Consolas" panose="020B0609020204030204" pitchFamily="49" charset="0"/>
-                <a:cs typeface="Consolas" panose="020B0609020204030204" pitchFamily="49" charset="0"/>
-              </a:rPr>
-              <a:t>('&lt;html&gt;&lt;body&gt;you seem lost&lt;/body&gt;&lt;/html&gt;')</a:t>
-            </a:r>
-            <a:endParaRPr lang="en-US" dirty="0">
-              <a:latin typeface="Consolas" panose="020B0609020204030204" pitchFamily="49" charset="0"/>
-              <a:cs typeface="Consolas" panose="020B0609020204030204" pitchFamily="49" charset="0"/>
-            </a:endParaRPr>
           </a:p>
         </p:txBody>
       </p:sp>
     </p:spTree>
     <p:extLst>
       <p:ext uri="{BB962C8B-B14F-4D97-AF65-F5344CB8AC3E}">
-        <p14:creationId xmlns:p14="http://schemas.microsoft.com/office/powerpoint/2010/main" val="1248463364"/>
+        <p14:creationId xmlns:p14="http://schemas.microsoft.com/office/powerpoint/2010/main" val="260187653"/>
       </p:ext>
     </p:extLst>
   </p:cSld>
@@ -7131,7 +6041,7 @@
       </p:grpSpPr>
       <p:sp>
         <p:nvSpPr>
-          <p:cNvPr id="4" name="Title 3"/>
+          <p:cNvPr id="2" name="Title 1"/>
           <p:cNvSpPr>
             <a:spLocks noGrp="1"/>
           </p:cNvSpPr>
@@ -7146,16 +6056,228 @@
           <a:p>
             <a:r>
               <a:rPr lang="en-US" dirty="0" smtClean="0"/>
-              <a:t>Creating a Hello, Django page</a:t>
+              <a:t>Template example</a:t>
             </a:r>
             <a:endParaRPr lang="en-US" dirty="0"/>
+          </a:p>
+        </p:txBody>
+      </p:sp>
+      <p:sp>
+        <p:nvSpPr>
+          <p:cNvPr id="5" name="Content Placeholder 4"/>
+          <p:cNvSpPr>
+            <a:spLocks noGrp="1"/>
+          </p:cNvSpPr>
+          <p:nvPr>
+            <p:ph sz="quarter" idx="10"/>
+          </p:nvPr>
+        </p:nvSpPr>
+        <p:spPr/>
+        <p:txBody>
+          <a:bodyPr/>
+          <a:lstStyle/>
+          <a:p>
+            <a:pPr marL="0" indent="0">
+              <a:buNone/>
+            </a:pPr>
+            <a:r>
+              <a:rPr lang="en-US" sz="2400" dirty="0">
+                <a:latin typeface="Consolas" panose="020B0609020204030204" pitchFamily="49" charset="0"/>
+                <a:cs typeface="Consolas" panose="020B0609020204030204" pitchFamily="49" charset="0"/>
+              </a:rPr>
+              <a:t>&lt;html&gt;</a:t>
+            </a:r>
+          </a:p>
+          <a:p>
+            <a:pPr marL="0" indent="0">
+              <a:buNone/>
+            </a:pPr>
+            <a:r>
+              <a:rPr lang="en-US" sz="2400" dirty="0">
+                <a:latin typeface="Consolas" panose="020B0609020204030204" pitchFamily="49" charset="0"/>
+                <a:cs typeface="Consolas" panose="020B0609020204030204" pitchFamily="49" charset="0"/>
+              </a:rPr>
+              <a:t>    &lt;head&gt;</a:t>
+            </a:r>
+          </a:p>
+          <a:p>
+            <a:pPr marL="0" indent="0">
+              <a:buNone/>
+            </a:pPr>
+            <a:r>
+              <a:rPr lang="en-US" sz="2400" dirty="0">
+                <a:latin typeface="Consolas" panose="020B0609020204030204" pitchFamily="49" charset="0"/>
+                <a:cs typeface="Consolas" panose="020B0609020204030204" pitchFamily="49" charset="0"/>
+              </a:rPr>
+              <a:t>        &lt;title&gt;</a:t>
+            </a:r>
+            <a:r>
+              <a:rPr lang="en-US" sz="2400" dirty="0">
+                <a:solidFill>
+                  <a:srgbClr val="7030A0"/>
+                </a:solidFill>
+                <a:latin typeface="Consolas" panose="020B0609020204030204" pitchFamily="49" charset="0"/>
+                <a:cs typeface="Consolas" panose="020B0609020204030204" pitchFamily="49" charset="0"/>
+              </a:rPr>
+              <a:t>{{ name }}</a:t>
+            </a:r>
+            <a:r>
+              <a:rPr lang="en-US" sz="2400" dirty="0">
+                <a:latin typeface="Consolas" panose="020B0609020204030204" pitchFamily="49" charset="0"/>
+                <a:cs typeface="Consolas" panose="020B0609020204030204" pitchFamily="49" charset="0"/>
+              </a:rPr>
+              <a:t>&lt;/title&gt;</a:t>
+            </a:r>
+          </a:p>
+          <a:p>
+            <a:pPr marL="0" indent="0">
+              <a:buNone/>
+            </a:pPr>
+            <a:r>
+              <a:rPr lang="en-US" sz="2400" dirty="0">
+                <a:latin typeface="Consolas" panose="020B0609020204030204" pitchFamily="49" charset="0"/>
+                <a:cs typeface="Consolas" panose="020B0609020204030204" pitchFamily="49" charset="0"/>
+              </a:rPr>
+              <a:t>    &lt;/head&gt;</a:t>
+            </a:r>
+          </a:p>
+          <a:p>
+            <a:pPr marL="0" indent="0">
+              <a:buNone/>
+            </a:pPr>
+            <a:r>
+              <a:rPr lang="en-US" sz="2400" dirty="0">
+                <a:latin typeface="Consolas" panose="020B0609020204030204" pitchFamily="49" charset="0"/>
+                <a:cs typeface="Consolas" panose="020B0609020204030204" pitchFamily="49" charset="0"/>
+              </a:rPr>
+              <a:t>    &lt;body&gt;</a:t>
+            </a:r>
+          </a:p>
+          <a:p>
+            <a:pPr marL="0" indent="0">
+              <a:buNone/>
+            </a:pPr>
+            <a:r>
+              <a:rPr lang="en-US" sz="2400" dirty="0">
+                <a:latin typeface="Consolas" panose="020B0609020204030204" pitchFamily="49" charset="0"/>
+                <a:cs typeface="Consolas" panose="020B0609020204030204" pitchFamily="49" charset="0"/>
+              </a:rPr>
+              <a:t>        &lt;h1&gt;</a:t>
+            </a:r>
+            <a:r>
+              <a:rPr lang="en-US" sz="2400" dirty="0">
+                <a:solidFill>
+                  <a:srgbClr val="7030A0"/>
+                </a:solidFill>
+                <a:latin typeface="Consolas" panose="020B0609020204030204" pitchFamily="49" charset="0"/>
+                <a:cs typeface="Consolas" panose="020B0609020204030204" pitchFamily="49" charset="0"/>
+              </a:rPr>
+              <a:t>{{ name }}</a:t>
+            </a:r>
+            <a:r>
+              <a:rPr lang="en-US" sz="2400" dirty="0">
+                <a:latin typeface="Consolas" panose="020B0609020204030204" pitchFamily="49" charset="0"/>
+                <a:cs typeface="Consolas" panose="020B0609020204030204" pitchFamily="49" charset="0"/>
+              </a:rPr>
+              <a:t>&lt;/h1&gt;</a:t>
+            </a:r>
+          </a:p>
+          <a:p>
+            <a:pPr marL="0" indent="0">
+              <a:buNone/>
+            </a:pPr>
+            <a:r>
+              <a:rPr lang="en-US" sz="2400" dirty="0">
+                <a:latin typeface="Consolas" panose="020B0609020204030204" pitchFamily="49" charset="0"/>
+                <a:cs typeface="Consolas" panose="020B0609020204030204" pitchFamily="49" charset="0"/>
+              </a:rPr>
+              <a:t>        &lt;div&gt;</a:t>
+            </a:r>
+            <a:r>
+              <a:rPr lang="en-US" sz="2400" dirty="0">
+                <a:solidFill>
+                  <a:srgbClr val="7030A0"/>
+                </a:solidFill>
+                <a:latin typeface="Consolas" panose="020B0609020204030204" pitchFamily="49" charset="0"/>
+                <a:cs typeface="Consolas" panose="020B0609020204030204" pitchFamily="49" charset="0"/>
+              </a:rPr>
+              <a:t>{{ name }}</a:t>
+            </a:r>
+            <a:r>
+              <a:rPr lang="en-US" sz="2400" dirty="0">
+                <a:latin typeface="Consolas" panose="020B0609020204030204" pitchFamily="49" charset="0"/>
+                <a:cs typeface="Consolas" panose="020B0609020204030204" pitchFamily="49" charset="0"/>
+              </a:rPr>
+              <a:t> formed in </a:t>
+            </a:r>
+            <a:r>
+              <a:rPr lang="en-US" sz="2400" dirty="0">
+                <a:solidFill>
+                  <a:srgbClr val="7030A0"/>
+                </a:solidFill>
+                <a:latin typeface="Consolas" panose="020B0609020204030204" pitchFamily="49" charset="0"/>
+                <a:cs typeface="Consolas" panose="020B0609020204030204" pitchFamily="49" charset="0"/>
+              </a:rPr>
+              <a:t>{{ </a:t>
+            </a:r>
+            <a:r>
+              <a:rPr lang="en-US" sz="2400" dirty="0" err="1">
+                <a:solidFill>
+                  <a:srgbClr val="7030A0"/>
+                </a:solidFill>
+                <a:latin typeface="Consolas" panose="020B0609020204030204" pitchFamily="49" charset="0"/>
+                <a:cs typeface="Consolas" panose="020B0609020204030204" pitchFamily="49" charset="0"/>
+              </a:rPr>
+              <a:t>year_formed</a:t>
+            </a:r>
+            <a:r>
+              <a:rPr lang="en-US" sz="2400" dirty="0">
+                <a:solidFill>
+                  <a:srgbClr val="7030A0"/>
+                </a:solidFill>
+                <a:latin typeface="Consolas" panose="020B0609020204030204" pitchFamily="49" charset="0"/>
+                <a:cs typeface="Consolas" panose="020B0609020204030204" pitchFamily="49" charset="0"/>
+              </a:rPr>
+              <a:t> }}</a:t>
+            </a:r>
+            <a:r>
+              <a:rPr lang="en-US" sz="2400" dirty="0">
+                <a:latin typeface="Consolas" panose="020B0609020204030204" pitchFamily="49" charset="0"/>
+                <a:cs typeface="Consolas" panose="020B0609020204030204" pitchFamily="49" charset="0"/>
+              </a:rPr>
+              <a:t>&lt;/div&gt;</a:t>
+            </a:r>
+          </a:p>
+          <a:p>
+            <a:pPr marL="0" indent="0">
+              <a:buNone/>
+            </a:pPr>
+            <a:r>
+              <a:rPr lang="en-US" sz="2400" dirty="0">
+                <a:latin typeface="Consolas" panose="020B0609020204030204" pitchFamily="49" charset="0"/>
+                <a:cs typeface="Consolas" panose="020B0609020204030204" pitchFamily="49" charset="0"/>
+              </a:rPr>
+              <a:t>    &lt;/body&gt;</a:t>
+            </a:r>
+          </a:p>
+          <a:p>
+            <a:pPr marL="0" indent="0">
+              <a:buNone/>
+            </a:pPr>
+            <a:r>
+              <a:rPr lang="en-US" sz="2400" dirty="0">
+                <a:latin typeface="Consolas" panose="020B0609020204030204" pitchFamily="49" charset="0"/>
+                <a:cs typeface="Consolas" panose="020B0609020204030204" pitchFamily="49" charset="0"/>
+              </a:rPr>
+              <a:t>&lt;/html&gt;</a:t>
+            </a:r>
           </a:p>
         </p:txBody>
       </p:sp>
     </p:spTree>
     <p:extLst>
       <p:ext uri="{BB962C8B-B14F-4D97-AF65-F5344CB8AC3E}">
-        <p14:creationId xmlns:p14="http://schemas.microsoft.com/office/powerpoint/2010/main" val="651571568"/>
+        <p14:creationId xmlns:p14="http://schemas.microsoft.com/office/powerpoint/2010/main" val="2643601359"/>
       </p:ext>
     </p:extLst>
   </p:cSld>
@@ -7191,12 +6313,12 @@
       </p:grpSpPr>
       <p:sp>
         <p:nvSpPr>
-          <p:cNvPr id="4" name="Text Placeholder 3"/>
+          <p:cNvPr id="2" name="Title 1"/>
           <p:cNvSpPr>
             <a:spLocks noGrp="1"/>
           </p:cNvSpPr>
           <p:nvPr>
-            <p:ph type="body" sz="quarter" idx="10"/>
+            <p:ph type="title"/>
           </p:nvPr>
         </p:nvSpPr>
         <p:spPr/>
@@ -7206,7 +6328,7 @@
           <a:p>
             <a:r>
               <a:rPr lang="en-US" dirty="0" smtClean="0"/>
-              <a:t>Using templates</a:t>
+              <a:t>Looping through collections</a:t>
             </a:r>
             <a:endParaRPr lang="en-US" dirty="0"/>
           </a:p>
@@ -7214,12 +6336,12 @@
       </p:sp>
       <p:sp>
         <p:nvSpPr>
-          <p:cNvPr id="3" name="Subtitle 2"/>
+          <p:cNvPr id="3" name="Content Placeholder 2"/>
           <p:cNvSpPr>
             <a:spLocks noGrp="1"/>
           </p:cNvSpPr>
           <p:nvPr>
-            <p:ph type="subTitle" idx="1"/>
+            <p:ph sz="quarter" idx="10"/>
           </p:nvPr>
         </p:nvSpPr>
         <p:spPr/>
@@ -7227,14 +6349,190 @@
           <a:bodyPr/>
           <a:lstStyle/>
           <a:p>
-            <a:endParaRPr lang="en-US" dirty="0"/>
+            <a:pPr marL="0" indent="0">
+              <a:buNone/>
+            </a:pPr>
+            <a:r>
+              <a:rPr lang="en-US" dirty="0" smtClean="0">
+                <a:latin typeface="Consolas" panose="020B0609020204030204" pitchFamily="49" charset="0"/>
+                <a:cs typeface="Consolas" panose="020B0609020204030204" pitchFamily="49" charset="0"/>
+              </a:rPr>
+              <a:t>&lt;</a:t>
+            </a:r>
+            <a:r>
+              <a:rPr lang="en-US" dirty="0" err="1" smtClean="0">
+                <a:latin typeface="Consolas" panose="020B0609020204030204" pitchFamily="49" charset="0"/>
+                <a:cs typeface="Consolas" panose="020B0609020204030204" pitchFamily="49" charset="0"/>
+              </a:rPr>
+              <a:t>ul</a:t>
+            </a:r>
+            <a:r>
+              <a:rPr lang="en-US" dirty="0" smtClean="0">
+                <a:latin typeface="Consolas" panose="020B0609020204030204" pitchFamily="49" charset="0"/>
+                <a:cs typeface="Consolas" panose="020B0609020204030204" pitchFamily="49" charset="0"/>
+              </a:rPr>
+              <a:t>&gt;</a:t>
+            </a:r>
+          </a:p>
+          <a:p>
+            <a:pPr marL="0" indent="0">
+              <a:buNone/>
+            </a:pPr>
+            <a:r>
+              <a:rPr lang="en-US" dirty="0" smtClean="0">
+                <a:latin typeface="Consolas" panose="020B0609020204030204" pitchFamily="49" charset="0"/>
+                <a:cs typeface="Consolas" panose="020B0609020204030204" pitchFamily="49" charset="0"/>
+              </a:rPr>
+              <a:t>	</a:t>
+            </a:r>
+            <a:r>
+              <a:rPr lang="en-US" dirty="0" smtClean="0">
+                <a:solidFill>
+                  <a:srgbClr val="7030A0"/>
+                </a:solidFill>
+                <a:latin typeface="Consolas" panose="020B0609020204030204" pitchFamily="49" charset="0"/>
+                <a:cs typeface="Consolas" panose="020B0609020204030204" pitchFamily="49" charset="0"/>
+              </a:rPr>
+              <a:t>{% for </a:t>
+            </a:r>
+            <a:r>
+              <a:rPr lang="en-US" dirty="0" smtClean="0">
+                <a:solidFill>
+                  <a:srgbClr val="C00000"/>
+                </a:solidFill>
+                <a:latin typeface="Consolas" panose="020B0609020204030204" pitchFamily="49" charset="0"/>
+                <a:cs typeface="Consolas" panose="020B0609020204030204" pitchFamily="49" charset="0"/>
+              </a:rPr>
+              <a:t>album</a:t>
+            </a:r>
+            <a:r>
+              <a:rPr lang="en-US" dirty="0" smtClean="0">
+                <a:solidFill>
+                  <a:srgbClr val="7030A0"/>
+                </a:solidFill>
+                <a:latin typeface="Consolas" panose="020B0609020204030204" pitchFamily="49" charset="0"/>
+                <a:cs typeface="Consolas" panose="020B0609020204030204" pitchFamily="49" charset="0"/>
+              </a:rPr>
+              <a:t> in </a:t>
+            </a:r>
+            <a:r>
+              <a:rPr lang="en-US" dirty="0" smtClean="0">
+                <a:solidFill>
+                  <a:srgbClr val="C00000"/>
+                </a:solidFill>
+                <a:latin typeface="Consolas" panose="020B0609020204030204" pitchFamily="49" charset="0"/>
+                <a:cs typeface="Consolas" panose="020B0609020204030204" pitchFamily="49" charset="0"/>
+              </a:rPr>
+              <a:t>albums</a:t>
+            </a:r>
+            <a:r>
+              <a:rPr lang="en-US" dirty="0" smtClean="0">
+                <a:solidFill>
+                  <a:srgbClr val="7030A0"/>
+                </a:solidFill>
+                <a:latin typeface="Consolas" panose="020B0609020204030204" pitchFamily="49" charset="0"/>
+                <a:cs typeface="Consolas" panose="020B0609020204030204" pitchFamily="49" charset="0"/>
+              </a:rPr>
+              <a:t> %}</a:t>
+            </a:r>
+          </a:p>
+          <a:p>
+            <a:pPr marL="0" indent="0">
+              <a:buNone/>
+            </a:pPr>
+            <a:r>
+              <a:rPr lang="en-US" dirty="0">
+                <a:latin typeface="Consolas" panose="020B0609020204030204" pitchFamily="49" charset="0"/>
+                <a:cs typeface="Consolas" panose="020B0609020204030204" pitchFamily="49" charset="0"/>
+              </a:rPr>
+              <a:t>	</a:t>
+            </a:r>
+            <a:r>
+              <a:rPr lang="en-US" dirty="0" smtClean="0">
+                <a:latin typeface="Consolas" panose="020B0609020204030204" pitchFamily="49" charset="0"/>
+                <a:cs typeface="Consolas" panose="020B0609020204030204" pitchFamily="49" charset="0"/>
+              </a:rPr>
+              <a:t>	&lt;li&gt;{{ album.name }}&lt;/li&gt;</a:t>
+            </a:r>
+          </a:p>
+          <a:p>
+            <a:pPr marL="0" indent="0">
+              <a:buNone/>
+            </a:pPr>
+            <a:r>
+              <a:rPr lang="en-US" dirty="0">
+                <a:latin typeface="Consolas" panose="020B0609020204030204" pitchFamily="49" charset="0"/>
+                <a:cs typeface="Consolas" panose="020B0609020204030204" pitchFamily="49" charset="0"/>
+              </a:rPr>
+              <a:t>	</a:t>
+            </a:r>
+            <a:r>
+              <a:rPr lang="en-US" dirty="0" smtClean="0">
+                <a:solidFill>
+                  <a:srgbClr val="7030A0"/>
+                </a:solidFill>
+                <a:latin typeface="Consolas" panose="020B0609020204030204" pitchFamily="49" charset="0"/>
+                <a:cs typeface="Consolas" panose="020B0609020204030204" pitchFamily="49" charset="0"/>
+              </a:rPr>
+              <a:t>{% </a:t>
+            </a:r>
+            <a:r>
+              <a:rPr lang="en-US" dirty="0" err="1" smtClean="0">
+                <a:solidFill>
+                  <a:srgbClr val="7030A0"/>
+                </a:solidFill>
+                <a:latin typeface="Consolas" panose="020B0609020204030204" pitchFamily="49" charset="0"/>
+                <a:cs typeface="Consolas" panose="020B0609020204030204" pitchFamily="49" charset="0"/>
+              </a:rPr>
+              <a:t>endfor</a:t>
+            </a:r>
+            <a:r>
+              <a:rPr lang="en-US" dirty="0" smtClean="0">
+                <a:solidFill>
+                  <a:srgbClr val="7030A0"/>
+                </a:solidFill>
+                <a:latin typeface="Consolas" panose="020B0609020204030204" pitchFamily="49" charset="0"/>
+                <a:cs typeface="Consolas" panose="020B0609020204030204" pitchFamily="49" charset="0"/>
+              </a:rPr>
+              <a:t> %}</a:t>
+            </a:r>
+          </a:p>
+          <a:p>
+            <a:pPr marL="0" indent="0">
+              <a:buNone/>
+            </a:pPr>
+            <a:r>
+              <a:rPr lang="en-US" dirty="0" smtClean="0">
+                <a:latin typeface="Consolas" panose="020B0609020204030204" pitchFamily="49" charset="0"/>
+                <a:cs typeface="Consolas" panose="020B0609020204030204" pitchFamily="49" charset="0"/>
+              </a:rPr>
+              <a:t>&lt;/</a:t>
+            </a:r>
+            <a:r>
+              <a:rPr lang="en-US" dirty="0" err="1" smtClean="0">
+                <a:latin typeface="Consolas" panose="020B0609020204030204" pitchFamily="49" charset="0"/>
+                <a:cs typeface="Consolas" panose="020B0609020204030204" pitchFamily="49" charset="0"/>
+              </a:rPr>
+              <a:t>ul</a:t>
+            </a:r>
+            <a:r>
+              <a:rPr lang="en-US" dirty="0" smtClean="0">
+                <a:latin typeface="Consolas" panose="020B0609020204030204" pitchFamily="49" charset="0"/>
+                <a:cs typeface="Consolas" panose="020B0609020204030204" pitchFamily="49" charset="0"/>
+              </a:rPr>
+              <a:t>&gt;</a:t>
+            </a:r>
+            <a:endParaRPr lang="en-US" dirty="0">
+              <a:latin typeface="Consolas" panose="020B0609020204030204" pitchFamily="49" charset="0"/>
+              <a:cs typeface="Consolas" panose="020B0609020204030204" pitchFamily="49" charset="0"/>
+            </a:endParaRPr>
           </a:p>
         </p:txBody>
       </p:sp>
     </p:spTree>
     <p:extLst>
       <p:ext uri="{BB962C8B-B14F-4D97-AF65-F5344CB8AC3E}">
-        <p14:creationId xmlns:p14="http://schemas.microsoft.com/office/powerpoint/2010/main" val="2290117715"/>
+        <p14:creationId xmlns:p14="http://schemas.microsoft.com/office/powerpoint/2010/main" val="235959698"/>
       </p:ext>
     </p:extLst>
   </p:cSld>
@@ -7270,7 +6568,7 @@
       </p:grpSpPr>
       <p:sp>
         <p:nvSpPr>
-          <p:cNvPr id="4" name="Title 3"/>
+          <p:cNvPr id="2" name="Title 1"/>
           <p:cNvSpPr>
             <a:spLocks noGrp="1"/>
           </p:cNvSpPr>
@@ -7285,7 +6583,7 @@
           <a:p>
             <a:r>
               <a:rPr lang="en-US" dirty="0" smtClean="0"/>
-              <a:t>How do I send back complex HTML?</a:t>
+              <a:t>How do I specify the use of a template</a:t>
             </a:r>
             <a:endParaRPr lang="en-US" dirty="0"/>
           </a:p>
@@ -7293,7 +6591,7 @@
       </p:sp>
       <p:sp>
         <p:nvSpPr>
-          <p:cNvPr id="5" name="Content Placeholder 4"/>
+          <p:cNvPr id="3" name="Content Placeholder 2"/>
           <p:cNvSpPr>
             <a:spLocks noGrp="1"/>
           </p:cNvSpPr>
@@ -7301,20 +6599,88 @@
             <p:ph sz="quarter" idx="10"/>
           </p:nvPr>
         </p:nvSpPr>
-        <p:spPr/>
+        <p:spPr>
+          <a:xfrm>
+            <a:off x="379413" y="1388226"/>
+            <a:ext cx="11656068" cy="5290388"/>
+          </a:xfrm>
+        </p:spPr>
         <p:txBody>
           <a:bodyPr/>
           <a:lstStyle/>
           <a:p>
             <a:r>
               <a:rPr lang="en-US" dirty="0" smtClean="0"/>
-              <a:t>Django supports templates for creating complex template</a:t>
-            </a:r>
-          </a:p>
-          <a:p>
-            <a:r>
-              <a:rPr lang="en-US" dirty="0" smtClean="0"/>
-              <a:t>A template has a collection of placeholders for dynamic content</a:t>
+              <a:t>Use </a:t>
+            </a:r>
+            <a:r>
+              <a:rPr lang="en-US" b="1" dirty="0" err="1" smtClean="0"/>
+              <a:t>render_to_response</a:t>
+            </a:r>
+            <a:endParaRPr lang="en-US" dirty="0" smtClean="0"/>
+          </a:p>
+          <a:p>
+            <a:pPr marL="0" indent="0">
+              <a:buNone/>
+            </a:pPr>
+            <a:endParaRPr lang="en-US" b="1" dirty="0"/>
+          </a:p>
+          <a:p>
+            <a:pPr marL="0" indent="0">
+              <a:buNone/>
+            </a:pPr>
+            <a:r>
+              <a:rPr lang="en-US" sz="2400" dirty="0" smtClean="0">
+                <a:latin typeface="Consolas" panose="020B0609020204030204" pitchFamily="49" charset="0"/>
+                <a:cs typeface="Consolas" panose="020B0609020204030204" pitchFamily="49" charset="0"/>
+              </a:rPr>
+              <a:t>return </a:t>
+            </a:r>
+            <a:r>
+              <a:rPr lang="en-US" sz="2400" dirty="0" err="1" smtClean="0">
+                <a:latin typeface="Consolas" panose="020B0609020204030204" pitchFamily="49" charset="0"/>
+                <a:cs typeface="Consolas" panose="020B0609020204030204" pitchFamily="49" charset="0"/>
+              </a:rPr>
+              <a:t>render_to_response</a:t>
+            </a:r>
+            <a:r>
+              <a:rPr lang="en-US" sz="2400" dirty="0" smtClean="0">
+                <a:latin typeface="Consolas" panose="020B0609020204030204" pitchFamily="49" charset="0"/>
+                <a:cs typeface="Consolas" panose="020B0609020204030204" pitchFamily="49" charset="0"/>
+              </a:rPr>
+              <a:t>('template.html', {'</a:t>
+            </a:r>
+            <a:r>
+              <a:rPr lang="en-US" sz="2400" dirty="0" err="1" smtClean="0">
+                <a:latin typeface="Consolas" panose="020B0609020204030204" pitchFamily="49" charset="0"/>
+                <a:cs typeface="Consolas" panose="020B0609020204030204" pitchFamily="49" charset="0"/>
+              </a:rPr>
+              <a:t>variable_name':value</a:t>
+            </a:r>
+            <a:r>
+              <a:rPr lang="en-US" sz="2400" dirty="0" smtClean="0">
+                <a:latin typeface="Consolas" panose="020B0609020204030204" pitchFamily="49" charset="0"/>
+                <a:cs typeface="Consolas" panose="020B0609020204030204" pitchFamily="49" charset="0"/>
+              </a:rPr>
+              <a:t>});</a:t>
+            </a:r>
+          </a:p>
+          <a:p>
+            <a:pPr marL="0" indent="0">
+              <a:buNone/>
+            </a:pPr>
+            <a:endParaRPr lang="en-US" dirty="0"/>
+          </a:p>
+          <a:p>
+            <a:r>
+              <a:rPr lang="en-US" dirty="0" smtClean="0"/>
+              <a:t>First parameter is the name of the template</a:t>
+            </a:r>
+          </a:p>
+          <a:p>
+            <a:r>
+              <a:rPr lang="en-US" dirty="0" smtClean="0"/>
+              <a:t>The second parameter is the collection of variables the template expects</a:t>
             </a:r>
             <a:endParaRPr lang="en-US" dirty="0"/>
           </a:p>
@@ -7323,7 +6689,7 @@
     </p:spTree>
     <p:extLst>
       <p:ext uri="{BB962C8B-B14F-4D97-AF65-F5344CB8AC3E}">
-        <p14:creationId xmlns:p14="http://schemas.microsoft.com/office/powerpoint/2010/main" val="3745197048"/>
+        <p14:creationId xmlns:p14="http://schemas.microsoft.com/office/powerpoint/2010/main" val="2976823895"/>
       </p:ext>
     </p:extLst>
   </p:cSld>

--- a/Slides/Module 5 - Controlers and Views.pptx
+++ b/Slides/Module 5 - Controlers and Views.pptx
@@ -3796,6 +3796,13 @@
   <p:clrMapOvr>
     <a:masterClrMapping/>
   </p:clrMapOvr>
+  <p:timing>
+    <p:tnLst>
+      <p:par>
+        <p:cTn id="1" dur="indefinite" restart="never" nodeType="tmRoot"/>
+      </p:par>
+    </p:tnLst>
+  </p:timing>
 </p:sld>
 </file>
 
@@ -3892,6 +3899,13 @@
   <p:clrMapOvr>
     <a:masterClrMapping/>
   </p:clrMapOvr>
+  <p:timing>
+    <p:tnLst>
+      <p:par>
+        <p:cTn id="1" dur="indefinite" restart="never" nodeType="tmRoot"/>
+      </p:par>
+    </p:tnLst>
+  </p:timing>
 </p:sld>
 </file>
 
@@ -3977,6 +3991,13 @@
   <p:clrMapOvr>
     <a:masterClrMapping/>
   </p:clrMapOvr>
+  <p:timing>
+    <p:tnLst>
+      <p:par>
+        <p:cTn id="1" dur="indefinite" restart="never" nodeType="tmRoot"/>
+      </p:par>
+    </p:tnLst>
+  </p:timing>
 </p:sld>
 </file>
 
@@ -4059,6 +4080,13 @@
   <p:clrMapOvr>
     <a:masterClrMapping/>
   </p:clrMapOvr>
+  <p:timing>
+    <p:tnLst>
+      <p:par>
+        <p:cTn id="1" dur="indefinite" restart="never" nodeType="tmRoot"/>
+      </p:par>
+    </p:tnLst>
+  </p:timing>
 </p:sld>
 </file>
 
@@ -4166,6 +4194,13 @@
   <p:clrMapOvr>
     <a:masterClrMapping/>
   </p:clrMapOvr>
+  <p:timing>
+    <p:tnLst>
+      <p:par>
+        <p:cTn id="1" dur="indefinite" restart="never" nodeType="tmRoot"/>
+      </p:par>
+    </p:tnLst>
+  </p:timing>
 </p:sld>
 </file>
 
@@ -4273,6 +4308,13 @@
   <p:clrMapOvr>
     <a:masterClrMapping/>
   </p:clrMapOvr>
+  <p:timing>
+    <p:tnLst>
+      <p:par>
+        <p:cTn id="1" dur="indefinite" restart="never" nodeType="tmRoot"/>
+      </p:par>
+    </p:tnLst>
+  </p:timing>
 </p:sld>
 </file>
 
@@ -4363,6 +4405,13 @@
   <p:clrMapOvr>
     <a:masterClrMapping/>
   </p:clrMapOvr>
+  <p:timing>
+    <p:tnLst>
+      <p:par>
+        <p:cTn id="1" dur="indefinite" restart="never" nodeType="tmRoot"/>
+      </p:par>
+    </p:tnLst>
+  </p:timing>
 </p:sld>
 </file>
 
@@ -4420,6 +4469,13 @@
   <p:clrMapOvr>
     <a:masterClrMapping/>
   </p:clrMapOvr>
+  <p:timing>
+    <p:tnLst>
+      <p:par>
+        <p:cTn id="1" dur="indefinite" restart="never" nodeType="tmRoot"/>
+      </p:par>
+    </p:tnLst>
+  </p:timing>
 </p:sld>
 </file>
 
@@ -4926,6 +4982,13 @@
   <p:clrMapOvr>
     <a:masterClrMapping/>
   </p:clrMapOvr>
+  <p:timing>
+    <p:tnLst>
+      <p:par>
+        <p:cTn id="1" dur="indefinite" restart="never" nodeType="tmRoot"/>
+      </p:par>
+    </p:tnLst>
+  </p:timing>
 </p:sld>
 </file>
 
@@ -5138,6 +5201,13 @@
   <p:clrMapOvr>
     <a:masterClrMapping/>
   </p:clrMapOvr>
+  <p:timing>
+    <p:tnLst>
+      <p:par>
+        <p:cTn id="1" dur="indefinite" restart="never" nodeType="tmRoot"/>
+      </p:par>
+    </p:tnLst>
+  </p:timing>
 </p:sld>
 </file>
 
@@ -5245,6 +5315,13 @@
   <p:clrMapOvr>
     <a:masterClrMapping/>
   </p:clrMapOvr>
+  <p:timing>
+    <p:tnLst>
+      <p:par>
+        <p:cTn id="1" dur="indefinite" restart="never" nodeType="tmRoot"/>
+      </p:par>
+    </p:tnLst>
+  </p:timing>
 </p:sld>
 </file>
 
@@ -5298,6 +5375,13 @@
   <p:clrMapOvr>
     <a:masterClrMapping/>
   </p:clrMapOvr>
+  <p:timing>
+    <p:tnLst>
+      <p:par>
+        <p:cTn id="1" dur="indefinite" restart="never" nodeType="tmRoot"/>
+      </p:par>
+    </p:tnLst>
+  </p:timing>
 </p:sld>
 </file>
 
